--- a/spring12/slidesS12/slides2w.pptx
+++ b/spring12/slidesS12/slides2w.pptx
@@ -11968,8 +11968,8 @@
   <p:clrMapOvr>
     <a:masterClrMapping/>
   </p:clrMapOvr>
-  <p:transition xmlns:p14="http://schemas.microsoft.com/office/powerpoint/2010/main">
-    <p:fade/>
+  <p:transition xmlns:p14="http://schemas.microsoft.com/office/powerpoint/2010/main" spd="slow">
+    <p:fade thruBlk="1"/>
   </p:transition>
   <p:timing>
     <p:tnLst>
@@ -14489,7 +14489,7 @@
           <a:graphicData uri="http://schemas.openxmlformats.org/presentationml/2006/ole">
             <mc:AlternateContent xmlns:mc="http://schemas.openxmlformats.org/markup-compatibility/2006">
               <mc:Choice xmlns:v="urn:schemas-microsoft-com:vml" Requires="v">
-                <p:oleObj spid="_x0000_s402485" name="Equation" r:id="rId4" imgW="800100" imgH="228600" progId="Equation.DSMT4">
+                <p:oleObj spid="_x0000_s402506" name="Equation" r:id="rId4" imgW="800100" imgH="228600" progId="Equation.DSMT4">
                   <p:embed/>
                 </p:oleObj>
               </mc:Choice>
@@ -14565,7 +14565,7 @@
             <a:graphicData uri="http://schemas.openxmlformats.org/presentationml/2006/ole">
               <mc:AlternateContent xmlns:mc="http://schemas.openxmlformats.org/markup-compatibility/2006">
                 <mc:Choice xmlns:v="urn:schemas-microsoft-com:vml" Requires="v">
-                  <p:oleObj spid="_x0000_s402486" name="Equation" r:id="rId6" imgW="520700" imgH="304800" progId="Equation.DSMT4">
+                  <p:oleObj spid="_x0000_s402507" name="Equation" r:id="rId6" imgW="520700" imgH="304800" progId="Equation.DSMT4">
                     <p:embed/>
                   </p:oleObj>
                 </mc:Choice>
@@ -14672,7 +14672,7 @@
             <a:graphicData uri="http://schemas.openxmlformats.org/presentationml/2006/ole">
               <mc:AlternateContent xmlns:mc="http://schemas.openxmlformats.org/markup-compatibility/2006">
                 <mc:Choice xmlns:v="urn:schemas-microsoft-com:vml" Requires="v">
-                  <p:oleObj spid="_x0000_s402487" name="Equation" r:id="rId8" imgW="584200" imgH="304800" progId="Equation.DSMT4">
+                  <p:oleObj spid="_x0000_s402508" name="Equation" r:id="rId8" imgW="584200" imgH="304800" progId="Equation.DSMT4">
                     <p:embed/>
                   </p:oleObj>
                 </mc:Choice>
@@ -14743,7 +14743,7 @@
           <a:graphicData uri="http://schemas.openxmlformats.org/presentationml/2006/ole">
             <mc:AlternateContent xmlns:mc="http://schemas.openxmlformats.org/markup-compatibility/2006">
               <mc:Choice xmlns:v="urn:schemas-microsoft-com:vml" Requires="v">
-                <p:oleObj spid="_x0000_s402488" name="Equation" r:id="rId10" imgW="584200" imgH="304800" progId="Equation.DSMT4">
+                <p:oleObj spid="_x0000_s402509" name="Equation" r:id="rId10" imgW="584200" imgH="304800" progId="Equation.DSMT4">
                   <p:embed/>
                 </p:oleObj>
               </mc:Choice>
@@ -14801,7 +14801,18 @@
   <p:clrMapOvr>
     <a:masterClrMapping/>
   </p:clrMapOvr>
-  <p:transition xmlns:p14="http://schemas.microsoft.com/office/powerpoint/2010/main"/>
+  <mc:AlternateContent xmlns:mc="http://schemas.openxmlformats.org/markup-compatibility/2006">
+    <mc:Choice xmlns:p14="http://schemas.microsoft.com/office/powerpoint/2010/main" Requires="p14">
+      <p:transition spd="med" p14:dur="700">
+        <p:fade/>
+      </p:transition>
+    </mc:Choice>
+    <mc:Fallback>
+      <p:transition xmlns:p14="http://schemas.microsoft.com/office/powerpoint/2010/main" spd="med">
+        <p:fade/>
+      </p:transition>
+    </mc:Fallback>
+  </mc:AlternateContent>
   <p:timing>
     <p:tnLst>
       <p:par>
@@ -17143,7 +17154,7 @@
             <a:graphicData uri="http://schemas.openxmlformats.org/presentationml/2006/ole">
               <mc:AlternateContent xmlns:mc="http://schemas.openxmlformats.org/markup-compatibility/2006">
                 <mc:Choice xmlns:v="urn:schemas-microsoft-com:vml" Requires="v">
-                  <p:oleObj spid="_x0000_s1075" name="Equation" r:id="rId4" imgW="520700" imgH="304800" progId="Equation.DSMT4">
+                  <p:oleObj spid="_x0000_s1092" name="Equation" r:id="rId4" imgW="520700" imgH="304800" progId="Equation.DSMT4">
                     <p:embed/>
                   </p:oleObj>
                 </mc:Choice>
@@ -17251,7 +17262,7 @@
           <a:graphicData uri="http://schemas.openxmlformats.org/presentationml/2006/ole">
             <mc:AlternateContent xmlns:mc="http://schemas.openxmlformats.org/markup-compatibility/2006">
               <mc:Choice xmlns:v="urn:schemas-microsoft-com:vml" Requires="v">
-                <p:oleObj spid="_x0000_s1076" name="Equation" r:id="rId6" imgW="584200" imgH="304800" progId="Equation.DSMT4">
+                <p:oleObj spid="_x0000_s1093" name="Equation" r:id="rId6" imgW="584200" imgH="304800" progId="Equation.DSMT4">
                   <p:embed/>
                 </p:oleObj>
               </mc:Choice>
@@ -18046,7 +18057,7 @@
           <a:graphicData uri="http://schemas.openxmlformats.org/presentationml/2006/ole">
             <mc:AlternateContent xmlns:mc="http://schemas.openxmlformats.org/markup-compatibility/2006">
               <mc:Choice xmlns:v="urn:schemas-microsoft-com:vml" Requires="v">
-                <p:oleObj spid="_x0000_s1077" name="Equation" r:id="rId8" imgW="584200" imgH="304800" progId="Equation.DSMT4">
+                <p:oleObj spid="_x0000_s1094" name="Equation" r:id="rId8" imgW="584200" imgH="304800" progId="Equation.DSMT4">
                   <p:embed/>
                 </p:oleObj>
               </mc:Choice>
@@ -18116,7 +18127,7 @@
           <a:graphicData uri="http://schemas.openxmlformats.org/presentationml/2006/ole">
             <mc:AlternateContent xmlns:mc="http://schemas.openxmlformats.org/markup-compatibility/2006">
               <mc:Choice xmlns:v="urn:schemas-microsoft-com:vml" Requires="v">
-                <p:oleObj spid="_x0000_s1078" name="Equation" r:id="rId10" imgW="800100" imgH="228600" progId="Equation.DSMT4">
+                <p:oleObj spid="_x0000_s1095" name="Equation" r:id="rId10" imgW="800100" imgH="228600" progId="Equation.DSMT4">
                   <p:embed/>
                 </p:oleObj>
               </mc:Choice>
@@ -21408,16 +21419,7 @@
                 </a:solidFill>
                 <a:latin typeface="Comic Sans MS" pitchFamily="66" charset="0"/>
               </a:rPr>
-              <a:t> </a:t>
-            </a:r>
-            <a:r>
-              <a:rPr lang="en-US" dirty="0" smtClean="0">
-                <a:solidFill>
-                  <a:srgbClr val="0000FF"/>
-                </a:solidFill>
-                <a:latin typeface="Comic Sans MS" pitchFamily="66" charset="0"/>
-              </a:rPr>
-              <a:t>IMPLIES</a:t>
+              <a:t> IMPLIES</a:t>
             </a:r>
             <a:endParaRPr lang="en-US" dirty="0">
               <a:latin typeface="Comic Sans MS" pitchFamily="66" charset="0"/>
@@ -27521,16 +27523,7 @@
                 </a:solidFill>
                 <a:latin typeface="Comic Sans MS" pitchFamily="66" charset="0"/>
               </a:rPr>
-              <a:t> </a:t>
-            </a:r>
-            <a:r>
-              <a:rPr lang="en-US" dirty="0" smtClean="0">
-                <a:solidFill>
-                  <a:srgbClr val="0000FF"/>
-                </a:solidFill>
-                <a:latin typeface="Comic Sans MS" pitchFamily="66" charset="0"/>
-              </a:rPr>
-              <a:t>IFF</a:t>
+              <a:t> IFF</a:t>
             </a:r>
             <a:endParaRPr lang="en-US" dirty="0">
               <a:latin typeface="Comic Sans MS" pitchFamily="66" charset="0"/>
@@ -27798,11 +27791,7 @@
           <a:p>
             <a:r>
               <a:rPr lang="en-US" dirty="0" smtClean="0"/>
-              <a:t>SAT </a:t>
-            </a:r>
-            <a:r>
-              <a:rPr lang="en-US" dirty="0" smtClean="0"/>
-              <a:t>versus VALID</a:t>
+              <a:t>SAT versus VALID</a:t>
             </a:r>
             <a:endParaRPr lang="en-US" dirty="0"/>
           </a:p>
@@ -27835,19 +27824,7 @@
               <a:rPr lang="en-US" sz="4400" dirty="0" smtClean="0">
                 <a:latin typeface="Comic Sans MS" pitchFamily="66" charset="0"/>
               </a:rPr>
-              <a:t>To </a:t>
-            </a:r>
-            <a:r>
-              <a:rPr lang="en-US" sz="4400" dirty="0" smtClean="0">
-                <a:latin typeface="Comic Sans MS" pitchFamily="66" charset="0"/>
-              </a:rPr>
-              <a:t>check </a:t>
-            </a:r>
-            <a:r>
-              <a:rPr lang="en-US" sz="4400" dirty="0" smtClean="0">
-                <a:latin typeface="Comic Sans MS" pitchFamily="66" charset="0"/>
-              </a:rPr>
-              <a:t>that </a:t>
+              <a:t>To check that </a:t>
             </a:r>
             <a:r>
               <a:rPr lang="en-US" sz="4400" dirty="0" smtClean="0">
@@ -27864,13 +27841,7 @@
               <a:rPr lang="en-US" sz="4400" dirty="0" smtClean="0">
                 <a:latin typeface="Comic Sans MS" pitchFamily="66" charset="0"/>
               </a:rPr>
-              <a:t> </a:t>
-            </a:r>
-            <a:r>
-              <a:rPr lang="en-US" sz="4400" dirty="0" smtClean="0">
-                <a:latin typeface="Comic Sans MS" pitchFamily="66" charset="0"/>
-              </a:rPr>
-              <a:t>is </a:t>
+              <a:t> is </a:t>
             </a:r>
             <a:r>
               <a:rPr lang="en-US" sz="4400" dirty="0" smtClean="0">
@@ -27887,9 +27858,6 @@
               </a:rPr>
               <a:t>, can</a:t>
             </a:r>
-            <a:endParaRPr lang="en-US" sz="4400" dirty="0" smtClean="0">
-              <a:latin typeface="Comic Sans MS" pitchFamily="66" charset="0"/>
-            </a:endParaRPr>
           </a:p>
           <a:p>
             <a:pPr algn="l"/>
@@ -27897,13 +27865,7 @@
               <a:rPr lang="en-US" sz="4400" dirty="0" smtClean="0">
                 <a:latin typeface="Comic Sans MS" pitchFamily="66" charset="0"/>
               </a:rPr>
-              <a:t>check </a:t>
-            </a:r>
-            <a:r>
-              <a:rPr lang="en-US" sz="4400" dirty="0" smtClean="0">
-                <a:latin typeface="Comic Sans MS" pitchFamily="66" charset="0"/>
-              </a:rPr>
-              <a:t>that </a:t>
+              <a:t>check that </a:t>
             </a:r>
             <a:r>
               <a:rPr lang="en-US" sz="3600" dirty="0" smtClean="0">
@@ -28041,9 +28003,6 @@
               </a:rPr>
               <a:t> is too.</a:t>
             </a:r>
-            <a:endParaRPr lang="en-US" sz="5400" dirty="0" smtClean="0">
-              <a:latin typeface="Comic Sans MS" pitchFamily="66" charset="0"/>
-            </a:endParaRPr>
           </a:p>
         </p:txBody>
       </p:sp>
@@ -28127,16 +28086,7 @@
                 </a:solidFill>
                 <a:latin typeface="Comic Sans MS" pitchFamily="66" charset="0"/>
               </a:rPr>
-              <a:t> </a:t>
-            </a:r>
-            <a:r>
-              <a:rPr lang="en-US" sz="5400" dirty="0" smtClean="0">
-                <a:solidFill>
-                  <a:srgbClr val="BB0FAB"/>
-                </a:solidFill>
-                <a:latin typeface="Comic Sans MS" pitchFamily="66" charset="0"/>
-              </a:rPr>
-              <a:t>prove</a:t>
+              <a:t> prove</a:t>
             </a:r>
             <a:r>
               <a:rPr lang="en-US" sz="5400" i="1" dirty="0" smtClean="0">
@@ -28160,13 +28110,19 @@
               <a:rPr lang="en-US" sz="5400" dirty="0" smtClean="0">
                 <a:latin typeface="Comic Sans MS" pitchFamily="66" charset="0"/>
               </a:rPr>
-              <a:t>formulas symbolically using algebra and </a:t>
+              <a:t>formulas symbolically using </a:t>
             </a:r>
             <a:r>
               <a:rPr lang="en-US" sz="5400" dirty="0" smtClean="0">
                 <a:latin typeface="Comic Sans MS" pitchFamily="66" charset="0"/>
               </a:rPr>
-              <a:t>deduction rules</a:t>
+              <a:t>axioms </a:t>
+            </a:r>
+            <a:r>
+              <a:rPr lang="en-US" sz="5400" dirty="0" smtClean="0">
+                <a:latin typeface="Comic Sans MS" pitchFamily="66" charset="0"/>
+              </a:rPr>
+              <a:t>and deduction rules</a:t>
             </a:r>
             <a:endParaRPr lang="en-US" sz="5400" dirty="0">
               <a:latin typeface="Comic Sans MS" pitchFamily="66" charset="0"/>
@@ -28196,11 +28152,7 @@
           <a:p>
             <a:r>
               <a:rPr lang="en-US" sz="4000" dirty="0" smtClean="0"/>
-              <a:t>Proving </a:t>
-            </a:r>
-            <a:r>
-              <a:rPr lang="en-US" sz="4000" dirty="0" smtClean="0"/>
-              <a:t>Validity</a:t>
+              <a:t>Proving Validity</a:t>
             </a:r>
             <a:endParaRPr lang="en-US" sz="4000" dirty="0"/>
           </a:p>
@@ -28904,7 +28856,7 @@
           <a:graphicData uri="http://schemas.openxmlformats.org/presentationml/2006/ole">
             <mc:AlternateContent xmlns:mc="http://schemas.openxmlformats.org/markup-compatibility/2006">
               <mc:Choice xmlns:v="urn:schemas-microsoft-com:vml" Requires="v">
-                <p:oleObj spid="_x0000_s236578" name="Equation" r:id="rId5" imgW="1346040" imgH="215640" progId="Equation.DSMT4">
+                <p:oleObj spid="_x0000_s236587" name="Equation" r:id="rId5" imgW="1346040" imgH="215640" progId="Equation.DSMT4">
                   <p:embed/>
                 </p:oleObj>
               </mc:Choice>
@@ -28974,7 +28926,7 @@
           <a:graphicData uri="http://schemas.openxmlformats.org/presentationml/2006/ole">
             <mc:AlternateContent xmlns:mc="http://schemas.openxmlformats.org/markup-compatibility/2006">
               <mc:Choice xmlns:v="urn:schemas-microsoft-com:vml" Requires="v">
-                <p:oleObj spid="_x0000_s236579" name="Equation" r:id="rId7" imgW="1333500" imgH="228600" progId="Equation.DSMT4">
+                <p:oleObj spid="_x0000_s236588" name="Equation" r:id="rId7" imgW="1333500" imgH="228600" progId="Equation.DSMT4">
                   <p:embed/>
                 </p:oleObj>
               </mc:Choice>
@@ -29521,23 +29473,7 @@
                   <a:srgbClr val="0000FF"/>
                 </a:solidFill>
               </a:rPr>
-              <a:t>   </a:t>
-            </a:r>
-            <a:r>
-              <a:rPr lang="en-US" sz="6000" dirty="0" smtClean="0">
-                <a:solidFill>
-                  <a:srgbClr val="0000FF"/>
-                </a:solidFill>
-              </a:rPr>
-              <a:t>A</a:t>
-            </a:r>
-            <a:r>
-              <a:rPr lang="en-US" sz="6000" dirty="0" smtClean="0">
-                <a:solidFill>
-                  <a:srgbClr val="0000FF"/>
-                </a:solidFill>
-              </a:rPr>
-              <a:t>→</a:t>
+              <a:t>   A→</a:t>
             </a:r>
             <a:r>
               <a:rPr lang="en-US" sz="6000" dirty="0">
@@ -29703,11 +29639,6 @@
               </a:rPr>
               <a:t>A</a:t>
             </a:r>
-            <a:endParaRPr lang="en-US" sz="4400" dirty="0" smtClean="0">
-              <a:solidFill>
-                <a:srgbClr val="008000"/>
-              </a:solidFill>
-            </a:endParaRPr>
           </a:p>
           <a:p>
             <a:r>
@@ -29892,15 +29823,7 @@
                   <a:srgbClr val="006600"/>
                 </a:solidFill>
               </a:rPr>
-              <a:t>A</a:t>
-            </a:r>
-            <a:r>
-              <a:rPr lang="en-US" sz="5400" dirty="0" smtClean="0">
-                <a:solidFill>
-                  <a:srgbClr val="006600"/>
-                </a:solidFill>
-              </a:rPr>
-              <a:t>)</a:t>
+              <a:t>A)</a:t>
             </a:r>
             <a:r>
               <a:rPr lang="en-US" sz="5400" dirty="0" smtClean="0">
@@ -29951,7 +29874,15 @@
                 </a:solidFill>
                 <a:sym typeface="Symbol"/>
               </a:rPr>
-              <a:t>(</a:t>
+              <a:t>(A</a:t>
+            </a:r>
+            <a:r>
+              <a:rPr lang="en-US" sz="5400" dirty="0">
+                <a:solidFill>
+                  <a:srgbClr val="0000FF"/>
+                </a:solidFill>
+              </a:rPr>
+              <a:t>→</a:t>
             </a:r>
             <a:r>
               <a:rPr lang="en-US" sz="5400" dirty="0" smtClean="0">
@@ -29960,33 +29891,7 @@
                 </a:solidFill>
                 <a:sym typeface="Symbol"/>
               </a:rPr>
-              <a:t>A</a:t>
-            </a:r>
-            <a:r>
-              <a:rPr lang="en-US" sz="5400" dirty="0">
-                <a:solidFill>
-                  <a:srgbClr val="0000FF"/>
-                </a:solidFill>
-              </a:rPr>
-              <a:t>→</a:t>
-            </a:r>
-            <a:r>
-              <a:rPr lang="en-US" sz="5400" dirty="0" smtClean="0">
-                <a:solidFill>
-                  <a:srgbClr val="0000FF"/>
-                </a:solidFill>
-                <a:sym typeface="Symbol"/>
-              </a:rPr>
-              <a:t>A</a:t>
-            </a:r>
-            <a:r>
-              <a:rPr lang="en-US" sz="5400" dirty="0" smtClean="0">
-                <a:solidFill>
-                  <a:srgbClr val="0000FF"/>
-                </a:solidFill>
-                <a:sym typeface="Symbol"/>
-              </a:rPr>
-              <a:t>)</a:t>
+              <a:t>A)</a:t>
             </a:r>
             <a:endParaRPr lang="en-US" sz="5400" dirty="0" smtClean="0">
               <a:solidFill>
@@ -30443,15 +30348,7 @@
                   <a:srgbClr val="006600"/>
                 </a:solidFill>
               </a:rPr>
-              <a:t>A</a:t>
-            </a:r>
-            <a:r>
-              <a:rPr lang="en-US" sz="5400" dirty="0" smtClean="0">
-                <a:solidFill>
-                  <a:srgbClr val="006600"/>
-                </a:solidFill>
-              </a:rPr>
-              <a:t>)</a:t>
+              <a:t>A)</a:t>
             </a:r>
             <a:r>
               <a:rPr lang="en-US" sz="5400" dirty="0" smtClean="0">
@@ -30537,15 +30434,7 @@
                   <a:srgbClr val="008000"/>
                 </a:solidFill>
               </a:rPr>
-              <a:t>A</a:t>
-            </a:r>
-            <a:r>
-              <a:rPr lang="en-US" sz="5400" dirty="0" smtClean="0">
-                <a:solidFill>
-                  <a:srgbClr val="008000"/>
-                </a:solidFill>
-              </a:rPr>
-              <a:t>) </a:t>
+              <a:t>A) </a:t>
             </a:r>
             <a:r>
               <a:rPr lang="en-US" sz="5400" dirty="0">
@@ -30561,21 +30450,8 @@
                   <a:srgbClr val="0000FF"/>
                 </a:solidFill>
               </a:rPr>
-              <a:t>) </a:t>
-            </a:r>
-            <a:r>
-              <a:rPr lang="en-US" sz="5400" dirty="0" smtClean="0">
-                <a:solidFill>
-                  <a:srgbClr val="0000FF"/>
-                </a:solidFill>
-              </a:rPr>
-              <a:t>→</a:t>
-            </a:r>
-            <a:endParaRPr lang="en-US" sz="5400" dirty="0" smtClean="0">
-              <a:solidFill>
-                <a:srgbClr val="0000FF"/>
-              </a:solidFill>
-            </a:endParaRPr>
+              <a:t>) →</a:t>
+            </a:r>
           </a:p>
         </p:txBody>
       </p:sp>
@@ -30812,16 +30688,7 @@
                   </a:solidFill>
                   <a:latin typeface="Comic Sans MS" pitchFamily="66" charset="0"/>
                 </a:rPr>
-                <a:t>Axiom </a:t>
-              </a:r>
-              <a:r>
-                <a:rPr lang="en-US" sz="3600" dirty="0" smtClean="0">
-                  <a:solidFill>
-                    <a:srgbClr val="CC0099"/>
-                  </a:solidFill>
-                  <a:latin typeface="Comic Sans MS" pitchFamily="66" charset="0"/>
-                </a:rPr>
-                <a:t>1)</a:t>
+                <a:t>Axiom 1)</a:t>
               </a:r>
               <a:endParaRPr lang="en-US" sz="3600" dirty="0">
                 <a:solidFill>
@@ -31865,11 +31732,7 @@
             </a:r>
             <a:r>
               <a:rPr lang="en-US" sz="4800" dirty="0" smtClean="0"/>
-              <a:t>)</a:t>
-            </a:r>
-            <a:r>
-              <a:rPr lang="en-US" sz="4800" dirty="0" smtClean="0"/>
-              <a:t>-formula is </a:t>
+              <a:t>)-formula is </a:t>
             </a:r>
             <a:r>
               <a:rPr lang="en-US" sz="4800" i="1" dirty="0" smtClean="0"/>
@@ -32458,13 +32321,6 @@
               </a:rPr>
               <a:t>Conclusion</a:t>
             </a:r>
-            <a:endParaRPr lang="en-US" sz="5400" dirty="0" smtClean="0">
-              <a:solidFill>
-                <a:srgbClr val="0000FF"/>
-              </a:solidFill>
-              <a:latin typeface="Comic Sans MS" pitchFamily="66" charset="0"/>
-              <a:sym typeface="Euclid Symbol"/>
-            </a:endParaRPr>
           </a:p>
           <a:p>
             <a:pPr algn="l"/>
@@ -32582,28 +32438,16 @@
               <a:rPr lang="en-US" sz="4800" dirty="0" smtClean="0">
                 <a:latin typeface="Comic Sans MS" pitchFamily="66" charset="0"/>
               </a:rPr>
-              <a:t>Deduction proofs </a:t>
-            </a:r>
+              <a:t>Deduction proofs in general</a:t>
+            </a:r>
+          </a:p>
+          <a:p>
+            <a:pPr algn="l"/>
             <a:r>
               <a:rPr lang="en-US" sz="4800" dirty="0" smtClean="0">
                 <a:latin typeface="Comic Sans MS" pitchFamily="66" charset="0"/>
               </a:rPr>
-              <a:t>in general</a:t>
-            </a:r>
-          </a:p>
-          <a:p>
-            <a:pPr algn="l"/>
-            <a:r>
-              <a:rPr lang="en-US" sz="4800" dirty="0" smtClean="0">
-                <a:latin typeface="Comic Sans MS" pitchFamily="66" charset="0"/>
-              </a:rPr>
-              <a:t>no better </a:t>
-            </a:r>
-            <a:r>
-              <a:rPr lang="en-US" sz="4800" dirty="0" smtClean="0">
-                <a:latin typeface="Comic Sans MS" pitchFamily="66" charset="0"/>
-              </a:rPr>
-              <a:t>than truth tables. </a:t>
+              <a:t>no better than truth tables. </a:t>
             </a:r>
           </a:p>
           <a:p>
@@ -33155,7 +32999,7 @@
           <a:graphicData uri="http://schemas.openxmlformats.org/presentationml/2006/ole">
             <mc:AlternateContent xmlns:mc="http://schemas.openxmlformats.org/markup-compatibility/2006">
               <mc:Choice xmlns:v="urn:schemas-microsoft-com:vml" Requires="v">
-                <p:oleObj spid="_x0000_s338966" name="Equation" r:id="rId4" imgW="876300" imgH="1130300" progId="Equation.DSMT4">
+                <p:oleObj spid="_x0000_s338971" name="Equation" r:id="rId4" imgW="876300" imgH="1130300" progId="Equation.DSMT4">
                   <p:embed/>
                 </p:oleObj>
               </mc:Choice>
@@ -33480,7 +33324,7 @@
           <a:graphicData uri="http://schemas.openxmlformats.org/presentationml/2006/ole">
             <mc:AlternateContent xmlns:mc="http://schemas.openxmlformats.org/markup-compatibility/2006">
               <mc:Choice xmlns:v="urn:schemas-microsoft-com:vml" Requires="v">
-                <p:oleObj spid="_x0000_s400407" name="Equation" r:id="rId5" imgW="2349500" imgH="1016000" progId="Equation.DSMT4">
+                <p:oleObj spid="_x0000_s400412" name="Equation" r:id="rId5" imgW="2349500" imgH="1016000" progId="Equation.DSMT4">
                   <p:embed/>
                 </p:oleObj>
               </mc:Choice>
@@ -33579,7 +33423,7 @@
           <a:graphicData uri="http://schemas.openxmlformats.org/presentationml/2006/ole">
             <mc:AlternateContent xmlns:mc="http://schemas.openxmlformats.org/markup-compatibility/2006">
               <mc:Choice xmlns:v="urn:schemas-microsoft-com:vml" Requires="v">
-                <p:oleObj spid="_x0000_s234532" name="Equation" r:id="rId5" imgW="1422360" imgH="215640" progId="Equation.DSMT4">
+                <p:oleObj spid="_x0000_s234541" name="Equation" r:id="rId5" imgW="1422360" imgH="215640" progId="Equation.DSMT4">
                   <p:embed/>
                 </p:oleObj>
               </mc:Choice>
@@ -33649,7 +33493,7 @@
           <a:graphicData uri="http://schemas.openxmlformats.org/presentationml/2006/ole">
             <mc:AlternateContent xmlns:mc="http://schemas.openxmlformats.org/markup-compatibility/2006">
               <mc:Choice xmlns:v="urn:schemas-microsoft-com:vml" Requires="v">
-                <p:oleObj spid="_x0000_s234533" name="Equation" r:id="rId7" imgW="1409700" imgH="228600" progId="Equation.DSMT4">
+                <p:oleObj spid="_x0000_s234542" name="Equation" r:id="rId7" imgW="1409700" imgH="228600" progId="Equation.DSMT4">
                   <p:embed/>
                 </p:oleObj>
               </mc:Choice>
@@ -35043,7 +34887,7 @@
           <a:graphicData uri="http://schemas.openxmlformats.org/presentationml/2006/ole">
             <mc:AlternateContent xmlns:mc="http://schemas.openxmlformats.org/markup-compatibility/2006">
               <mc:Choice xmlns:v="urn:schemas-microsoft-com:vml" Requires="v">
-                <p:oleObj spid="_x0000_s401431" name="Equation" r:id="rId4" imgW="3784600" imgH="1295400" progId="Equation.DSMT4">
+                <p:oleObj spid="_x0000_s401436" name="Equation" r:id="rId4" imgW="3784600" imgH="1295400" progId="Equation.DSMT4">
                   <p:embed/>
                 </p:oleObj>
               </mc:Choice>
@@ -35198,8 +35042,8 @@
         </p:nvSpPr>
         <p:spPr>
           <a:xfrm>
-            <a:off x="1005911" y="1831251"/>
-            <a:ext cx="7049970" cy="3286194"/>
+            <a:off x="952469" y="1078722"/>
+            <a:ext cx="7491455" cy="5026749"/>
           </a:xfrm>
         </p:spPr>
         <p:txBody>
@@ -35228,8 +35072,20 @@
             </a:pPr>
             <a:r>
               <a:rPr lang="en-US" sz="9600" dirty="0" smtClean="0"/>
-              <a:t>1—4</a:t>
-            </a:r>
+              <a:t> 1—3</a:t>
+            </a:r>
+          </a:p>
+          <a:p>
+            <a:pPr algn="ctr">
+              <a:spcBef>
+                <a:spcPts val="1200"/>
+              </a:spcBef>
+            </a:pPr>
+            <a:r>
+              <a:rPr lang="en-US" sz="8000" dirty="0" smtClean="0"/>
+              <a:t>extra 4 &amp; 5</a:t>
+            </a:r>
+            <a:endParaRPr lang="en-US" sz="8000" dirty="0" smtClean="0"/>
           </a:p>
         </p:txBody>
       </p:sp>
@@ -38406,7 +38262,7 @@
 </file>
 
 <file path=ppt/slides/slide7.xml><?xml version="1.0" encoding="utf-8"?>
-<p:sld xmlns:a="http://schemas.openxmlformats.org/drawingml/2006/main" xmlns:r="http://schemas.openxmlformats.org/officeDocument/2006/relationships" xmlns:p="http://schemas.openxmlformats.org/presentationml/2006/main">
+<p:sld xmlns:a="http://schemas.openxmlformats.org/drawingml/2006/main" xmlns:r="http://schemas.openxmlformats.org/officeDocument/2006/relationships" xmlns:p="http://schemas.openxmlformats.org/presentationml/2006/main" show="0">
   <p:cSld>
     <p:spTree>
       <p:nvGrpSpPr>
@@ -40629,43 +40485,19 @@
               <a:rPr lang="en-US" sz="4400" dirty="0" smtClean="0">
                 <a:latin typeface="Comic Sans MS" pitchFamily="66" charset="0"/>
               </a:rPr>
-              <a:t>t</a:t>
+              <a:t>the </a:t>
+            </a:r>
+            <a:r>
+              <a:rPr lang="en-US" sz="4400" dirty="0">
+                <a:latin typeface="Comic Sans MS" pitchFamily="66" charset="0"/>
+              </a:rPr>
+              <a:t>value </a:t>
             </a:r>
             <a:r>
               <a:rPr lang="en-US" sz="4400" dirty="0" smtClean="0">
                 <a:latin typeface="Comic Sans MS" pitchFamily="66" charset="0"/>
               </a:rPr>
-              <a:t>he </a:t>
-            </a:r>
-            <a:r>
-              <a:rPr lang="en-US" sz="4400" dirty="0">
-                <a:latin typeface="Comic Sans MS" pitchFamily="66" charset="0"/>
-              </a:rPr>
-              <a:t>value </a:t>
-            </a:r>
-            <a:r>
-              <a:rPr lang="en-US" sz="4400" dirty="0" smtClean="0">
-                <a:latin typeface="Comic Sans MS" pitchFamily="66" charset="0"/>
-              </a:rPr>
-              <a:t>of        </a:t>
-            </a:r>
-            <a:r>
-              <a:rPr lang="en-US" sz="4400" dirty="0" smtClean="0">
-                <a:latin typeface="Comic Sans MS" pitchFamily="66" charset="0"/>
-              </a:rPr>
-              <a:t>P </a:t>
-            </a:r>
-            <a:r>
-              <a:rPr lang="en-US" sz="4400" dirty="0" smtClean="0">
-                <a:latin typeface="Comic Sans MS" pitchFamily="66" charset="0"/>
-              </a:rPr>
-              <a:t> </a:t>
-            </a:r>
-            <a:r>
-              <a:rPr lang="en-US" sz="4400" dirty="0" smtClean="0">
-                <a:latin typeface="Comic Sans MS" pitchFamily="66" charset="0"/>
-              </a:rPr>
-              <a:t>is </a:t>
+              <a:t>of        P  is </a:t>
             </a:r>
             <a:r>
               <a:rPr lang="en-US" sz="4400" dirty="0" smtClean="0">
@@ -40927,30 +40759,21 @@
                             </p:childTnLst>
                           </p:cTn>
                         </p:par>
-                      </p:childTnLst>
-                    </p:cTn>
-                  </p:par>
-                  <p:par>
-                    <p:cTn id="13" fill="hold">
-                      <p:stCondLst>
-                        <p:cond delay="indefinite"/>
-                      </p:stCondLst>
-                      <p:childTnLst>
                         <p:par>
-                          <p:cTn id="14" fill="hold">
+                          <p:cTn id="13" fill="hold">
                             <p:stCondLst>
-                              <p:cond delay="0"/>
+                              <p:cond delay="500"/>
                             </p:stCondLst>
                             <p:childTnLst>
                               <p:par>
-                                <p:cTn id="15" presetID="22" presetClass="entr" presetSubtype="1" fill="hold" nodeType="clickEffect">
+                                <p:cTn id="14" presetID="22" presetClass="entr" presetSubtype="1" fill="hold" nodeType="afterEffect">
                                   <p:stCondLst>
                                     <p:cond delay="0"/>
                                   </p:stCondLst>
                                   <p:childTnLst>
                                     <p:set>
                                       <p:cBhvr>
-                                        <p:cTn id="16" dur="1" fill="hold">
+                                        <p:cTn id="15" dur="1" fill="hold">
                                           <p:stCondLst>
                                             <p:cond delay="0"/>
                                           </p:stCondLst>
@@ -40968,7 +40791,7 @@
                                     </p:set>
                                     <p:animEffect transition="in" filter="wipe(up)">
                                       <p:cBhvr>
-                                        <p:cTn id="17" dur="500"/>
+                                        <p:cTn id="16" dur="500"/>
                                         <p:tgtEl>
                                           <p:spTgt spid="22"/>
                                         </p:tgtEl>
@@ -41261,7 +41084,7 @@
                             </p:stCondLst>
                             <p:childTnLst>
                               <p:par>
-                                <p:cTn id="5" presetID="1" presetClass="entr" presetSubtype="0" fill="hold" nodeType="clickEffect">
+                                <p:cTn id="5" presetID="9" presetClass="entr" presetSubtype="0" fill="hold" nodeType="clickEffect">
                                   <p:stCondLst>
                                     <p:cond delay="0"/>
                                   </p:stCondLst>
@@ -41288,6 +41111,18 @@
                                         <p:strVal val="visible"/>
                                       </p:to>
                                     </p:set>
+                                    <p:animEffect transition="in" filter="dissolve">
+                                      <p:cBhvr>
+                                        <p:cTn id="7" dur="500"/>
+                                        <p:tgtEl>
+                                          <p:spTgt spid="5">
+                                            <p:txEl>
+                                              <p:pRg st="1" end="1"/>
+                                            </p:txEl>
+                                          </p:spTgt>
+                                        </p:tgtEl>
+                                      </p:cBhvr>
+                                    </p:animEffect>
                                   </p:childTnLst>
                                 </p:cTn>
                               </p:par>
@@ -41298,26 +41133,26 @@
                     </p:cTn>
                   </p:par>
                   <p:par>
-                    <p:cTn id="7" fill="hold">
+                    <p:cTn id="8" fill="hold">
                       <p:stCondLst>
                         <p:cond delay="indefinite"/>
                       </p:stCondLst>
                       <p:childTnLst>
                         <p:par>
-                          <p:cTn id="8" fill="hold">
+                          <p:cTn id="9" fill="hold">
                             <p:stCondLst>
                               <p:cond delay="0"/>
                             </p:stCondLst>
                             <p:childTnLst>
                               <p:par>
-                                <p:cTn id="9" presetID="1" presetClass="entr" presetSubtype="0" fill="hold" nodeType="clickEffect">
+                                <p:cTn id="10" presetID="9" presetClass="entr" presetSubtype="0" fill="hold" nodeType="clickEffect">
                                   <p:stCondLst>
                                     <p:cond delay="0"/>
                                   </p:stCondLst>
                                   <p:childTnLst>
                                     <p:set>
                                       <p:cBhvr>
-                                        <p:cTn id="10" dur="1" fill="hold">
+                                        <p:cTn id="11" dur="1" fill="hold">
                                           <p:stCondLst>
                                             <p:cond delay="0"/>
                                           </p:stCondLst>
@@ -41337,6 +41172,18 @@
                                         <p:strVal val="visible"/>
                                       </p:to>
                                     </p:set>
+                                    <p:animEffect transition="in" filter="dissolve">
+                                      <p:cBhvr>
+                                        <p:cTn id="12" dur="500"/>
+                                        <p:tgtEl>
+                                          <p:spTgt spid="5">
+                                            <p:txEl>
+                                              <p:pRg st="2" end="2"/>
+                                            </p:txEl>
+                                          </p:spTgt>
+                                        </p:tgtEl>
+                                      </p:cBhvr>
+                                    </p:animEffect>
                                   </p:childTnLst>
                                 </p:cTn>
                               </p:par>

--- a/spring12/slidesS12/slides2w.pptx
+++ b/spring12/slidesS12/slides2w.pptx
@@ -6,10 +6,10 @@
     <p:sldMasterId id="2147483651" r:id="rId2"/>
   </p:sldMasterIdLst>
   <p:notesMasterIdLst>
-    <p:notesMasterId r:id="rId44"/>
+    <p:notesMasterId r:id="rId43"/>
   </p:notesMasterIdLst>
   <p:handoutMasterIdLst>
-    <p:handoutMasterId r:id="rId45"/>
+    <p:handoutMasterId r:id="rId44"/>
   </p:handoutMasterIdLst>
   <p:sldIdLst>
     <p:sldId id="392" r:id="rId3"/>
@@ -25,39 +25,38 @@
     <p:sldId id="410" r:id="rId13"/>
     <p:sldId id="463" r:id="rId14"/>
     <p:sldId id="462" r:id="rId15"/>
-    <p:sldId id="415" r:id="rId16"/>
-    <p:sldId id="465" r:id="rId17"/>
-    <p:sldId id="426" r:id="rId18"/>
-    <p:sldId id="436" r:id="rId19"/>
-    <p:sldId id="437" r:id="rId20"/>
-    <p:sldId id="438" r:id="rId21"/>
-    <p:sldId id="434" r:id="rId22"/>
-    <p:sldId id="443" r:id="rId23"/>
-    <p:sldId id="464" r:id="rId24"/>
-    <p:sldId id="445" r:id="rId25"/>
-    <p:sldId id="446" r:id="rId26"/>
-    <p:sldId id="460" r:id="rId27"/>
-    <p:sldId id="412" r:id="rId28"/>
-    <p:sldId id="459" r:id="rId29"/>
-    <p:sldId id="447" r:id="rId30"/>
-    <p:sldId id="448" r:id="rId31"/>
-    <p:sldId id="449" r:id="rId32"/>
-    <p:sldId id="450" r:id="rId33"/>
-    <p:sldId id="466" r:id="rId34"/>
-    <p:sldId id="452" r:id="rId35"/>
-    <p:sldId id="453" r:id="rId36"/>
-    <p:sldId id="454" r:id="rId37"/>
-    <p:sldId id="455" r:id="rId38"/>
-    <p:sldId id="430" r:id="rId39"/>
-    <p:sldId id="431" r:id="rId40"/>
-    <p:sldId id="432" r:id="rId41"/>
-    <p:sldId id="433" r:id="rId42"/>
-    <p:sldId id="427" r:id="rId43"/>
+    <p:sldId id="465" r:id="rId16"/>
+    <p:sldId id="426" r:id="rId17"/>
+    <p:sldId id="436" r:id="rId18"/>
+    <p:sldId id="437" r:id="rId19"/>
+    <p:sldId id="438" r:id="rId20"/>
+    <p:sldId id="434" r:id="rId21"/>
+    <p:sldId id="443" r:id="rId22"/>
+    <p:sldId id="464" r:id="rId23"/>
+    <p:sldId id="445" r:id="rId24"/>
+    <p:sldId id="446" r:id="rId25"/>
+    <p:sldId id="460" r:id="rId26"/>
+    <p:sldId id="412" r:id="rId27"/>
+    <p:sldId id="459" r:id="rId28"/>
+    <p:sldId id="447" r:id="rId29"/>
+    <p:sldId id="448" r:id="rId30"/>
+    <p:sldId id="449" r:id="rId31"/>
+    <p:sldId id="450" r:id="rId32"/>
+    <p:sldId id="466" r:id="rId33"/>
+    <p:sldId id="452" r:id="rId34"/>
+    <p:sldId id="453" r:id="rId35"/>
+    <p:sldId id="454" r:id="rId36"/>
+    <p:sldId id="455" r:id="rId37"/>
+    <p:sldId id="430" r:id="rId38"/>
+    <p:sldId id="431" r:id="rId39"/>
+    <p:sldId id="432" r:id="rId40"/>
+    <p:sldId id="433" r:id="rId41"/>
+    <p:sldId id="427" r:id="rId42"/>
   </p:sldIdLst>
   <p:sldSz cx="9144000" cy="6858000" type="screen4x3"/>
   <p:notesSz cx="7315200" cy="9601200"/>
   <p:custDataLst>
-    <p:tags r:id="rId47"/>
+    <p:tags r:id="rId46"/>
   </p:custDataLst>
   <p:defaultTextStyle>
     <a:defPPr>
@@ -1380,58 +1379,66 @@
       </p:grpSpPr>
       <p:sp>
         <p:nvSpPr>
-          <p:cNvPr id="2" name="Slide Image Placeholder 1"/>
+          <p:cNvPr id="69634" name="Rectangle 7"/>
           <p:cNvSpPr>
-            <a:spLocks noGrp="1" noRot="1" noChangeAspect="1"/>
+            <a:spLocks noGrp="1" noChangeArrowheads="1"/>
+          </p:cNvSpPr>
+          <p:nvPr>
+            <p:ph type="sldNum" sz="quarter" idx="5"/>
+          </p:nvPr>
+        </p:nvSpPr>
+        <p:spPr>
+          <a:noFill/>
+        </p:spPr>
+        <p:txBody>
+          <a:bodyPr/>
+          <a:lstStyle/>
+          <a:p>
+            <a:fld id="{E9897216-F7CF-45C8-938C-7B4DBF3D59F9}" type="slidenum">
+              <a:rPr lang="en-US"/>
+              <a:pPr/>
+              <a:t>15</a:t>
+            </a:fld>
+            <a:endParaRPr lang="en-US"/>
+          </a:p>
+        </p:txBody>
+      </p:sp>
+      <p:sp>
+        <p:nvSpPr>
+          <p:cNvPr id="69635" name="Rectangle 2"/>
+          <p:cNvSpPr>
+            <a:spLocks noGrp="1" noRot="1" noChangeAspect="1" noChangeArrowheads="1" noTextEdit="1"/>
           </p:cNvSpPr>
           <p:nvPr>
             <p:ph type="sldImg"/>
           </p:nvPr>
         </p:nvSpPr>
-        <p:spPr/>
+        <p:spPr>
+          <a:ln/>
+        </p:spPr>
       </p:sp>
       <p:sp>
         <p:nvSpPr>
-          <p:cNvPr id="3" name="Notes Placeholder 2"/>
+          <p:cNvPr id="69636" name="Rectangle 3"/>
           <p:cNvSpPr>
-            <a:spLocks noGrp="1"/>
+            <a:spLocks noGrp="1" noChangeArrowheads="1"/>
           </p:cNvSpPr>
           <p:nvPr>
             <p:ph type="body" idx="1"/>
           </p:nvPr>
         </p:nvSpPr>
-        <p:spPr/>
-        <p:txBody>
-          <a:bodyPr>
-            <a:normAutofit/>
-          </a:bodyPr>
-          <a:lstStyle/>
-          <a:p>
-            <a:endParaRPr lang="en-US"/>
-          </a:p>
-        </p:txBody>
-      </p:sp>
-      <p:sp>
-        <p:nvSpPr>
-          <p:cNvPr id="4" name="Slide Number Placeholder 3"/>
-          <p:cNvSpPr>
-            <a:spLocks noGrp="1"/>
-          </p:cNvSpPr>
-          <p:nvPr>
-            <p:ph type="sldNum" sz="quarter" idx="10"/>
-          </p:nvPr>
-        </p:nvSpPr>
-        <p:spPr/>
+        <p:spPr>
+          <a:noFill/>
+          <a:ln/>
+        </p:spPr>
         <p:txBody>
           <a:bodyPr/>
           <a:lstStyle/>
           <a:p>
-            <a:fld id="{A02B9F3F-3042-489F-AF35-1A733968F079}" type="slidenum">
-              <a:rPr lang="en-US" smtClean="0"/>
-              <a:pPr/>
-              <a:t>15</a:t>
-            </a:fld>
-            <a:endParaRPr lang="en-US"/>
+            <a:pPr eaLnBrk="1" hangingPunct="1"/>
+            <a:endParaRPr lang="en-US" smtClean="0">
+              <a:cs typeface="Arial" charset="0"/>
+            </a:endParaRPr>
           </a:p>
         </p:txBody>
       </p:sp>
@@ -1906,66 +1913,58 @@
       </p:grpSpPr>
       <p:sp>
         <p:nvSpPr>
-          <p:cNvPr id="69634" name="Rectangle 7"/>
+          <p:cNvPr id="2" name="Slide Image Placeholder 1"/>
           <p:cNvSpPr>
-            <a:spLocks noGrp="1" noChangeArrowheads="1"/>
-          </p:cNvSpPr>
-          <p:nvPr>
-            <p:ph type="sldNum" sz="quarter" idx="5"/>
-          </p:nvPr>
-        </p:nvSpPr>
-        <p:spPr>
-          <a:noFill/>
-        </p:spPr>
-        <p:txBody>
-          <a:bodyPr/>
-          <a:lstStyle/>
-          <a:p>
-            <a:fld id="{E9897216-F7CF-45C8-938C-7B4DBF3D59F9}" type="slidenum">
-              <a:rPr lang="en-US"/>
-              <a:pPr/>
-              <a:t>20</a:t>
-            </a:fld>
-            <a:endParaRPr lang="en-US"/>
-          </a:p>
-        </p:txBody>
-      </p:sp>
-      <p:sp>
-        <p:nvSpPr>
-          <p:cNvPr id="69635" name="Rectangle 2"/>
-          <p:cNvSpPr>
-            <a:spLocks noGrp="1" noRot="1" noChangeAspect="1" noChangeArrowheads="1" noTextEdit="1"/>
+            <a:spLocks noGrp="1" noRot="1" noChangeAspect="1"/>
           </p:cNvSpPr>
           <p:nvPr>
             <p:ph type="sldImg"/>
           </p:nvPr>
         </p:nvSpPr>
-        <p:spPr>
-          <a:ln/>
-        </p:spPr>
+        <p:spPr/>
       </p:sp>
       <p:sp>
         <p:nvSpPr>
-          <p:cNvPr id="69636" name="Rectangle 3"/>
+          <p:cNvPr id="3" name="Notes Placeholder 2"/>
           <p:cNvSpPr>
-            <a:spLocks noGrp="1" noChangeArrowheads="1"/>
+            <a:spLocks noGrp="1"/>
           </p:cNvSpPr>
           <p:nvPr>
             <p:ph type="body" idx="1"/>
           </p:nvPr>
         </p:nvSpPr>
-        <p:spPr>
-          <a:noFill/>
-          <a:ln/>
-        </p:spPr>
+        <p:spPr/>
+        <p:txBody>
+          <a:bodyPr>
+            <a:normAutofit/>
+          </a:bodyPr>
+          <a:lstStyle/>
+          <a:p>
+            <a:endParaRPr lang="en-US"/>
+          </a:p>
+        </p:txBody>
+      </p:sp>
+      <p:sp>
+        <p:nvSpPr>
+          <p:cNvPr id="4" name="Slide Number Placeholder 3"/>
+          <p:cNvSpPr>
+            <a:spLocks noGrp="1"/>
+          </p:cNvSpPr>
+          <p:nvPr>
+            <p:ph type="sldNum" sz="quarter" idx="10"/>
+          </p:nvPr>
+        </p:nvSpPr>
+        <p:spPr/>
         <p:txBody>
           <a:bodyPr/>
           <a:lstStyle/>
           <a:p>
-            <a:pPr eaLnBrk="1" hangingPunct="1"/>
-            <a:endParaRPr lang="en-US" smtClean="0">
-              <a:cs typeface="Arial" charset="0"/>
-            </a:endParaRPr>
+            <a:fld id="{A02B9F3F-3042-489F-AF35-1A733968F079}" type="slidenum">
+              <a:rPr lang="en-US" smtClean="0"/>
+              <a:pPr/>
+              <a:t>20</a:t>
+            </a:fld>
+            <a:endParaRPr lang="en-US"/>
           </a:p>
         </p:txBody>
       </p:sp>
@@ -2455,7 +2454,7 @@
             <a:fld id="{A02B9F3F-3042-489F-AF35-1A733968F079}" type="slidenum">
               <a:rPr lang="en-US" smtClean="0"/>
               <a:pPr/>
-              <a:t>26</a:t>
+              <a:t>27</a:t>
             </a:fld>
             <a:endParaRPr lang="en-US"/>
           </a:p>
@@ -2537,7 +2536,7 @@
             <a:fld id="{A02B9F3F-3042-489F-AF35-1A733968F079}" type="slidenum">
               <a:rPr lang="en-US" smtClean="0"/>
               <a:pPr/>
-              <a:t>28</a:t>
+              <a:t>34</a:t>
             </a:fld>
             <a:endParaRPr lang="en-US"/>
           </a:p>
@@ -3070,88 +3069,6 @@
       </p:grpSpPr>
       <p:sp>
         <p:nvSpPr>
-          <p:cNvPr id="2" name="Slide Image Placeholder 1"/>
-          <p:cNvSpPr>
-            <a:spLocks noGrp="1" noRot="1" noChangeAspect="1"/>
-          </p:cNvSpPr>
-          <p:nvPr>
-            <p:ph type="sldImg"/>
-          </p:nvPr>
-        </p:nvSpPr>
-        <p:spPr/>
-      </p:sp>
-      <p:sp>
-        <p:nvSpPr>
-          <p:cNvPr id="3" name="Notes Placeholder 2"/>
-          <p:cNvSpPr>
-            <a:spLocks noGrp="1"/>
-          </p:cNvSpPr>
-          <p:nvPr>
-            <p:ph type="body" idx="1"/>
-          </p:nvPr>
-        </p:nvSpPr>
-        <p:spPr/>
-        <p:txBody>
-          <a:bodyPr>
-            <a:normAutofit/>
-          </a:bodyPr>
-          <a:lstStyle/>
-          <a:p>
-            <a:endParaRPr lang="en-US"/>
-          </a:p>
-        </p:txBody>
-      </p:sp>
-      <p:sp>
-        <p:nvSpPr>
-          <p:cNvPr id="4" name="Slide Number Placeholder 3"/>
-          <p:cNvSpPr>
-            <a:spLocks noGrp="1"/>
-          </p:cNvSpPr>
-          <p:nvPr>
-            <p:ph type="sldNum" sz="quarter" idx="10"/>
-          </p:nvPr>
-        </p:nvSpPr>
-        <p:spPr/>
-        <p:txBody>
-          <a:bodyPr/>
-          <a:lstStyle/>
-          <a:p>
-            <a:fld id="{A02B9F3F-3042-489F-AF35-1A733968F079}" type="slidenum">
-              <a:rPr lang="en-US" smtClean="0"/>
-              <a:pPr/>
-              <a:t>40</a:t>
-            </a:fld>
-            <a:endParaRPr lang="en-US"/>
-          </a:p>
-        </p:txBody>
-      </p:sp>
-    </p:spTree>
-  </p:cSld>
-  <p:clrMapOvr>
-    <a:masterClrMapping/>
-  </p:clrMapOvr>
-</p:notes>
-</file>
-
-<file path=ppt/notesSlides/notesSlide34.xml><?xml version="1.0" encoding="utf-8"?>
-<p:notes xmlns:a="http://schemas.openxmlformats.org/drawingml/2006/main" xmlns:r="http://schemas.openxmlformats.org/officeDocument/2006/relationships" xmlns:p="http://schemas.openxmlformats.org/presentationml/2006/main">
-  <p:cSld>
-    <p:spTree>
-      <p:nvGrpSpPr>
-        <p:cNvPr id="1" name=""/>
-        <p:cNvGrpSpPr/>
-        <p:nvPr/>
-      </p:nvGrpSpPr>
-      <p:grpSpPr>
-        <a:xfrm>
-          <a:off x="0" y="0"/>
-          <a:ext cx="0" cy="0"/>
-          <a:chOff x="0" y="0"/>
-          <a:chExt cx="0" cy="0"/>
-        </a:xfrm>
-      </p:grpSpPr>
-      <p:sp>
-        <p:nvSpPr>
           <p:cNvPr id="72706" name="Rectangle 7"/>
           <p:cNvSpPr>
             <a:spLocks noGrp="1" noChangeArrowheads="1"/>
@@ -3170,7 +3087,7 @@
             <a:fld id="{6653F924-F418-411E-8C35-24F3766CE997}" type="slidenum">
               <a:rPr lang="en-US" smtClean="0"/>
               <a:pPr/>
-              <a:t>41</a:t>
+              <a:t>40</a:t>
             </a:fld>
             <a:endParaRPr lang="en-US" smtClean="0"/>
           </a:p>
@@ -14489,7 +14406,7 @@
           <a:graphicData uri="http://schemas.openxmlformats.org/presentationml/2006/ole">
             <mc:AlternateContent xmlns:mc="http://schemas.openxmlformats.org/markup-compatibility/2006">
               <mc:Choice xmlns:v="urn:schemas-microsoft-com:vml" Requires="v">
-                <p:oleObj spid="_x0000_s402506" name="Equation" r:id="rId4" imgW="800100" imgH="228600" progId="Equation.DSMT4">
+                <p:oleObj spid="_x0000_s402519" name="Equation" r:id="rId4" imgW="800100" imgH="228600" progId="Equation.DSMT4">
                   <p:embed/>
                 </p:oleObj>
               </mc:Choice>
@@ -14565,7 +14482,7 @@
             <a:graphicData uri="http://schemas.openxmlformats.org/presentationml/2006/ole">
               <mc:AlternateContent xmlns:mc="http://schemas.openxmlformats.org/markup-compatibility/2006">
                 <mc:Choice xmlns:v="urn:schemas-microsoft-com:vml" Requires="v">
-                  <p:oleObj spid="_x0000_s402507" name="Equation" r:id="rId6" imgW="520700" imgH="304800" progId="Equation.DSMT4">
+                  <p:oleObj spid="_x0000_s402520" name="Equation" r:id="rId6" imgW="520700" imgH="304800" progId="Equation.DSMT4">
                     <p:embed/>
                   </p:oleObj>
                 </mc:Choice>
@@ -14672,7 +14589,7 @@
             <a:graphicData uri="http://schemas.openxmlformats.org/presentationml/2006/ole">
               <mc:AlternateContent xmlns:mc="http://schemas.openxmlformats.org/markup-compatibility/2006">
                 <mc:Choice xmlns:v="urn:schemas-microsoft-com:vml" Requires="v">
-                  <p:oleObj spid="_x0000_s402508" name="Equation" r:id="rId8" imgW="584200" imgH="304800" progId="Equation.DSMT4">
+                  <p:oleObj spid="_x0000_s402521" name="Equation" r:id="rId8" imgW="584200" imgH="304800" progId="Equation.DSMT4">
                     <p:embed/>
                   </p:oleObj>
                 </mc:Choice>
@@ -14743,7 +14660,7 @@
           <a:graphicData uri="http://schemas.openxmlformats.org/presentationml/2006/ole">
             <mc:AlternateContent xmlns:mc="http://schemas.openxmlformats.org/markup-compatibility/2006">
               <mc:Choice xmlns:v="urn:schemas-microsoft-com:vml" Requires="v">
-                <p:oleObj spid="_x0000_s402509" name="Equation" r:id="rId10" imgW="584200" imgH="304800" progId="Equation.DSMT4">
+                <p:oleObj spid="_x0000_s402522" name="Equation" r:id="rId10" imgW="584200" imgH="304800" progId="Equation.DSMT4">
                   <p:embed/>
                 </p:oleObj>
               </mc:Choice>
@@ -14801,13 +14718,13 @@
   <p:clrMapOvr>
     <a:masterClrMapping/>
   </p:clrMapOvr>
-  <mc:AlternateContent xmlns:mc="http://schemas.openxmlformats.org/markup-compatibility/2006">
-    <mc:Choice xmlns:p14="http://schemas.microsoft.com/office/powerpoint/2010/main" Requires="p14">
+  <mc:AlternateContent xmlns:mc="http://schemas.openxmlformats.org/markup-compatibility/2006" xmlns:p14="http://schemas.microsoft.com/office/powerpoint/2010/main">
+    <mc:Choice Requires="p14">
       <p:transition spd="med" p14:dur="700">
         <p:fade/>
       </p:transition>
     </mc:Choice>
-    <mc:Fallback>
+    <mc:Fallback xmlns="">
       <p:transition xmlns:p14="http://schemas.microsoft.com/office/powerpoint/2010/main" spd="med">
         <p:fade/>
       </p:transition>
@@ -17154,7 +17071,7 @@
             <a:graphicData uri="http://schemas.openxmlformats.org/presentationml/2006/ole">
               <mc:AlternateContent xmlns:mc="http://schemas.openxmlformats.org/markup-compatibility/2006">
                 <mc:Choice xmlns:v="urn:schemas-microsoft-com:vml" Requires="v">
-                  <p:oleObj spid="_x0000_s1092" name="Equation" r:id="rId4" imgW="520700" imgH="304800" progId="Equation.DSMT4">
+                  <p:oleObj spid="_x0000_s1105" name="Equation" r:id="rId4" imgW="520700" imgH="304800" progId="Equation.DSMT4">
                     <p:embed/>
                   </p:oleObj>
                 </mc:Choice>
@@ -17262,7 +17179,7 @@
           <a:graphicData uri="http://schemas.openxmlformats.org/presentationml/2006/ole">
             <mc:AlternateContent xmlns:mc="http://schemas.openxmlformats.org/markup-compatibility/2006">
               <mc:Choice xmlns:v="urn:schemas-microsoft-com:vml" Requires="v">
-                <p:oleObj spid="_x0000_s1093" name="Equation" r:id="rId6" imgW="584200" imgH="304800" progId="Equation.DSMT4">
+                <p:oleObj spid="_x0000_s1106" name="Equation" r:id="rId6" imgW="584200" imgH="304800" progId="Equation.DSMT4">
                   <p:embed/>
                 </p:oleObj>
               </mc:Choice>
@@ -18057,7 +17974,7 @@
           <a:graphicData uri="http://schemas.openxmlformats.org/presentationml/2006/ole">
             <mc:AlternateContent xmlns:mc="http://schemas.openxmlformats.org/markup-compatibility/2006">
               <mc:Choice xmlns:v="urn:schemas-microsoft-com:vml" Requires="v">
-                <p:oleObj spid="_x0000_s1094" name="Equation" r:id="rId8" imgW="584200" imgH="304800" progId="Equation.DSMT4">
+                <p:oleObj spid="_x0000_s1107" name="Equation" r:id="rId8" imgW="584200" imgH="304800" progId="Equation.DSMT4">
                   <p:embed/>
                 </p:oleObj>
               </mc:Choice>
@@ -18127,7 +18044,7 @@
           <a:graphicData uri="http://schemas.openxmlformats.org/presentationml/2006/ole">
             <mc:AlternateContent xmlns:mc="http://schemas.openxmlformats.org/markup-compatibility/2006">
               <mc:Choice xmlns:v="urn:schemas-microsoft-com:vml" Requires="v">
-                <p:oleObj spid="_x0000_s1095" name="Equation" r:id="rId10" imgW="800100" imgH="228600" progId="Equation.DSMT4">
+                <p:oleObj spid="_x0000_s1108" name="Equation" r:id="rId10" imgW="800100" imgH="228600" progId="Equation.DSMT4">
                   <p:embed/>
                 </p:oleObj>
               </mc:Choice>
@@ -18315,1872 +18232,6 @@
 </file>
 
 <file path=ppt/slides/slide14.xml><?xml version="1.0" encoding="utf-8"?>
-<p:sld xmlns:a="http://schemas.openxmlformats.org/drawingml/2006/main" xmlns:r="http://schemas.openxmlformats.org/officeDocument/2006/relationships" xmlns:p="http://schemas.openxmlformats.org/presentationml/2006/main">
-  <p:cSld>
-    <p:spTree>
-      <p:nvGrpSpPr>
-        <p:cNvPr id="1" name=""/>
-        <p:cNvGrpSpPr/>
-        <p:nvPr/>
-      </p:nvGrpSpPr>
-      <p:grpSpPr>
-        <a:xfrm>
-          <a:off x="0" y="0"/>
-          <a:ext cx="0" cy="0"/>
-          <a:chOff x="0" y="0"/>
-          <a:chExt cx="0" cy="0"/>
-        </a:xfrm>
-      </p:grpSpPr>
-      <p:sp>
-        <p:nvSpPr>
-          <p:cNvPr id="2" name="Title 1"/>
-          <p:cNvSpPr>
-            <a:spLocks noGrp="1"/>
-          </p:cNvSpPr>
-          <p:nvPr>
-            <p:ph type="title"/>
-          </p:nvPr>
-        </p:nvSpPr>
-        <p:spPr>
-          <a:xfrm>
-            <a:off x="1593850" y="208417"/>
-            <a:ext cx="6794500" cy="1003300"/>
-          </a:xfrm>
-        </p:spPr>
-        <p:txBody>
-          <a:bodyPr/>
-          <a:lstStyle/>
-          <a:p>
-            <a:r>
-              <a:rPr lang="en-US" sz="3600" dirty="0" smtClean="0"/>
-              <a:t>Definition of </a:t>
-            </a:r>
-            <a:r>
-              <a:rPr lang="en-US" sz="3600" dirty="0" smtClean="0">
-                <a:solidFill>
-                  <a:srgbClr val="0000FF"/>
-                </a:solidFill>
-              </a:rPr>
-              <a:t>IMPLIES</a:t>
-            </a:r>
-            <a:endParaRPr lang="en-US" sz="3600" dirty="0">
-              <a:solidFill>
-                <a:srgbClr val="0000FF"/>
-              </a:solidFill>
-            </a:endParaRPr>
-          </a:p>
-        </p:txBody>
-      </p:sp>
-      <p:graphicFrame>
-        <p:nvGraphicFramePr>
-          <p:cNvPr id="22" name="Table 21"/>
-          <p:cNvGraphicFramePr>
-            <a:graphicFrameLocks noGrp="1"/>
-          </p:cNvGraphicFramePr>
-          <p:nvPr/>
-        </p:nvGraphicFramePr>
-        <p:xfrm>
-          <a:off x="3113017" y="2761013"/>
-          <a:ext cx="2675461" cy="3505199"/>
-        </p:xfrm>
-        <a:graphic>
-          <a:graphicData uri="http://schemas.openxmlformats.org/drawingml/2006/table">
-            <a:tbl>
-              <a:tblPr firstRow="1" bandRow="1">
-                <a:tableStyleId>{7DF18680-E054-41AD-8BC1-D1AEF772440D}</a:tableStyleId>
-              </a:tblPr>
-              <a:tblGrid>
-                <a:gridCol w="680950"/>
-                <a:gridCol w="742950"/>
-                <a:gridCol w="1251561"/>
-              </a:tblGrid>
-              <a:tr h="434043">
-                <a:tc>
-                  <a:txBody>
-                    <a:bodyPr/>
-                    <a:lstStyle/>
-                    <a:p>
-                      <a:pPr algn="ctr"/>
-                      <a:r>
-                        <a:rPr lang="en-US" sz="2800" b="0" dirty="0" smtClean="0">
-                          <a:solidFill>
-                            <a:schemeClr val="tx1"/>
-                          </a:solidFill>
-                          <a:latin typeface="Comic Sans MS" pitchFamily="66" charset="0"/>
-                        </a:rPr>
-                        <a:t>P</a:t>
-                      </a:r>
-                      <a:endParaRPr lang="en-US" sz="2800" b="0" dirty="0">
-                        <a:solidFill>
-                          <a:schemeClr val="tx1"/>
-                        </a:solidFill>
-                        <a:latin typeface="Comic Sans MS" pitchFamily="66" charset="0"/>
-                      </a:endParaRPr>
-                    </a:p>
-                  </a:txBody>
-                  <a:tcPr marL="137160" marR="137160" marT="137160" marB="137160">
-                    <a:lnL w="12700" cap="flat" cmpd="sng" algn="ctr">
-                      <a:solidFill>
-                        <a:schemeClr val="tx1"/>
-                      </a:solidFill>
-                      <a:prstDash val="solid"/>
-                      <a:round/>
-                      <a:headEnd type="none" w="med" len="med"/>
-                      <a:tailEnd type="none" w="med" len="med"/>
-                    </a:lnL>
-                    <a:lnR w="12700" cap="flat" cmpd="sng" algn="ctr">
-                      <a:solidFill>
-                        <a:schemeClr val="tx1"/>
-                      </a:solidFill>
-                      <a:prstDash val="solid"/>
-                      <a:round/>
-                      <a:headEnd type="none" w="med" len="med"/>
-                      <a:tailEnd type="none" w="med" len="med"/>
-                    </a:lnR>
-                    <a:lnT w="12700" cap="flat" cmpd="sng" algn="ctr">
-                      <a:solidFill>
-                        <a:schemeClr val="tx1"/>
-                      </a:solidFill>
-                      <a:prstDash val="solid"/>
-                      <a:round/>
-                      <a:headEnd type="none" w="med" len="med"/>
-                      <a:tailEnd type="none" w="med" len="med"/>
-                    </a:lnT>
-                    <a:lnB w="12700" cap="flat" cmpd="sng" algn="ctr">
-                      <a:solidFill>
-                        <a:schemeClr val="tx1"/>
-                      </a:solidFill>
-                      <a:prstDash val="solid"/>
-                      <a:round/>
-                      <a:headEnd type="none" w="med" len="med"/>
-                      <a:tailEnd type="none" w="med" len="med"/>
-                    </a:lnB>
-                  </a:tcPr>
-                </a:tc>
-                <a:tc>
-                  <a:txBody>
-                    <a:bodyPr/>
-                    <a:lstStyle/>
-                    <a:p>
-                      <a:pPr algn="ctr"/>
-                      <a:r>
-                        <a:rPr lang="en-US" sz="2800" b="0" dirty="0" smtClean="0">
-                          <a:solidFill>
-                            <a:schemeClr val="tx1"/>
-                          </a:solidFill>
-                          <a:latin typeface="Comic Sans MS" pitchFamily="66" charset="0"/>
-                        </a:rPr>
-                        <a:t>Q</a:t>
-                      </a:r>
-                      <a:endParaRPr lang="en-US" sz="2800" b="0" dirty="0">
-                        <a:solidFill>
-                          <a:schemeClr val="tx1"/>
-                        </a:solidFill>
-                        <a:latin typeface="Comic Sans MS" pitchFamily="66" charset="0"/>
-                      </a:endParaRPr>
-                    </a:p>
-                  </a:txBody>
-                  <a:tcPr marL="137160" marR="137160" marT="137160" marB="137160">
-                    <a:lnL w="12700" cap="flat" cmpd="sng" algn="ctr">
-                      <a:solidFill>
-                        <a:schemeClr val="tx1"/>
-                      </a:solidFill>
-                      <a:prstDash val="solid"/>
-                      <a:round/>
-                      <a:headEnd type="none" w="med" len="med"/>
-                      <a:tailEnd type="none" w="med" len="med"/>
-                    </a:lnL>
-                    <a:lnR w="12700" cap="flat" cmpd="sng" algn="ctr">
-                      <a:solidFill>
-                        <a:schemeClr val="tx1"/>
-                      </a:solidFill>
-                      <a:prstDash val="solid"/>
-                      <a:round/>
-                      <a:headEnd type="none" w="med" len="med"/>
-                      <a:tailEnd type="none" w="med" len="med"/>
-                    </a:lnR>
-                    <a:lnT w="12700" cap="flat" cmpd="sng" algn="ctr">
-                      <a:solidFill>
-                        <a:schemeClr val="tx1"/>
-                      </a:solidFill>
-                      <a:prstDash val="solid"/>
-                      <a:round/>
-                      <a:headEnd type="none" w="med" len="med"/>
-                      <a:tailEnd type="none" w="med" len="med"/>
-                    </a:lnT>
-                    <a:lnB w="12700" cap="flat" cmpd="sng" algn="ctr">
-                      <a:solidFill>
-                        <a:schemeClr val="tx1"/>
-                      </a:solidFill>
-                      <a:prstDash val="solid"/>
-                      <a:round/>
-                      <a:headEnd type="none" w="med" len="med"/>
-                      <a:tailEnd type="none" w="med" len="med"/>
-                    </a:lnB>
-                  </a:tcPr>
-                </a:tc>
-                <a:tc>
-                  <a:txBody>
-                    <a:bodyPr/>
-                    <a:lstStyle/>
-                    <a:p>
-                      <a:pPr marL="0" marR="0" indent="0" algn="ctr" defTabSz="914400" rtl="0" eaLnBrk="1" fontAlgn="auto" latinLnBrk="0" hangingPunct="1">
-                        <a:lnSpc>
-                          <a:spcPct val="100000"/>
-                        </a:lnSpc>
-                        <a:spcBef>
-                          <a:spcPts val="0"/>
-                        </a:spcBef>
-                        <a:spcAft>
-                          <a:spcPts val="0"/>
-                        </a:spcAft>
-                        <a:buClrTx/>
-                        <a:buSzTx/>
-                        <a:buFontTx/>
-                        <a:buNone/>
-                        <a:tabLst/>
-                        <a:defRPr/>
-                      </a:pPr>
-                      <a:r>
-                        <a:rPr lang="en-US" sz="2800" b="0" dirty="0" smtClean="0">
-                          <a:solidFill>
-                            <a:schemeClr val="tx1"/>
-                          </a:solidFill>
-                          <a:latin typeface="Comic Sans MS" pitchFamily="66" charset="0"/>
-                        </a:rPr>
-                        <a:t>P</a:t>
-                      </a:r>
-                      <a:r>
-                        <a:rPr lang="en-US" sz="2800" b="1" dirty="0" smtClean="0">
-                          <a:solidFill>
-                            <a:schemeClr val="accent1">
-                              <a:lumMod val="50000"/>
-                            </a:schemeClr>
-                          </a:solidFill>
-                          <a:latin typeface="Symbol" charset="2"/>
-                          <a:ea typeface="Wingdings"/>
-                          <a:cs typeface="Symbol" charset="2"/>
-                        </a:rPr>
-                        <a:t>→</a:t>
-                      </a:r>
-                      <a:r>
-                        <a:rPr lang="en-US" sz="2800" b="0" baseline="0" dirty="0" smtClean="0">
-                          <a:solidFill>
-                            <a:schemeClr val="tx1"/>
-                          </a:solidFill>
-                          <a:latin typeface="Comic Sans MS" pitchFamily="66" charset="0"/>
-                        </a:rPr>
-                        <a:t>Q</a:t>
-                      </a:r>
-                      <a:endParaRPr lang="en-US" sz="2800" b="0" dirty="0">
-                        <a:solidFill>
-                          <a:schemeClr val="tx1"/>
-                        </a:solidFill>
-                        <a:latin typeface="Comic Sans MS" pitchFamily="66" charset="0"/>
-                      </a:endParaRPr>
-                    </a:p>
-                  </a:txBody>
-                  <a:tcPr marL="137160" marR="137160" marT="137160" marB="137160">
-                    <a:lnL w="12700" cap="flat" cmpd="sng" algn="ctr">
-                      <a:solidFill>
-                        <a:schemeClr val="tx1"/>
-                      </a:solidFill>
-                      <a:prstDash val="solid"/>
-                      <a:round/>
-                      <a:headEnd type="none" w="med" len="med"/>
-                      <a:tailEnd type="none" w="med" len="med"/>
-                    </a:lnL>
-                    <a:lnR w="12700" cap="flat" cmpd="sng" algn="ctr">
-                      <a:solidFill>
-                        <a:schemeClr val="tx1"/>
-                      </a:solidFill>
-                      <a:prstDash val="solid"/>
-                      <a:round/>
-                      <a:headEnd type="none" w="med" len="med"/>
-                      <a:tailEnd type="none" w="med" len="med"/>
-                    </a:lnR>
-                    <a:lnT w="12700" cap="flat" cmpd="sng" algn="ctr">
-                      <a:solidFill>
-                        <a:schemeClr val="tx1"/>
-                      </a:solidFill>
-                      <a:prstDash val="solid"/>
-                      <a:round/>
-                      <a:headEnd type="none" w="med" len="med"/>
-                      <a:tailEnd type="none" w="med" len="med"/>
-                    </a:lnT>
-                    <a:lnB w="12700" cap="flat" cmpd="sng" algn="ctr">
-                      <a:solidFill>
-                        <a:schemeClr val="tx1"/>
-                      </a:solidFill>
-                      <a:prstDash val="solid"/>
-                      <a:round/>
-                      <a:headEnd type="none" w="med" len="med"/>
-                      <a:tailEnd type="none" w="med" len="med"/>
-                    </a:lnB>
-                  </a:tcPr>
-                </a:tc>
-              </a:tr>
-              <a:tr h="434043">
-                <a:tc>
-                  <a:txBody>
-                    <a:bodyPr/>
-                    <a:lstStyle/>
-                    <a:p>
-                      <a:pPr algn="ctr"/>
-                      <a:r>
-                        <a:rPr lang="en-US" sz="2800" b="0" dirty="0" smtClean="0">
-                          <a:solidFill>
-                            <a:srgbClr val="33CC33"/>
-                          </a:solidFill>
-                          <a:latin typeface="Comic Sans MS" pitchFamily="66" charset="0"/>
-                        </a:rPr>
-                        <a:t>T</a:t>
-                      </a:r>
-                      <a:endParaRPr lang="en-US" sz="2800" b="0" dirty="0">
-                        <a:solidFill>
-                          <a:srgbClr val="33CC33"/>
-                        </a:solidFill>
-                        <a:latin typeface="Comic Sans MS" pitchFamily="66" charset="0"/>
-                      </a:endParaRPr>
-                    </a:p>
-                  </a:txBody>
-                  <a:tcPr marL="137160" marR="137160" marT="137160" marB="137160">
-                    <a:lnL w="12700" cap="flat" cmpd="sng" algn="ctr">
-                      <a:solidFill>
-                        <a:schemeClr val="tx1"/>
-                      </a:solidFill>
-                      <a:prstDash val="solid"/>
-                      <a:round/>
-                      <a:headEnd type="none" w="med" len="med"/>
-                      <a:tailEnd type="none" w="med" len="med"/>
-                    </a:lnL>
-                    <a:lnR w="12700" cap="flat" cmpd="sng" algn="ctr">
-                      <a:solidFill>
-                        <a:schemeClr val="tx1"/>
-                      </a:solidFill>
-                      <a:prstDash val="solid"/>
-                      <a:round/>
-                      <a:headEnd type="none" w="med" len="med"/>
-                      <a:tailEnd type="none" w="med" len="med"/>
-                    </a:lnR>
-                    <a:lnT w="12700" cap="flat" cmpd="sng" algn="ctr">
-                      <a:solidFill>
-                        <a:schemeClr val="tx1"/>
-                      </a:solidFill>
-                      <a:prstDash val="solid"/>
-                      <a:round/>
-                      <a:headEnd type="none" w="med" len="med"/>
-                      <a:tailEnd type="none" w="med" len="med"/>
-                    </a:lnT>
-                    <a:lnB w="12700" cap="flat" cmpd="sng" algn="ctr">
-                      <a:solidFill>
-                        <a:schemeClr val="tx1"/>
-                      </a:solidFill>
-                      <a:prstDash val="solid"/>
-                      <a:round/>
-                      <a:headEnd type="none" w="med" len="med"/>
-                      <a:tailEnd type="none" w="med" len="med"/>
-                    </a:lnB>
-                  </a:tcPr>
-                </a:tc>
-                <a:tc>
-                  <a:txBody>
-                    <a:bodyPr/>
-                    <a:lstStyle/>
-                    <a:p>
-                      <a:pPr algn="ctr"/>
-                      <a:r>
-                        <a:rPr lang="en-US" sz="2800" b="0" dirty="0" smtClean="0">
-                          <a:solidFill>
-                            <a:srgbClr val="33CC33"/>
-                          </a:solidFill>
-                          <a:latin typeface="Comic Sans MS" pitchFamily="66" charset="0"/>
-                        </a:rPr>
-                        <a:t>T</a:t>
-                      </a:r>
-                      <a:endParaRPr lang="en-US" sz="2800" b="0" dirty="0">
-                        <a:solidFill>
-                          <a:srgbClr val="33CC33"/>
-                        </a:solidFill>
-                        <a:latin typeface="Comic Sans MS" pitchFamily="66" charset="0"/>
-                      </a:endParaRPr>
-                    </a:p>
-                  </a:txBody>
-                  <a:tcPr marL="137160" marR="137160" marT="137160" marB="137160">
-                    <a:lnL w="12700" cap="flat" cmpd="sng" algn="ctr">
-                      <a:solidFill>
-                        <a:schemeClr val="tx1"/>
-                      </a:solidFill>
-                      <a:prstDash val="solid"/>
-                      <a:round/>
-                      <a:headEnd type="none" w="med" len="med"/>
-                      <a:tailEnd type="none" w="med" len="med"/>
-                    </a:lnL>
-                    <a:lnR w="12700" cap="flat" cmpd="sng" algn="ctr">
-                      <a:solidFill>
-                        <a:schemeClr val="tx1"/>
-                      </a:solidFill>
-                      <a:prstDash val="solid"/>
-                      <a:round/>
-                      <a:headEnd type="none" w="med" len="med"/>
-                      <a:tailEnd type="none" w="med" len="med"/>
-                    </a:lnR>
-                    <a:lnT w="12700" cap="flat" cmpd="sng" algn="ctr">
-                      <a:solidFill>
-                        <a:schemeClr val="tx1"/>
-                      </a:solidFill>
-                      <a:prstDash val="solid"/>
-                      <a:round/>
-                      <a:headEnd type="none" w="med" len="med"/>
-                      <a:tailEnd type="none" w="med" len="med"/>
-                    </a:lnT>
-                    <a:lnB w="12700" cap="flat" cmpd="sng" algn="ctr">
-                      <a:solidFill>
-                        <a:schemeClr val="tx1"/>
-                      </a:solidFill>
-                      <a:prstDash val="solid"/>
-                      <a:round/>
-                      <a:headEnd type="none" w="med" len="med"/>
-                      <a:tailEnd type="none" w="med" len="med"/>
-                    </a:lnB>
-                  </a:tcPr>
-                </a:tc>
-                <a:tc>
-                  <a:txBody>
-                    <a:bodyPr/>
-                    <a:lstStyle/>
-                    <a:p>
-                      <a:pPr algn="ctr"/>
-                      <a:r>
-                        <a:rPr lang="en-US" sz="2800" b="0" dirty="0" smtClean="0">
-                          <a:solidFill>
-                            <a:srgbClr val="33CC33"/>
-                          </a:solidFill>
-                          <a:latin typeface="Comic Sans MS" pitchFamily="66" charset="0"/>
-                        </a:rPr>
-                        <a:t>T</a:t>
-                      </a:r>
-                      <a:endParaRPr lang="en-US" sz="2800" b="0" dirty="0">
-                        <a:solidFill>
-                          <a:srgbClr val="33CC33"/>
-                        </a:solidFill>
-                        <a:latin typeface="Comic Sans MS" pitchFamily="66" charset="0"/>
-                      </a:endParaRPr>
-                    </a:p>
-                  </a:txBody>
-                  <a:tcPr marL="137160" marR="137160" marT="137160" marB="137160" anchor="ctr" anchorCtr="1">
-                    <a:lnL w="12700" cap="flat" cmpd="sng" algn="ctr">
-                      <a:solidFill>
-                        <a:schemeClr val="tx1"/>
-                      </a:solidFill>
-                      <a:prstDash val="solid"/>
-                      <a:round/>
-                      <a:headEnd type="none" w="med" len="med"/>
-                      <a:tailEnd type="none" w="med" len="med"/>
-                    </a:lnL>
-                    <a:lnR w="12700" cap="flat" cmpd="sng" algn="ctr">
-                      <a:solidFill>
-                        <a:schemeClr val="tx1"/>
-                      </a:solidFill>
-                      <a:prstDash val="solid"/>
-                      <a:round/>
-                      <a:headEnd type="none" w="med" len="med"/>
-                      <a:tailEnd type="none" w="med" len="med"/>
-                    </a:lnR>
-                    <a:lnT w="12700" cap="flat" cmpd="sng" algn="ctr">
-                      <a:solidFill>
-                        <a:schemeClr val="tx1"/>
-                      </a:solidFill>
-                      <a:prstDash val="solid"/>
-                      <a:round/>
-                      <a:headEnd type="none" w="med" len="med"/>
-                      <a:tailEnd type="none" w="med" len="med"/>
-                    </a:lnT>
-                    <a:lnB w="12700" cap="flat" cmpd="sng" algn="ctr">
-                      <a:solidFill>
-                        <a:schemeClr val="tx1"/>
-                      </a:solidFill>
-                      <a:prstDash val="solid"/>
-                      <a:round/>
-                      <a:headEnd type="none" w="med" len="med"/>
-                      <a:tailEnd type="none" w="med" len="med"/>
-                    </a:lnB>
-                    <a:solidFill>
-                      <a:schemeClr val="accent5">
-                        <a:tint val="40000"/>
-                      </a:schemeClr>
-                    </a:solidFill>
-                  </a:tcPr>
-                </a:tc>
-              </a:tr>
-              <a:tr h="434043">
-                <a:tc>
-                  <a:txBody>
-                    <a:bodyPr/>
-                    <a:lstStyle/>
-                    <a:p>
-                      <a:pPr algn="ctr"/>
-                      <a:r>
-                        <a:rPr lang="en-US" sz="2800" b="0" dirty="0" smtClean="0">
-                          <a:solidFill>
-                            <a:srgbClr val="33CC33"/>
-                          </a:solidFill>
-                          <a:latin typeface="Comic Sans MS" pitchFamily="66" charset="0"/>
-                        </a:rPr>
-                        <a:t>T</a:t>
-                      </a:r>
-                      <a:endParaRPr lang="en-US" sz="2800" b="0" dirty="0">
-                        <a:solidFill>
-                          <a:srgbClr val="33CC33"/>
-                        </a:solidFill>
-                        <a:latin typeface="Comic Sans MS" pitchFamily="66" charset="0"/>
-                      </a:endParaRPr>
-                    </a:p>
-                  </a:txBody>
-                  <a:tcPr marL="137160" marR="137160" marT="137160" marB="137160">
-                    <a:lnL w="12700" cap="flat" cmpd="sng" algn="ctr">
-                      <a:solidFill>
-                        <a:schemeClr val="tx1"/>
-                      </a:solidFill>
-                      <a:prstDash val="solid"/>
-                      <a:round/>
-                      <a:headEnd type="none" w="med" len="med"/>
-                      <a:tailEnd type="none" w="med" len="med"/>
-                    </a:lnL>
-                    <a:lnR w="12700" cap="flat" cmpd="sng" algn="ctr">
-                      <a:solidFill>
-                        <a:schemeClr val="tx1"/>
-                      </a:solidFill>
-                      <a:prstDash val="solid"/>
-                      <a:round/>
-                      <a:headEnd type="none" w="med" len="med"/>
-                      <a:tailEnd type="none" w="med" len="med"/>
-                    </a:lnR>
-                    <a:lnT w="12700" cap="flat" cmpd="sng" algn="ctr">
-                      <a:solidFill>
-                        <a:schemeClr val="tx1"/>
-                      </a:solidFill>
-                      <a:prstDash val="solid"/>
-                      <a:round/>
-                      <a:headEnd type="none" w="med" len="med"/>
-                      <a:tailEnd type="none" w="med" len="med"/>
-                    </a:lnT>
-                    <a:lnB w="12700" cap="flat" cmpd="sng" algn="ctr">
-                      <a:solidFill>
-                        <a:schemeClr val="tx1"/>
-                      </a:solidFill>
-                      <a:prstDash val="solid"/>
-                      <a:round/>
-                      <a:headEnd type="none" w="med" len="med"/>
-                      <a:tailEnd type="none" w="med" len="med"/>
-                    </a:lnB>
-                  </a:tcPr>
-                </a:tc>
-                <a:tc>
-                  <a:txBody>
-                    <a:bodyPr/>
-                    <a:lstStyle/>
-                    <a:p>
-                      <a:pPr algn="ctr"/>
-                      <a:r>
-                        <a:rPr lang="en-US" sz="2800" b="0" dirty="0" smtClean="0">
-                          <a:solidFill>
-                            <a:srgbClr val="C00000"/>
-                          </a:solidFill>
-                          <a:latin typeface="Comic Sans MS" pitchFamily="66" charset="0"/>
-                        </a:rPr>
-                        <a:t>F</a:t>
-                      </a:r>
-                      <a:endParaRPr lang="en-US" sz="2800" b="0" dirty="0">
-                        <a:solidFill>
-                          <a:srgbClr val="C00000"/>
-                        </a:solidFill>
-                        <a:latin typeface="Comic Sans MS" pitchFamily="66" charset="0"/>
-                      </a:endParaRPr>
-                    </a:p>
-                  </a:txBody>
-                  <a:tcPr marL="137160" marR="137160" marT="137160" marB="137160">
-                    <a:lnL w="12700" cap="flat" cmpd="sng" algn="ctr">
-                      <a:solidFill>
-                        <a:schemeClr val="tx1"/>
-                      </a:solidFill>
-                      <a:prstDash val="solid"/>
-                      <a:round/>
-                      <a:headEnd type="none" w="med" len="med"/>
-                      <a:tailEnd type="none" w="med" len="med"/>
-                    </a:lnL>
-                    <a:lnR w="12700" cap="flat" cmpd="sng" algn="ctr">
-                      <a:solidFill>
-                        <a:schemeClr val="tx1"/>
-                      </a:solidFill>
-                      <a:prstDash val="solid"/>
-                      <a:round/>
-                      <a:headEnd type="none" w="med" len="med"/>
-                      <a:tailEnd type="none" w="med" len="med"/>
-                    </a:lnR>
-                    <a:lnT w="12700" cap="flat" cmpd="sng" algn="ctr">
-                      <a:solidFill>
-                        <a:schemeClr val="tx1"/>
-                      </a:solidFill>
-                      <a:prstDash val="solid"/>
-                      <a:round/>
-                      <a:headEnd type="none" w="med" len="med"/>
-                      <a:tailEnd type="none" w="med" len="med"/>
-                    </a:lnT>
-                    <a:lnB w="12700" cap="flat" cmpd="sng" algn="ctr">
-                      <a:solidFill>
-                        <a:schemeClr val="tx1"/>
-                      </a:solidFill>
-                      <a:prstDash val="solid"/>
-                      <a:round/>
-                      <a:headEnd type="none" w="med" len="med"/>
-                      <a:tailEnd type="none" w="med" len="med"/>
-                    </a:lnB>
-                  </a:tcPr>
-                </a:tc>
-                <a:tc>
-                  <a:txBody>
-                    <a:bodyPr/>
-                    <a:lstStyle/>
-                    <a:p>
-                      <a:pPr algn="ctr"/>
-                      <a:r>
-                        <a:rPr lang="en-US" sz="2800" b="0" dirty="0" smtClean="0">
-                          <a:solidFill>
-                            <a:srgbClr val="C00000"/>
-                          </a:solidFill>
-                          <a:latin typeface="Comic Sans MS" pitchFamily="66" charset="0"/>
-                        </a:rPr>
-                        <a:t>F</a:t>
-                      </a:r>
-                      <a:endParaRPr lang="en-US" sz="2800" b="0" dirty="0">
-                        <a:solidFill>
-                          <a:srgbClr val="C00000"/>
-                        </a:solidFill>
-                        <a:latin typeface="Comic Sans MS" pitchFamily="66" charset="0"/>
-                      </a:endParaRPr>
-                    </a:p>
-                  </a:txBody>
-                  <a:tcPr marL="137160" marR="137160" marT="137160" marB="137160">
-                    <a:lnL w="12700" cap="flat" cmpd="sng" algn="ctr">
-                      <a:solidFill>
-                        <a:schemeClr val="tx1"/>
-                      </a:solidFill>
-                      <a:prstDash val="solid"/>
-                      <a:round/>
-                      <a:headEnd type="none" w="med" len="med"/>
-                      <a:tailEnd type="none" w="med" len="med"/>
-                    </a:lnL>
-                    <a:lnR w="12700" cap="flat" cmpd="sng" algn="ctr">
-                      <a:solidFill>
-                        <a:schemeClr val="tx1"/>
-                      </a:solidFill>
-                      <a:prstDash val="solid"/>
-                      <a:round/>
-                      <a:headEnd type="none" w="med" len="med"/>
-                      <a:tailEnd type="none" w="med" len="med"/>
-                    </a:lnR>
-                    <a:lnT w="12700" cap="flat" cmpd="sng" algn="ctr">
-                      <a:solidFill>
-                        <a:schemeClr val="tx1"/>
-                      </a:solidFill>
-                      <a:prstDash val="solid"/>
-                      <a:round/>
-                      <a:headEnd type="none" w="med" len="med"/>
-                      <a:tailEnd type="none" w="med" len="med"/>
-                    </a:lnT>
-                    <a:lnB w="12700" cap="flat" cmpd="sng" algn="ctr">
-                      <a:solidFill>
-                        <a:schemeClr val="tx1"/>
-                      </a:solidFill>
-                      <a:prstDash val="solid"/>
-                      <a:round/>
-                      <a:headEnd type="none" w="med" len="med"/>
-                      <a:tailEnd type="none" w="med" len="med"/>
-                    </a:lnB>
-                  </a:tcPr>
-                </a:tc>
-              </a:tr>
-              <a:tr h="434043">
-                <a:tc>
-                  <a:txBody>
-                    <a:bodyPr/>
-                    <a:lstStyle/>
-                    <a:p>
-                      <a:pPr algn="ctr"/>
-                      <a:r>
-                        <a:rPr lang="en-US" sz="2800" b="0" dirty="0" smtClean="0">
-                          <a:solidFill>
-                            <a:srgbClr val="C00000"/>
-                          </a:solidFill>
-                          <a:latin typeface="Comic Sans MS" pitchFamily="66" charset="0"/>
-                        </a:rPr>
-                        <a:t>F</a:t>
-                      </a:r>
-                      <a:endParaRPr lang="en-US" sz="2800" b="0" dirty="0">
-                        <a:solidFill>
-                          <a:srgbClr val="C00000"/>
-                        </a:solidFill>
-                        <a:latin typeface="Comic Sans MS" pitchFamily="66" charset="0"/>
-                      </a:endParaRPr>
-                    </a:p>
-                  </a:txBody>
-                  <a:tcPr marL="137160" marR="137160" marT="137160" marB="137160">
-                    <a:lnL w="12700" cap="flat" cmpd="sng" algn="ctr">
-                      <a:solidFill>
-                        <a:schemeClr val="tx1"/>
-                      </a:solidFill>
-                      <a:prstDash val="solid"/>
-                      <a:round/>
-                      <a:headEnd type="none" w="med" len="med"/>
-                      <a:tailEnd type="none" w="med" len="med"/>
-                    </a:lnL>
-                    <a:lnR w="12700" cap="flat" cmpd="sng" algn="ctr">
-                      <a:solidFill>
-                        <a:schemeClr val="tx1"/>
-                      </a:solidFill>
-                      <a:prstDash val="solid"/>
-                      <a:round/>
-                      <a:headEnd type="none" w="med" len="med"/>
-                      <a:tailEnd type="none" w="med" len="med"/>
-                    </a:lnR>
-                    <a:lnT w="12700" cap="flat" cmpd="sng" algn="ctr">
-                      <a:solidFill>
-                        <a:schemeClr val="tx1"/>
-                      </a:solidFill>
-                      <a:prstDash val="solid"/>
-                      <a:round/>
-                      <a:headEnd type="none" w="med" len="med"/>
-                      <a:tailEnd type="none" w="med" len="med"/>
-                    </a:lnT>
-                    <a:lnB w="12700" cap="flat" cmpd="sng" algn="ctr">
-                      <a:solidFill>
-                        <a:schemeClr val="tx1"/>
-                      </a:solidFill>
-                      <a:prstDash val="solid"/>
-                      <a:round/>
-                      <a:headEnd type="none" w="med" len="med"/>
-                      <a:tailEnd type="none" w="med" len="med"/>
-                    </a:lnB>
-                  </a:tcPr>
-                </a:tc>
-                <a:tc>
-                  <a:txBody>
-                    <a:bodyPr/>
-                    <a:lstStyle/>
-                    <a:p>
-                      <a:pPr algn="ctr"/>
-                      <a:r>
-                        <a:rPr lang="en-US" sz="2800" b="0" dirty="0" smtClean="0">
-                          <a:solidFill>
-                            <a:srgbClr val="33CC33"/>
-                          </a:solidFill>
-                          <a:latin typeface="Comic Sans MS" pitchFamily="66" charset="0"/>
-                        </a:rPr>
-                        <a:t>T</a:t>
-                      </a:r>
-                      <a:endParaRPr lang="en-US" sz="2800" b="0" dirty="0">
-                        <a:solidFill>
-                          <a:srgbClr val="33CC33"/>
-                        </a:solidFill>
-                        <a:latin typeface="Comic Sans MS" pitchFamily="66" charset="0"/>
-                      </a:endParaRPr>
-                    </a:p>
-                  </a:txBody>
-                  <a:tcPr marL="137160" marR="137160" marT="137160" marB="137160">
-                    <a:lnL w="12700" cap="flat" cmpd="sng" algn="ctr">
-                      <a:solidFill>
-                        <a:schemeClr val="tx1"/>
-                      </a:solidFill>
-                      <a:prstDash val="solid"/>
-                      <a:round/>
-                      <a:headEnd type="none" w="med" len="med"/>
-                      <a:tailEnd type="none" w="med" len="med"/>
-                    </a:lnL>
-                    <a:lnR w="12700" cap="flat" cmpd="sng" algn="ctr">
-                      <a:solidFill>
-                        <a:schemeClr val="tx1"/>
-                      </a:solidFill>
-                      <a:prstDash val="solid"/>
-                      <a:round/>
-                      <a:headEnd type="none" w="med" len="med"/>
-                      <a:tailEnd type="none" w="med" len="med"/>
-                    </a:lnR>
-                    <a:lnT w="12700" cap="flat" cmpd="sng" algn="ctr">
-                      <a:solidFill>
-                        <a:schemeClr val="tx1"/>
-                      </a:solidFill>
-                      <a:prstDash val="solid"/>
-                      <a:round/>
-                      <a:headEnd type="none" w="med" len="med"/>
-                      <a:tailEnd type="none" w="med" len="med"/>
-                    </a:lnT>
-                    <a:lnB w="12700" cap="flat" cmpd="sng" algn="ctr">
-                      <a:solidFill>
-                        <a:schemeClr val="tx1"/>
-                      </a:solidFill>
-                      <a:prstDash val="solid"/>
-                      <a:round/>
-                      <a:headEnd type="none" w="med" len="med"/>
-                      <a:tailEnd type="none" w="med" len="med"/>
-                    </a:lnB>
-                  </a:tcPr>
-                </a:tc>
-                <a:tc>
-                  <a:txBody>
-                    <a:bodyPr/>
-                    <a:lstStyle/>
-                    <a:p>
-                      <a:pPr algn="ctr"/>
-                      <a:r>
-                        <a:rPr lang="en-US" sz="2800" b="0" dirty="0" smtClean="0">
-                          <a:solidFill>
-                            <a:srgbClr val="33CC33"/>
-                          </a:solidFill>
-                          <a:latin typeface="Comic Sans MS" pitchFamily="66" charset="0"/>
-                        </a:rPr>
-                        <a:t>T</a:t>
-                      </a:r>
-                      <a:endParaRPr lang="en-US" sz="2800" b="0" dirty="0">
-                        <a:solidFill>
-                          <a:srgbClr val="33CC33"/>
-                        </a:solidFill>
-                        <a:latin typeface="Comic Sans MS" pitchFamily="66" charset="0"/>
-                      </a:endParaRPr>
-                    </a:p>
-                  </a:txBody>
-                  <a:tcPr marL="137160" marR="137160" marT="137160" marB="137160">
-                    <a:lnL w="12700" cap="flat" cmpd="sng" algn="ctr">
-                      <a:solidFill>
-                        <a:schemeClr val="tx1"/>
-                      </a:solidFill>
-                      <a:prstDash val="solid"/>
-                      <a:round/>
-                      <a:headEnd type="none" w="med" len="med"/>
-                      <a:tailEnd type="none" w="med" len="med"/>
-                    </a:lnL>
-                    <a:lnR w="12700" cap="flat" cmpd="sng" algn="ctr">
-                      <a:solidFill>
-                        <a:schemeClr val="tx1"/>
-                      </a:solidFill>
-                      <a:prstDash val="solid"/>
-                      <a:round/>
-                      <a:headEnd type="none" w="med" len="med"/>
-                      <a:tailEnd type="none" w="med" len="med"/>
-                    </a:lnR>
-                    <a:lnT w="12700" cap="flat" cmpd="sng" algn="ctr">
-                      <a:solidFill>
-                        <a:schemeClr val="tx1"/>
-                      </a:solidFill>
-                      <a:prstDash val="solid"/>
-                      <a:round/>
-                      <a:headEnd type="none" w="med" len="med"/>
-                      <a:tailEnd type="none" w="med" len="med"/>
-                    </a:lnT>
-                    <a:lnB w="12700" cap="flat" cmpd="sng" algn="ctr">
-                      <a:solidFill>
-                        <a:schemeClr val="tx1"/>
-                      </a:solidFill>
-                      <a:prstDash val="solid"/>
-                      <a:round/>
-                      <a:headEnd type="none" w="med" len="med"/>
-                      <a:tailEnd type="none" w="med" len="med"/>
-                    </a:lnB>
-                  </a:tcPr>
-                </a:tc>
-              </a:tr>
-              <a:tr h="434043">
-                <a:tc>
-                  <a:txBody>
-                    <a:bodyPr/>
-                    <a:lstStyle/>
-                    <a:p>
-                      <a:pPr algn="ctr"/>
-                      <a:r>
-                        <a:rPr lang="en-US" sz="2800" b="0" dirty="0" smtClean="0">
-                          <a:solidFill>
-                            <a:srgbClr val="C00000"/>
-                          </a:solidFill>
-                          <a:latin typeface="Comic Sans MS" pitchFamily="66" charset="0"/>
-                        </a:rPr>
-                        <a:t>F</a:t>
-                      </a:r>
-                      <a:endParaRPr lang="en-US" sz="2800" b="0" dirty="0">
-                        <a:solidFill>
-                          <a:srgbClr val="C00000"/>
-                        </a:solidFill>
-                        <a:latin typeface="Comic Sans MS" pitchFamily="66" charset="0"/>
-                      </a:endParaRPr>
-                    </a:p>
-                  </a:txBody>
-                  <a:tcPr marL="137160" marR="137160" marT="137160" marB="137160">
-                    <a:lnL w="12700" cap="flat" cmpd="sng" algn="ctr">
-                      <a:solidFill>
-                        <a:schemeClr val="tx1"/>
-                      </a:solidFill>
-                      <a:prstDash val="solid"/>
-                      <a:round/>
-                      <a:headEnd type="none" w="med" len="med"/>
-                      <a:tailEnd type="none" w="med" len="med"/>
-                    </a:lnL>
-                    <a:lnR w="12700" cap="flat" cmpd="sng" algn="ctr">
-                      <a:solidFill>
-                        <a:schemeClr val="tx1"/>
-                      </a:solidFill>
-                      <a:prstDash val="solid"/>
-                      <a:round/>
-                      <a:headEnd type="none" w="med" len="med"/>
-                      <a:tailEnd type="none" w="med" len="med"/>
-                    </a:lnR>
-                    <a:lnT w="12700" cap="flat" cmpd="sng" algn="ctr">
-                      <a:solidFill>
-                        <a:schemeClr val="tx1"/>
-                      </a:solidFill>
-                      <a:prstDash val="solid"/>
-                      <a:round/>
-                      <a:headEnd type="none" w="med" len="med"/>
-                      <a:tailEnd type="none" w="med" len="med"/>
-                    </a:lnT>
-                    <a:lnB w="12700" cap="flat" cmpd="sng" algn="ctr">
-                      <a:solidFill>
-                        <a:schemeClr val="tx1"/>
-                      </a:solidFill>
-                      <a:prstDash val="solid"/>
-                      <a:round/>
-                      <a:headEnd type="none" w="med" len="med"/>
-                      <a:tailEnd type="none" w="med" len="med"/>
-                    </a:lnB>
-                  </a:tcPr>
-                </a:tc>
-                <a:tc>
-                  <a:txBody>
-                    <a:bodyPr/>
-                    <a:lstStyle/>
-                    <a:p>
-                      <a:pPr algn="ctr"/>
-                      <a:r>
-                        <a:rPr lang="en-US" sz="2800" b="0" dirty="0" smtClean="0">
-                          <a:solidFill>
-                            <a:srgbClr val="C00000"/>
-                          </a:solidFill>
-                          <a:latin typeface="Comic Sans MS" pitchFamily="66" charset="0"/>
-                        </a:rPr>
-                        <a:t>F</a:t>
-                      </a:r>
-                      <a:endParaRPr lang="en-US" sz="2800" b="0" dirty="0">
-                        <a:solidFill>
-                          <a:srgbClr val="C00000"/>
-                        </a:solidFill>
-                        <a:latin typeface="Comic Sans MS" pitchFamily="66" charset="0"/>
-                      </a:endParaRPr>
-                    </a:p>
-                  </a:txBody>
-                  <a:tcPr marL="137160" marR="137160" marT="137160" marB="137160">
-                    <a:lnL w="12700" cap="flat" cmpd="sng" algn="ctr">
-                      <a:solidFill>
-                        <a:schemeClr val="tx1"/>
-                      </a:solidFill>
-                      <a:prstDash val="solid"/>
-                      <a:round/>
-                      <a:headEnd type="none" w="med" len="med"/>
-                      <a:tailEnd type="none" w="med" len="med"/>
-                    </a:lnL>
-                    <a:lnR w="12700" cap="flat" cmpd="sng" algn="ctr">
-                      <a:solidFill>
-                        <a:schemeClr val="tx1"/>
-                      </a:solidFill>
-                      <a:prstDash val="solid"/>
-                      <a:round/>
-                      <a:headEnd type="none" w="med" len="med"/>
-                      <a:tailEnd type="none" w="med" len="med"/>
-                    </a:lnR>
-                    <a:lnT w="12700" cap="flat" cmpd="sng" algn="ctr">
-                      <a:solidFill>
-                        <a:schemeClr val="tx1"/>
-                      </a:solidFill>
-                      <a:prstDash val="solid"/>
-                      <a:round/>
-                      <a:headEnd type="none" w="med" len="med"/>
-                      <a:tailEnd type="none" w="med" len="med"/>
-                    </a:lnT>
-                    <a:lnB w="12700" cap="flat" cmpd="sng" algn="ctr">
-                      <a:solidFill>
-                        <a:schemeClr val="tx1"/>
-                      </a:solidFill>
-                      <a:prstDash val="solid"/>
-                      <a:round/>
-                      <a:headEnd type="none" w="med" len="med"/>
-                      <a:tailEnd type="none" w="med" len="med"/>
-                    </a:lnB>
-                  </a:tcPr>
-                </a:tc>
-                <a:tc>
-                  <a:txBody>
-                    <a:bodyPr/>
-                    <a:lstStyle/>
-                    <a:p>
-                      <a:pPr marL="0" marR="0" indent="0" algn="ctr" defTabSz="914400" rtl="0" eaLnBrk="1" fontAlgn="auto" latinLnBrk="0" hangingPunct="1">
-                        <a:lnSpc>
-                          <a:spcPct val="100000"/>
-                        </a:lnSpc>
-                        <a:spcBef>
-                          <a:spcPts val="0"/>
-                        </a:spcBef>
-                        <a:spcAft>
-                          <a:spcPts val="0"/>
-                        </a:spcAft>
-                        <a:buClrTx/>
-                        <a:buSzTx/>
-                        <a:buFontTx/>
-                        <a:buNone/>
-                        <a:tabLst/>
-                        <a:defRPr/>
-                      </a:pPr>
-                      <a:r>
-                        <a:rPr lang="en-US" sz="2800" b="0" dirty="0" smtClean="0">
-                          <a:solidFill>
-                            <a:srgbClr val="33CC33"/>
-                          </a:solidFill>
-                          <a:latin typeface="Comic Sans MS" pitchFamily="66" charset="0"/>
-                        </a:rPr>
-                        <a:t>T</a:t>
-                      </a:r>
-                    </a:p>
-                  </a:txBody>
-                  <a:tcPr marL="137160" marR="137160" marT="137160" marB="137160">
-                    <a:lnL w="12700" cap="flat" cmpd="sng" algn="ctr">
-                      <a:solidFill>
-                        <a:schemeClr val="tx1"/>
-                      </a:solidFill>
-                      <a:prstDash val="solid"/>
-                      <a:round/>
-                      <a:headEnd type="none" w="med" len="med"/>
-                      <a:tailEnd type="none" w="med" len="med"/>
-                    </a:lnL>
-                    <a:lnR w="12700" cap="flat" cmpd="sng" algn="ctr">
-                      <a:solidFill>
-                        <a:schemeClr val="tx1"/>
-                      </a:solidFill>
-                      <a:prstDash val="solid"/>
-                      <a:round/>
-                      <a:headEnd type="none" w="med" len="med"/>
-                      <a:tailEnd type="none" w="med" len="med"/>
-                    </a:lnR>
-                    <a:lnT w="12700" cap="flat" cmpd="sng" algn="ctr">
-                      <a:solidFill>
-                        <a:schemeClr val="tx1"/>
-                      </a:solidFill>
-                      <a:prstDash val="solid"/>
-                      <a:round/>
-                      <a:headEnd type="none" w="med" len="med"/>
-                      <a:tailEnd type="none" w="med" len="med"/>
-                    </a:lnT>
-                    <a:lnB w="12700" cap="flat" cmpd="sng" algn="ctr">
-                      <a:solidFill>
-                        <a:schemeClr val="tx1"/>
-                      </a:solidFill>
-                      <a:prstDash val="solid"/>
-                      <a:round/>
-                      <a:headEnd type="none" w="med" len="med"/>
-                      <a:tailEnd type="none" w="med" len="med"/>
-                    </a:lnB>
-                  </a:tcPr>
-                </a:tc>
-              </a:tr>
-            </a:tbl>
-          </a:graphicData>
-        </a:graphic>
-      </p:graphicFrame>
-      <p:sp>
-        <p:nvSpPr>
-          <p:cNvPr id="23" name="TextBox 22"/>
-          <p:cNvSpPr txBox="1"/>
-          <p:nvPr/>
-        </p:nvSpPr>
-        <p:spPr>
-          <a:xfrm>
-            <a:off x="1378657" y="1132116"/>
-            <a:ext cx="7090403" cy="1077218"/>
-          </a:xfrm>
-          <a:prstGeom prst="rect">
-            <a:avLst/>
-          </a:prstGeom>
-          <a:noFill/>
-        </p:spPr>
-        <p:txBody>
-          <a:bodyPr wrap="none" rtlCol="0">
-            <a:spAutoFit/>
-          </a:bodyPr>
-          <a:lstStyle/>
-          <a:p>
-            <a:r>
-              <a:rPr lang="en-US" sz="3200" dirty="0" smtClean="0">
-                <a:latin typeface="Comic Sans MS" pitchFamily="66" charset="0"/>
-              </a:rPr>
-              <a:t>The value of (P </a:t>
-            </a:r>
-            <a:r>
-              <a:rPr lang="en-US" sz="2800" dirty="0" smtClean="0">
-                <a:solidFill>
-                  <a:srgbClr val="0000FF"/>
-                </a:solidFill>
-                <a:latin typeface="Comic Sans MS" pitchFamily="66" charset="0"/>
-              </a:rPr>
-              <a:t>IMPLIES</a:t>
-            </a:r>
-            <a:r>
-              <a:rPr lang="en-US" sz="3200" dirty="0" smtClean="0">
-                <a:latin typeface="Comic Sans MS" pitchFamily="66" charset="0"/>
-              </a:rPr>
-              <a:t> Q) is </a:t>
-            </a:r>
-            <a:r>
-              <a:rPr lang="en-US" sz="3200" dirty="0" smtClean="0">
-                <a:solidFill>
-                  <a:srgbClr val="FF0000"/>
-                </a:solidFill>
-                <a:latin typeface="Comic Sans MS" pitchFamily="66" charset="0"/>
-              </a:rPr>
-              <a:t>F</a:t>
-            </a:r>
-            <a:r>
-              <a:rPr lang="en-US" sz="3200" dirty="0" smtClean="0">
-                <a:latin typeface="Comic Sans MS" pitchFamily="66" charset="0"/>
-              </a:rPr>
-              <a:t> </a:t>
-            </a:r>
-            <a:r>
-              <a:rPr lang="en-US" sz="3200" dirty="0" err="1" smtClean="0">
-                <a:latin typeface="Comic Sans MS" pitchFamily="66" charset="0"/>
-              </a:rPr>
-              <a:t>iff</a:t>
-            </a:r>
-            <a:endParaRPr lang="en-US" sz="3200" dirty="0" smtClean="0">
-              <a:latin typeface="Comic Sans MS" pitchFamily="66" charset="0"/>
-            </a:endParaRPr>
-          </a:p>
-          <a:p>
-            <a:r>
-              <a:rPr lang="en-US" sz="3200" dirty="0" smtClean="0">
-                <a:latin typeface="Comic Sans MS" pitchFamily="66" charset="0"/>
-              </a:rPr>
-              <a:t>   P is</a:t>
-            </a:r>
-            <a:r>
-              <a:rPr lang="en-US" sz="3200" dirty="0" smtClean="0">
-                <a:solidFill>
-                  <a:srgbClr val="FF0000"/>
-                </a:solidFill>
-                <a:latin typeface="Comic Sans MS" pitchFamily="66" charset="0"/>
-              </a:rPr>
-              <a:t> </a:t>
-            </a:r>
-            <a:r>
-              <a:rPr lang="en-US" sz="3200" dirty="0" smtClean="0">
-                <a:solidFill>
-                  <a:srgbClr val="33CC33"/>
-                </a:solidFill>
-                <a:latin typeface="Comic Sans MS" pitchFamily="66" charset="0"/>
-              </a:rPr>
-              <a:t>T</a:t>
-            </a:r>
-            <a:r>
-              <a:rPr lang="en-US" sz="3200" dirty="0" smtClean="0">
-                <a:latin typeface="Comic Sans MS" pitchFamily="66" charset="0"/>
-              </a:rPr>
-              <a:t> and Q is </a:t>
-            </a:r>
-            <a:r>
-              <a:rPr lang="en-US" sz="3200" dirty="0" smtClean="0">
-                <a:solidFill>
-                  <a:srgbClr val="FF0000"/>
-                </a:solidFill>
-                <a:latin typeface="Comic Sans MS" pitchFamily="66" charset="0"/>
-              </a:rPr>
-              <a:t>F</a:t>
-            </a:r>
-            <a:r>
-              <a:rPr lang="en-US" sz="3200" dirty="0" smtClean="0">
-                <a:solidFill>
-                  <a:srgbClr val="008000"/>
-                </a:solidFill>
-                <a:latin typeface="Comic Sans MS" pitchFamily="66" charset="0"/>
-              </a:rPr>
-              <a:t>.</a:t>
-            </a:r>
-            <a:endParaRPr lang="en-US" sz="3200" dirty="0">
-              <a:latin typeface="Comic Sans MS" pitchFamily="66" charset="0"/>
-            </a:endParaRPr>
-          </a:p>
-        </p:txBody>
-      </p:sp>
-      <p:sp>
-        <p:nvSpPr>
-          <p:cNvPr id="24" name="TextBox 23"/>
-          <p:cNvSpPr txBox="1"/>
-          <p:nvPr/>
-        </p:nvSpPr>
-        <p:spPr>
-          <a:xfrm>
-            <a:off x="1554637" y="2212521"/>
-            <a:ext cx="6048852" cy="584776"/>
-          </a:xfrm>
-          <a:prstGeom prst="rect">
-            <a:avLst/>
-          </a:prstGeom>
-          <a:noFill/>
-        </p:spPr>
-        <p:txBody>
-          <a:bodyPr wrap="none" rtlCol="0">
-            <a:spAutoFit/>
-          </a:bodyPr>
-          <a:lstStyle/>
-          <a:p>
-            <a:r>
-              <a:rPr lang="en-US" dirty="0" smtClean="0">
-                <a:latin typeface="Comic Sans MS" pitchFamily="66" charset="0"/>
-              </a:rPr>
-              <a:t>Truth Table for</a:t>
-            </a:r>
-            <a:r>
-              <a:rPr lang="en-US" dirty="0" smtClean="0">
-                <a:solidFill>
-                  <a:srgbClr val="0000FF"/>
-                </a:solidFill>
-                <a:latin typeface="Comic Sans MS" pitchFamily="66" charset="0"/>
-              </a:rPr>
-              <a:t> IMPLIES</a:t>
-            </a:r>
-            <a:r>
-              <a:rPr lang="en-US" dirty="0" smtClean="0">
-                <a:latin typeface="Comic Sans MS" pitchFamily="66" charset="0"/>
-              </a:rPr>
-              <a:t> (</a:t>
-            </a:r>
-            <a:r>
-              <a:rPr lang="en-US" b="1" dirty="0" smtClean="0">
-                <a:solidFill>
-                  <a:schemeClr val="accent1">
-                    <a:lumMod val="50000"/>
-                  </a:schemeClr>
-                </a:solidFill>
-                <a:latin typeface="Symbol" charset="2"/>
-                <a:ea typeface="Wingdings"/>
-                <a:cs typeface="Symbol" charset="2"/>
-              </a:rPr>
-              <a:t>→</a:t>
-            </a:r>
-            <a:r>
-              <a:rPr lang="en-US" dirty="0" smtClean="0">
-                <a:latin typeface="Comic Sans MS" pitchFamily="66" charset="0"/>
-              </a:rPr>
-              <a:t>)</a:t>
-            </a:r>
-            <a:endParaRPr lang="en-US" dirty="0">
-              <a:latin typeface="Comic Sans MS" pitchFamily="66" charset="0"/>
-            </a:endParaRPr>
-          </a:p>
-        </p:txBody>
-      </p:sp>
-      <p:sp>
-        <p:nvSpPr>
-          <p:cNvPr id="8" name="Slide Number Placeholder 2"/>
-          <p:cNvSpPr txBox="1">
-            <a:spLocks/>
-          </p:cNvSpPr>
-          <p:nvPr/>
-        </p:nvSpPr>
-        <p:spPr bwMode="auto">
-          <a:xfrm>
-            <a:off x="8249204" y="6581001"/>
-            <a:ext cx="894797" cy="276999"/>
-          </a:xfrm>
-          <a:prstGeom prst="rect">
-            <a:avLst/>
-          </a:prstGeom>
-          <a:noFill/>
-          <a:ln w="9525">
-            <a:noFill/>
-            <a:miter lim="800000"/>
-            <a:headEnd/>
-            <a:tailEnd/>
-          </a:ln>
-          <a:effectLst/>
-        </p:spPr>
-        <p:txBody>
-          <a:bodyPr vert="horz" wrap="none" lIns="91440" tIns="45720" rIns="91440" bIns="45720" numCol="1" anchor="t" anchorCtr="0" compatLnSpc="1">
-            <a:prstTxWarp prst="textNoShape">
-              <a:avLst/>
-            </a:prstTxWarp>
-            <a:spAutoFit/>
-          </a:bodyPr>
-          <a:lstStyle/>
-          <a:p>
-            <a:pPr marL="0" marR="0" lvl="0" indent="0" algn="r" defTabSz="914400" rtl="0" eaLnBrk="1" fontAlgn="base" latinLnBrk="0" hangingPunct="1">
-              <a:lnSpc>
-                <a:spcPct val="100000"/>
-              </a:lnSpc>
-              <a:spcBef>
-                <a:spcPct val="0"/>
-              </a:spcBef>
-              <a:spcAft>
-                <a:spcPct val="0"/>
-              </a:spcAft>
-              <a:buClrTx/>
-              <a:buSzTx/>
-              <a:buFontTx/>
-              <a:buNone/>
-              <a:tabLst/>
-              <a:defRPr/>
-            </a:pPr>
-            <a:r>
-              <a:rPr kumimoji="0" lang="en-US" sz="1200" b="0" i="0" u="none" strike="noStrike" kern="1200" cap="none" spc="0" normalizeH="0" baseline="0" noProof="0" dirty="0" err="1" smtClean="0">
-                <a:ln>
-                  <a:noFill/>
-                </a:ln>
-                <a:solidFill>
-                  <a:schemeClr val="tx1"/>
-                </a:solidFill>
-                <a:effectLst/>
-                <a:uLnTx/>
-                <a:uFillTx/>
-                <a:latin typeface="Comic Sans MS" pitchFamily="66" charset="0"/>
-                <a:ea typeface="+mn-ea"/>
-                <a:cs typeface="+mn-cs"/>
-              </a:rPr>
-              <a:t>lec</a:t>
-            </a:r>
-            <a:r>
-              <a:rPr kumimoji="0" lang="en-US" sz="1200" b="0" i="0" u="none" strike="noStrike" kern="1200" cap="none" spc="0" normalizeH="0" baseline="0" noProof="0" dirty="0" smtClean="0">
-                <a:ln>
-                  <a:noFill/>
-                </a:ln>
-                <a:solidFill>
-                  <a:schemeClr val="tx1"/>
-                </a:solidFill>
-                <a:effectLst/>
-                <a:uLnTx/>
-                <a:uFillTx/>
-                <a:latin typeface="Comic Sans MS" pitchFamily="66" charset="0"/>
-                <a:ea typeface="+mn-ea"/>
-                <a:cs typeface="+mn-cs"/>
-              </a:rPr>
-              <a:t> 2W.</a:t>
-            </a:r>
-            <a:fld id="{0150943C-9303-41DF-A6FA-7E32D6C5D18E}" type="slidenum">
-              <a:rPr kumimoji="0" lang="en-US" sz="1200" b="0" i="0" u="none" strike="noStrike" kern="1200" cap="none" spc="0" normalizeH="0" baseline="0" noProof="0" smtClean="0">
-                <a:ln>
-                  <a:noFill/>
-                </a:ln>
-                <a:solidFill>
-                  <a:schemeClr val="tx1"/>
-                </a:solidFill>
-                <a:effectLst/>
-                <a:uLnTx/>
-                <a:uFillTx/>
-                <a:latin typeface="Comic Sans MS" pitchFamily="66" charset="0"/>
-                <a:ea typeface="+mn-ea"/>
-                <a:cs typeface="+mn-cs"/>
-              </a:rPr>
-              <a:pPr marL="0" marR="0" lvl="0" indent="0" algn="r" defTabSz="914400" rtl="0" eaLnBrk="1" fontAlgn="base" latinLnBrk="0" hangingPunct="1">
-                <a:lnSpc>
-                  <a:spcPct val="100000"/>
-                </a:lnSpc>
-                <a:spcBef>
-                  <a:spcPct val="0"/>
-                </a:spcBef>
-                <a:spcAft>
-                  <a:spcPct val="0"/>
-                </a:spcAft>
-                <a:buClrTx/>
-                <a:buSzTx/>
-                <a:buFontTx/>
-                <a:buNone/>
-                <a:tabLst/>
-                <a:defRPr/>
-              </a:pPr>
-              <a:t>14</a:t>
-            </a:fld>
-            <a:endParaRPr kumimoji="0" lang="en-US" sz="1200" b="0" i="0" u="none" strike="noStrike" kern="1200" cap="none" spc="0" normalizeH="0" baseline="0" noProof="0" dirty="0" smtClean="0">
-              <a:ln>
-                <a:noFill/>
-              </a:ln>
-              <a:solidFill>
-                <a:schemeClr val="tx1"/>
-              </a:solidFill>
-              <a:effectLst/>
-              <a:uLnTx/>
-              <a:uFillTx/>
-              <a:latin typeface="Comic Sans MS" pitchFamily="66" charset="0"/>
-              <a:ea typeface="+mn-ea"/>
-              <a:cs typeface="+mn-cs"/>
-            </a:endParaRPr>
-          </a:p>
-        </p:txBody>
-      </p:sp>
-      <p:sp>
-        <p:nvSpPr>
-          <p:cNvPr id="10" name="TextBox 9"/>
-          <p:cNvSpPr txBox="1"/>
-          <p:nvPr/>
-        </p:nvSpPr>
-        <p:spPr>
-          <a:xfrm>
-            <a:off x="6115173" y="4084518"/>
-            <a:ext cx="2334493" cy="1077218"/>
-          </a:xfrm>
-          <a:prstGeom prst="rect">
-            <a:avLst/>
-          </a:prstGeom>
-          <a:noFill/>
-          <a:ln w="28575">
-            <a:solidFill>
-              <a:schemeClr val="accent1">
-                <a:lumMod val="50000"/>
-              </a:schemeClr>
-            </a:solidFill>
-          </a:ln>
-        </p:spPr>
-        <p:txBody>
-          <a:bodyPr wrap="none" rtlCol="0">
-            <a:spAutoFit/>
-          </a:bodyPr>
-          <a:lstStyle/>
-          <a:p>
-            <a:r>
-              <a:rPr lang="en-US" dirty="0" smtClean="0">
-                <a:solidFill>
-                  <a:srgbClr val="C00000"/>
-                </a:solidFill>
-                <a:latin typeface="Comic Sans MS" pitchFamily="66" charset="0"/>
-              </a:rPr>
-              <a:t>F</a:t>
-            </a:r>
-            <a:r>
-              <a:rPr lang="en-US" dirty="0" smtClean="0">
-                <a:solidFill>
-                  <a:schemeClr val="accent1">
-                    <a:lumMod val="50000"/>
-                  </a:schemeClr>
-                </a:solidFill>
-                <a:latin typeface="Comic Sans MS" pitchFamily="66" charset="0"/>
-              </a:rPr>
-              <a:t> </a:t>
-            </a:r>
-            <a:r>
-              <a:rPr lang="en-US" dirty="0" err="1" smtClean="0">
-                <a:latin typeface="Comic Sans MS" pitchFamily="66" charset="0"/>
-              </a:rPr>
-              <a:t>iff</a:t>
-            </a:r>
-            <a:r>
-              <a:rPr lang="en-US" dirty="0" smtClean="0">
-                <a:latin typeface="Comic Sans MS" pitchFamily="66" charset="0"/>
-              </a:rPr>
-              <a:t> P is </a:t>
-            </a:r>
-            <a:r>
-              <a:rPr lang="en-US" dirty="0" smtClean="0">
-                <a:solidFill>
-                  <a:srgbClr val="006600"/>
-                </a:solidFill>
-                <a:latin typeface="Comic Sans MS" pitchFamily="66" charset="0"/>
-              </a:rPr>
-              <a:t>T</a:t>
-            </a:r>
-          </a:p>
-          <a:p>
-            <a:r>
-              <a:rPr lang="en-US" dirty="0" smtClean="0">
-                <a:latin typeface="Comic Sans MS" pitchFamily="66" charset="0"/>
-              </a:rPr>
-              <a:t>        Q is </a:t>
-            </a:r>
-            <a:r>
-              <a:rPr lang="en-US" dirty="0" smtClean="0">
-                <a:solidFill>
-                  <a:srgbClr val="C00000"/>
-                </a:solidFill>
-                <a:latin typeface="Comic Sans MS" pitchFamily="66" charset="0"/>
-              </a:rPr>
-              <a:t>F</a:t>
-            </a:r>
-          </a:p>
-        </p:txBody>
-      </p:sp>
-      <p:sp>
-        <p:nvSpPr>
-          <p:cNvPr id="11" name="Oval 10"/>
-          <p:cNvSpPr/>
-          <p:nvPr/>
-        </p:nvSpPr>
-        <p:spPr bwMode="auto">
-          <a:xfrm>
-            <a:off x="2600898" y="4184773"/>
-            <a:ext cx="3513762" cy="698642"/>
-          </a:xfrm>
-          <a:prstGeom prst="ellipse">
-            <a:avLst/>
-          </a:prstGeom>
-          <a:solidFill>
-            <a:schemeClr val="accent2">
-              <a:alpha val="51000"/>
-            </a:schemeClr>
-          </a:solidFill>
-          <a:ln w="9525" cap="flat" cmpd="sng" algn="ctr">
-            <a:solidFill>
-              <a:schemeClr val="tx1"/>
-            </a:solidFill>
-            <a:prstDash val="solid"/>
-            <a:round/>
-            <a:headEnd type="none" w="med" len="med"/>
-            <a:tailEnd type="none" w="med" len="med"/>
-          </a:ln>
-          <a:effectLst/>
-        </p:spPr>
-        <p:txBody>
-          <a:bodyPr vert="horz" wrap="none" lIns="91440" tIns="45720" rIns="91440" bIns="45720" numCol="1" rtlCol="0" anchor="ctr" anchorCtr="0" compatLnSpc="1">
-            <a:prstTxWarp prst="textNoShape">
-              <a:avLst/>
-            </a:prstTxWarp>
-          </a:bodyPr>
-          <a:lstStyle/>
-          <a:p>
-            <a:pPr marL="0" marR="0" indent="0" algn="ctr" defTabSz="914400" rtl="0" eaLnBrk="1" fontAlgn="base" latinLnBrk="0" hangingPunct="1">
-              <a:lnSpc>
-                <a:spcPct val="100000"/>
-              </a:lnSpc>
-              <a:spcBef>
-                <a:spcPct val="0"/>
-              </a:spcBef>
-              <a:spcAft>
-                <a:spcPct val="0"/>
-              </a:spcAft>
-              <a:buClrTx/>
-              <a:buSzTx/>
-              <a:buFontTx/>
-              <a:buNone/>
-              <a:tabLst/>
-            </a:pPr>
-            <a:endParaRPr kumimoji="0" lang="en-US" sz="3200" b="0" i="0" u="none" strike="noStrike" cap="none" normalizeH="0" baseline="0" smtClean="0">
-              <a:ln>
-                <a:noFill/>
-              </a:ln>
-              <a:solidFill>
-                <a:schemeClr val="tx1"/>
-              </a:solidFill>
-              <a:effectLst/>
-              <a:latin typeface="Times New Roman" pitchFamily="18" charset="0"/>
-            </a:endParaRPr>
-          </a:p>
-        </p:txBody>
-      </p:sp>
-    </p:spTree>
-  </p:cSld>
-  <p:clrMapOvr>
-    <a:masterClrMapping/>
-  </p:clrMapOvr>
-  <p:transition xmlns:p14="http://schemas.microsoft.com/office/powerpoint/2010/main">
-    <p:fade thruBlk="1"/>
-  </p:transition>
-  <p:timing>
-    <p:tnLst>
-      <p:par>
-        <p:cTn xmlns:p14="http://schemas.microsoft.com/office/powerpoint/2010/main" id="1" dur="indefinite" restart="never" nodeType="tmRoot">
-          <p:childTnLst>
-            <p:seq concurrent="1" nextAc="seek">
-              <p:cTn id="2" dur="indefinite" nodeType="mainSeq">
-                <p:childTnLst>
-                  <p:par>
-                    <p:cTn id="3" fill="hold">
-                      <p:stCondLst>
-                        <p:cond delay="indefinite"/>
-                      </p:stCondLst>
-                      <p:childTnLst>
-                        <p:par>
-                          <p:cTn id="4" fill="hold">
-                            <p:stCondLst>
-                              <p:cond delay="0"/>
-                            </p:stCondLst>
-                            <p:childTnLst>
-                              <p:par>
-                                <p:cTn id="5" presetID="1" presetClass="entr" presetSubtype="0" fill="hold" grpId="0" nodeType="clickEffect">
-                                  <p:stCondLst>
-                                    <p:cond delay="0"/>
-                                  </p:stCondLst>
-                                  <p:childTnLst>
-                                    <p:set>
-                                      <p:cBhvr>
-                                        <p:cTn id="6" dur="1" fill="hold">
-                                          <p:stCondLst>
-                                            <p:cond delay="0"/>
-                                          </p:stCondLst>
-                                        </p:cTn>
-                                        <p:tgtEl>
-                                          <p:spTgt spid="24"/>
-                                        </p:tgtEl>
-                                        <p:attrNameLst>
-                                          <p:attrName>style.visibility</p:attrName>
-                                        </p:attrNameLst>
-                                      </p:cBhvr>
-                                      <p:to>
-                                        <p:strVal val="visible"/>
-                                      </p:to>
-                                    </p:set>
-                                  </p:childTnLst>
-                                </p:cTn>
-                              </p:par>
-                            </p:childTnLst>
-                          </p:cTn>
-                        </p:par>
-                        <p:par>
-                          <p:cTn id="7" fill="hold">
-                            <p:stCondLst>
-                              <p:cond delay="0"/>
-                            </p:stCondLst>
-                            <p:childTnLst>
-                              <p:par>
-                                <p:cTn id="8" presetID="22" presetClass="entr" presetSubtype="1" fill="hold" nodeType="afterEffect">
-                                  <p:stCondLst>
-                                    <p:cond delay="0"/>
-                                  </p:stCondLst>
-                                  <p:childTnLst>
-                                    <p:set>
-                                      <p:cBhvr>
-                                        <p:cTn id="9" dur="1" fill="hold">
-                                          <p:stCondLst>
-                                            <p:cond delay="0"/>
-                                          </p:stCondLst>
-                                        </p:cTn>
-                                        <p:tgtEl>
-                                          <p:spTgt spid="22"/>
-                                        </p:tgtEl>
-                                        <p:attrNameLst>
-                                          <p:attrName>style.visibility</p:attrName>
-                                        </p:attrNameLst>
-                                      </p:cBhvr>
-                                      <p:to>
-                                        <p:strVal val="visible"/>
-                                      </p:to>
-                                    </p:set>
-                                    <p:animEffect transition="in" filter="wipe(up)">
-                                      <p:cBhvr>
-                                        <p:cTn id="10" dur="500"/>
-                                        <p:tgtEl>
-                                          <p:spTgt spid="22"/>
-                                        </p:tgtEl>
-                                      </p:cBhvr>
-                                    </p:animEffect>
-                                  </p:childTnLst>
-                                </p:cTn>
-                              </p:par>
-                            </p:childTnLst>
-                          </p:cTn>
-                        </p:par>
-                      </p:childTnLst>
-                    </p:cTn>
-                  </p:par>
-                  <p:par>
-                    <p:cTn id="11" fill="hold">
-                      <p:stCondLst>
-                        <p:cond delay="indefinite"/>
-                      </p:stCondLst>
-                      <p:childTnLst>
-                        <p:par>
-                          <p:cTn id="12" fill="hold">
-                            <p:stCondLst>
-                              <p:cond delay="0"/>
-                            </p:stCondLst>
-                            <p:childTnLst>
-                              <p:par>
-                                <p:cTn id="13" presetID="37" presetClass="entr" presetSubtype="0" fill="hold" grpId="1" nodeType="clickEffect">
-                                  <p:stCondLst>
-                                    <p:cond delay="0"/>
-                                  </p:stCondLst>
-                                  <p:childTnLst>
-                                    <p:set>
-                                      <p:cBhvr>
-                                        <p:cTn id="14" dur="1" fill="hold">
-                                          <p:stCondLst>
-                                            <p:cond delay="0"/>
-                                          </p:stCondLst>
-                                        </p:cTn>
-                                        <p:tgtEl>
-                                          <p:spTgt spid="11"/>
-                                        </p:tgtEl>
-                                        <p:attrNameLst>
-                                          <p:attrName>style.visibility</p:attrName>
-                                        </p:attrNameLst>
-                                      </p:cBhvr>
-                                      <p:to>
-                                        <p:strVal val="visible"/>
-                                      </p:to>
-                                    </p:set>
-                                    <p:animEffect transition="in" filter="fade">
-                                      <p:cBhvr>
-                                        <p:cTn id="15" dur="1000"/>
-                                        <p:tgtEl>
-                                          <p:spTgt spid="11"/>
-                                        </p:tgtEl>
-                                      </p:cBhvr>
-                                    </p:animEffect>
-                                    <p:anim calcmode="lin" valueType="num">
-                                      <p:cBhvr>
-                                        <p:cTn id="16" dur="1000" fill="hold"/>
-                                        <p:tgtEl>
-                                          <p:spTgt spid="11"/>
-                                        </p:tgtEl>
-                                        <p:attrNameLst>
-                                          <p:attrName>ppt_x</p:attrName>
-                                        </p:attrNameLst>
-                                      </p:cBhvr>
-                                      <p:tavLst>
-                                        <p:tav tm="0">
-                                          <p:val>
-                                            <p:strVal val="#ppt_x"/>
-                                          </p:val>
-                                        </p:tav>
-                                        <p:tav tm="100000">
-                                          <p:val>
-                                            <p:strVal val="#ppt_x"/>
-                                          </p:val>
-                                        </p:tav>
-                                      </p:tavLst>
-                                    </p:anim>
-                                    <p:anim calcmode="lin" valueType="num">
-                                      <p:cBhvr>
-                                        <p:cTn id="17" dur="900" decel="100000" fill="hold"/>
-                                        <p:tgtEl>
-                                          <p:spTgt spid="11"/>
-                                        </p:tgtEl>
-                                        <p:attrNameLst>
-                                          <p:attrName>ppt_y</p:attrName>
-                                        </p:attrNameLst>
-                                      </p:cBhvr>
-                                      <p:tavLst>
-                                        <p:tav tm="0">
-                                          <p:val>
-                                            <p:strVal val="#ppt_y+1"/>
-                                          </p:val>
-                                        </p:tav>
-                                        <p:tav tm="100000">
-                                          <p:val>
-                                            <p:strVal val="#ppt_y-.03"/>
-                                          </p:val>
-                                        </p:tav>
-                                      </p:tavLst>
-                                    </p:anim>
-                                    <p:anim calcmode="lin" valueType="num">
-                                      <p:cBhvr>
-                                        <p:cTn id="18" dur="100" accel="100000" fill="hold">
-                                          <p:stCondLst>
-                                            <p:cond delay="900"/>
-                                          </p:stCondLst>
-                                        </p:cTn>
-                                        <p:tgtEl>
-                                          <p:spTgt spid="11"/>
-                                        </p:tgtEl>
-                                        <p:attrNameLst>
-                                          <p:attrName>ppt_y</p:attrName>
-                                        </p:attrNameLst>
-                                      </p:cBhvr>
-                                      <p:tavLst>
-                                        <p:tav tm="0">
-                                          <p:val>
-                                            <p:strVal val="#ppt_y-.03"/>
-                                          </p:val>
-                                        </p:tav>
-                                        <p:tav tm="100000">
-                                          <p:val>
-                                            <p:strVal val="#ppt_y"/>
-                                          </p:val>
-                                        </p:tav>
-                                      </p:tavLst>
-                                    </p:anim>
-                                  </p:childTnLst>
-                                </p:cTn>
-                              </p:par>
-                            </p:childTnLst>
-                          </p:cTn>
-                        </p:par>
-                        <p:par>
-                          <p:cTn id="19" fill="hold">
-                            <p:stCondLst>
-                              <p:cond delay="1000"/>
-                            </p:stCondLst>
-                            <p:childTnLst>
-                              <p:par>
-                                <p:cTn id="20" presetID="10" presetClass="entr" presetSubtype="0" fill="hold" grpId="0" nodeType="afterEffect">
-                                  <p:stCondLst>
-                                    <p:cond delay="0"/>
-                                  </p:stCondLst>
-                                  <p:childTnLst>
-                                    <p:set>
-                                      <p:cBhvr>
-                                        <p:cTn id="21" dur="1" fill="hold">
-                                          <p:stCondLst>
-                                            <p:cond delay="0"/>
-                                          </p:stCondLst>
-                                        </p:cTn>
-                                        <p:tgtEl>
-                                          <p:spTgt spid="10"/>
-                                        </p:tgtEl>
-                                        <p:attrNameLst>
-                                          <p:attrName>style.visibility</p:attrName>
-                                        </p:attrNameLst>
-                                      </p:cBhvr>
-                                      <p:to>
-                                        <p:strVal val="visible"/>
-                                      </p:to>
-                                    </p:set>
-                                    <p:animEffect transition="in" filter="fade">
-                                      <p:cBhvr>
-                                        <p:cTn id="22" dur="500"/>
-                                        <p:tgtEl>
-                                          <p:spTgt spid="10"/>
-                                        </p:tgtEl>
-                                      </p:cBhvr>
-                                    </p:animEffect>
-                                  </p:childTnLst>
-                                </p:cTn>
-                              </p:par>
-                            </p:childTnLst>
-                          </p:cTn>
-                        </p:par>
-                      </p:childTnLst>
-                    </p:cTn>
-                  </p:par>
-                </p:childTnLst>
-              </p:cTn>
-              <p:prevCondLst>
-                <p:cond evt="onPrev" delay="0">
-                  <p:tgtEl>
-                    <p:sldTgt/>
-                  </p:tgtEl>
-                </p:cond>
-              </p:prevCondLst>
-              <p:nextCondLst>
-                <p:cond evt="onNext" delay="0">
-                  <p:tgtEl>
-                    <p:sldTgt/>
-                  </p:tgtEl>
-                </p:cond>
-              </p:nextCondLst>
-            </p:seq>
-          </p:childTnLst>
-        </p:cTn>
-      </p:par>
-    </p:tnLst>
-    <p:bldLst>
-      <p:bldP spid="24" grpId="0"/>
-      <p:bldP spid="10" grpId="0" animBg="1"/>
-      <p:bldP spid="11" grpId="1" animBg="1"/>
-    </p:bldLst>
-  </p:timing>
-</p:sld>
-</file>
-
-<file path=ppt/slides/slide15.xml><?xml version="1.0" encoding="utf-8"?>
 <p:sld xmlns:a="http://schemas.openxmlformats.org/drawingml/2006/main" xmlns:r="http://schemas.openxmlformats.org/officeDocument/2006/relationships" xmlns:p="http://schemas.openxmlformats.org/presentationml/2006/main">
   <p:cSld>
     <p:spTree>
@@ -21544,7 +19595,7 @@
                 <a:tabLst/>
                 <a:defRPr/>
               </a:pPr>
-              <a:t>15</a:t>
+              <a:t>14</a:t>
             </a:fld>
             <a:endParaRPr kumimoji="0" lang="en-US" sz="1200" b="0" i="0" u="none" strike="noStrike" kern="1200" cap="none" spc="0" normalizeH="0" baseline="0" noProof="0" dirty="0" smtClean="0">
               <a:ln>
@@ -21677,7 +19728,7 @@
                                           </p:stCondLst>
                                         </p:cTn>
                                         <p:tgtEl>
-                                          <p:spTgt spid="24"/>
+                                          <p:spTgt spid="23"/>
                                         </p:tgtEl>
                                         <p:attrNameLst>
                                           <p:attrName>style.visibility</p:attrName>
@@ -21691,6 +19742,59 @@
                                       <p:cBhvr>
                                         <p:cTn id="7" dur="500"/>
                                         <p:tgtEl>
+                                          <p:spTgt spid="23"/>
+                                        </p:tgtEl>
+                                      </p:cBhvr>
+                                    </p:animEffect>
+                                  </p:childTnLst>
+                                </p:cTn>
+                              </p:par>
+                            </p:childTnLst>
+                          </p:cTn>
+                        </p:par>
+                      </p:childTnLst>
+                    </p:cTn>
+                  </p:par>
+                  <p:par>
+                    <p:cTn id="8" fill="hold">
+                      <p:stCondLst>
+                        <p:cond delay="indefinite"/>
+                      </p:stCondLst>
+                      <p:childTnLst>
+                        <p:par>
+                          <p:cTn id="9" fill="hold">
+                            <p:stCondLst>
+                              <p:cond delay="0"/>
+                            </p:stCondLst>
+                            <p:childTnLst>
+                              <p:par>
+                                <p:cTn id="10" presetID="9" presetClass="entr" presetSubtype="0" fill="hold" grpId="0" nodeType="clickEffect">
+                                  <p:stCondLst>
+                                    <p:cond delay="0"/>
+                                  </p:stCondLst>
+                                  <p:childTnLst>
+                                    <p:set>
+                                      <p:cBhvr>
+                                        <p:cTn id="11" dur="1" fill="hold">
+                                          <p:stCondLst>
+                                            <p:cond delay="0"/>
+                                          </p:stCondLst>
+                                        </p:cTn>
+                                        <p:tgtEl>
+                                          <p:spTgt spid="24"/>
+                                        </p:tgtEl>
+                                        <p:attrNameLst>
+                                          <p:attrName>style.visibility</p:attrName>
+                                        </p:attrNameLst>
+                                      </p:cBhvr>
+                                      <p:to>
+                                        <p:strVal val="visible"/>
+                                      </p:to>
+                                    </p:set>
+                                    <p:animEffect transition="in" filter="dissolve">
+                                      <p:cBhvr>
+                                        <p:cTn id="12" dur="500"/>
+                                        <p:tgtEl>
                                           <p:spTgt spid="24"/>
                                         </p:tgtEl>
                                       </p:cBhvr>
@@ -21702,20 +19806,20 @@
                           </p:cTn>
                         </p:par>
                         <p:par>
-                          <p:cTn id="8" fill="hold">
+                          <p:cTn id="13" fill="hold">
                             <p:stCondLst>
                               <p:cond delay="500"/>
                             </p:stCondLst>
                             <p:childTnLst>
                               <p:par>
-                                <p:cTn id="9" presetID="22" presetClass="entr" presetSubtype="1" fill="hold" nodeType="afterEffect">
+                                <p:cTn id="14" presetID="22" presetClass="entr" presetSubtype="1" fill="hold" nodeType="afterEffect">
                                   <p:stCondLst>
                                     <p:cond delay="0"/>
                                   </p:stCondLst>
                                   <p:childTnLst>
                                     <p:set>
                                       <p:cBhvr>
-                                        <p:cTn id="10" dur="1" fill="hold">
+                                        <p:cTn id="15" dur="1" fill="hold">
                                           <p:stCondLst>
                                             <p:cond delay="0"/>
                                           </p:stCondLst>
@@ -21733,62 +19837,9 @@
                                     </p:set>
                                     <p:animEffect transition="in" filter="wipe(up)">
                                       <p:cBhvr>
-                                        <p:cTn id="11" dur="1000"/>
+                                        <p:cTn id="16" dur="1000"/>
                                         <p:tgtEl>
                                           <p:spTgt spid="22"/>
-                                        </p:tgtEl>
-                                      </p:cBhvr>
-                                    </p:animEffect>
-                                  </p:childTnLst>
-                                </p:cTn>
-                              </p:par>
-                            </p:childTnLst>
-                          </p:cTn>
-                        </p:par>
-                      </p:childTnLst>
-                    </p:cTn>
-                  </p:par>
-                  <p:par>
-                    <p:cTn id="12" fill="hold">
-                      <p:stCondLst>
-                        <p:cond delay="indefinite"/>
-                      </p:stCondLst>
-                      <p:childTnLst>
-                        <p:par>
-                          <p:cTn id="13" fill="hold">
-                            <p:stCondLst>
-                              <p:cond delay="0"/>
-                            </p:stCondLst>
-                            <p:childTnLst>
-                              <p:par>
-                                <p:cTn id="14" presetID="9" presetClass="entr" presetSubtype="0" fill="hold" grpId="0" nodeType="clickEffect">
-                                  <p:stCondLst>
-                                    <p:cond delay="0"/>
-                                  </p:stCondLst>
-                                  <p:childTnLst>
-                                    <p:set>
-                                      <p:cBhvr>
-                                        <p:cTn id="15" dur="1" fill="hold">
-                                          <p:stCondLst>
-                                            <p:cond delay="0"/>
-                                          </p:stCondLst>
-                                        </p:cTn>
-                                        <p:tgtEl>
-                                          <p:spTgt spid="23"/>
-                                        </p:tgtEl>
-                                        <p:attrNameLst>
-                                          <p:attrName>style.visibility</p:attrName>
-                                        </p:attrNameLst>
-                                      </p:cBhvr>
-                                      <p:to>
-                                        <p:strVal val="visible"/>
-                                      </p:to>
-                                    </p:set>
-                                    <p:animEffect transition="in" filter="dissolve">
-                                      <p:cBhvr>
-                                        <p:cTn id="16" dur="500"/>
-                                        <p:tgtEl>
-                                          <p:spTgt spid="23"/>
                                         </p:tgtEl>
                                       </p:cBhvr>
                                     </p:animEffect>
@@ -21957,7 +20008,7 @@
 </p:sld>
 </file>
 
-<file path=ppt/slides/slide16.xml><?xml version="1.0" encoding="utf-8"?>
+<file path=ppt/slides/slide15.xml><?xml version="1.0" encoding="utf-8"?>
 <p:sld xmlns:a="http://schemas.openxmlformats.org/drawingml/2006/main" xmlns:r="http://schemas.openxmlformats.org/officeDocument/2006/relationships" xmlns:p="http://schemas.openxmlformats.org/presentationml/2006/main">
   <p:cSld>
     <p:spTree>
@@ -22134,7 +20185,7 @@
             <a:fld id="{0150943C-9303-41DF-A6FA-7E32D6C5D18E}" type="slidenum">
               <a:rPr lang="en-US" smtClean="0"/>
               <a:pPr/>
-              <a:t>16</a:t>
+              <a:t>15</a:t>
             </a:fld>
             <a:endParaRPr lang="en-US" dirty="0" smtClean="0"/>
           </a:p>
@@ -22261,7 +20312,7 @@
 </p:sld>
 </file>
 
-<file path=ppt/slides/slide17.xml><?xml version="1.0" encoding="utf-8"?>
+<file path=ppt/slides/slide16.xml><?xml version="1.0" encoding="utf-8"?>
 <p:sld xmlns:a="http://schemas.openxmlformats.org/drawingml/2006/main" xmlns:r="http://schemas.openxmlformats.org/officeDocument/2006/relationships" xmlns:p="http://schemas.openxmlformats.org/presentationml/2006/main">
   <p:cSld>
     <p:spTree>
@@ -22445,7 +20496,7 @@
             <a:fld id="{0150943C-9303-41DF-A6FA-7E32D6C5D18E}" type="slidenum">
               <a:rPr lang="en-US" smtClean="0"/>
               <a:pPr/>
-              <a:t>17</a:t>
+              <a:t>16</a:t>
             </a:fld>
             <a:endParaRPr lang="en-US" dirty="0" smtClean="0"/>
           </a:p>
@@ -22662,6 +20713,208 @@
 </p:sld>
 </file>
 
+<file path=ppt/slides/slide17.xml><?xml version="1.0" encoding="utf-8"?>
+<p:sld xmlns:a="http://schemas.openxmlformats.org/drawingml/2006/main" xmlns:r="http://schemas.openxmlformats.org/officeDocument/2006/relationships" xmlns:p="http://schemas.openxmlformats.org/presentationml/2006/main">
+  <p:cSld>
+    <p:spTree>
+      <p:nvGrpSpPr>
+        <p:cNvPr id="1" name=""/>
+        <p:cNvGrpSpPr/>
+        <p:nvPr/>
+      </p:nvGrpSpPr>
+      <p:grpSpPr>
+        <a:xfrm>
+          <a:off x="0" y="0"/>
+          <a:ext cx="0" cy="0"/>
+          <a:chOff x="0" y="0"/>
+          <a:chExt cx="0" cy="0"/>
+        </a:xfrm>
+      </p:grpSpPr>
+      <p:sp>
+        <p:nvSpPr>
+          <p:cNvPr id="20484" name="Rectangle 2"/>
+          <p:cNvSpPr>
+            <a:spLocks noGrp="1" noChangeArrowheads="1"/>
+          </p:cNvSpPr>
+          <p:nvPr>
+            <p:ph type="title"/>
+          </p:nvPr>
+        </p:nvSpPr>
+        <p:spPr>
+          <a:xfrm>
+            <a:off x="1766294" y="304800"/>
+            <a:ext cx="5600272" cy="1071937"/>
+          </a:xfrm>
+        </p:spPr>
+        <p:txBody>
+          <a:bodyPr/>
+          <a:lstStyle/>
+          <a:p>
+            <a:pPr eaLnBrk="1" hangingPunct="1"/>
+            <a:r>
+              <a:rPr lang="en-US" sz="4000" dirty="0" smtClean="0"/>
+              <a:t>A True Implication</a:t>
+            </a:r>
+          </a:p>
+        </p:txBody>
+      </p:sp>
+      <p:sp>
+        <p:nvSpPr>
+          <p:cNvPr id="5" name="TextBox 4"/>
+          <p:cNvSpPr txBox="1"/>
+          <p:nvPr/>
+        </p:nvSpPr>
+        <p:spPr>
+          <a:xfrm>
+            <a:off x="386121" y="1897044"/>
+            <a:ext cx="8141429" cy="3075648"/>
+          </a:xfrm>
+          <a:prstGeom prst="rect">
+            <a:avLst/>
+          </a:prstGeom>
+          <a:noFill/>
+        </p:spPr>
+        <p:txBody>
+          <a:bodyPr wrap="square" rtlCol="0">
+            <a:spAutoFit/>
+          </a:bodyPr>
+          <a:lstStyle/>
+          <a:p>
+            <a:pPr algn="l"/>
+            <a:r>
+              <a:rPr lang="en-US" sz="4800" dirty="0" smtClean="0">
+                <a:solidFill>
+                  <a:schemeClr val="accent1">
+                    <a:lumMod val="50000"/>
+                  </a:schemeClr>
+                </a:solidFill>
+                <a:latin typeface="Comic Sans MS" pitchFamily="66" charset="0"/>
+              </a:rPr>
+              <a:t>(1=-1) </a:t>
+            </a:r>
+            <a:r>
+              <a:rPr lang="en-US" sz="4400" dirty="0" smtClean="0">
+                <a:solidFill>
+                  <a:schemeClr val="accent1">
+                    <a:lumMod val="50000"/>
+                  </a:schemeClr>
+                </a:solidFill>
+                <a:latin typeface="Comic Sans MS" pitchFamily="66" charset="0"/>
+              </a:rPr>
+              <a:t>IMPLIES</a:t>
+            </a:r>
+            <a:r>
+              <a:rPr lang="en-US" sz="4800" dirty="0" smtClean="0">
+                <a:solidFill>
+                  <a:schemeClr val="accent1">
+                    <a:lumMod val="50000"/>
+                  </a:schemeClr>
+                </a:solidFill>
+                <a:latin typeface="Comic Sans MS" pitchFamily="66" charset="0"/>
+              </a:rPr>
+              <a:t> (I am Pope)</a:t>
+            </a:r>
+          </a:p>
+          <a:p>
+            <a:pPr algn="l"/>
+            <a:r>
+              <a:rPr lang="en-US" sz="4800" dirty="0" smtClean="0">
+                <a:latin typeface="Comic Sans MS" pitchFamily="66" charset="0"/>
+              </a:rPr>
+              <a:t>We reasoned</a:t>
+            </a:r>
+            <a:r>
+              <a:rPr lang="en-US" sz="4800" i="1" dirty="0" smtClean="0">
+                <a:latin typeface="Comic Sans MS" pitchFamily="66" charset="0"/>
+              </a:rPr>
+              <a:t> correctly </a:t>
+            </a:r>
+            <a:r>
+              <a:rPr lang="en-US" sz="4800" dirty="0" smtClean="0">
+                <a:latin typeface="Comic Sans MS" pitchFamily="66" charset="0"/>
+              </a:rPr>
+              <a:t>to</a:t>
+            </a:r>
+          </a:p>
+          <a:p>
+            <a:pPr algn="l"/>
+            <a:r>
+              <a:rPr lang="en-US" sz="4800" dirty="0" smtClean="0">
+                <a:latin typeface="Comic Sans MS" pitchFamily="66" charset="0"/>
+              </a:rPr>
+              <a:t>reach the false conclusion</a:t>
+            </a:r>
+          </a:p>
+          <a:p>
+            <a:pPr algn="l"/>
+            <a:r>
+              <a:rPr lang="en-US" sz="4800" dirty="0" smtClean="0">
+                <a:latin typeface="Comic Sans MS" pitchFamily="66" charset="0"/>
+              </a:rPr>
+              <a:t>from the false hypothesis.</a:t>
+            </a:r>
+            <a:endParaRPr lang="en-US" sz="4800" dirty="0">
+              <a:latin typeface="Comic Sans MS" pitchFamily="66" charset="0"/>
+            </a:endParaRPr>
+          </a:p>
+        </p:txBody>
+      </p:sp>
+      <p:sp>
+        <p:nvSpPr>
+          <p:cNvPr id="7" name="Slide Number Placeholder 2"/>
+          <p:cNvSpPr>
+            <a:spLocks noGrp="1"/>
+          </p:cNvSpPr>
+          <p:nvPr>
+            <p:ph type="sldNum" sz="quarter" idx="10"/>
+          </p:nvPr>
+        </p:nvSpPr>
+        <p:spPr>
+          <a:xfrm>
+            <a:off x="8249205" y="6553200"/>
+            <a:ext cx="894797" cy="276999"/>
+          </a:xfrm>
+          <a:noFill/>
+        </p:spPr>
+        <p:txBody>
+          <a:bodyPr/>
+          <a:lstStyle/>
+          <a:p>
+            <a:r>
+              <a:rPr lang="en-US" dirty="0" err="1" smtClean="0"/>
+              <a:t>lec</a:t>
+            </a:r>
+            <a:r>
+              <a:rPr lang="en-US" dirty="0" smtClean="0"/>
+              <a:t> 2W.</a:t>
+            </a:r>
+            <a:fld id="{0150943C-9303-41DF-A6FA-7E32D6C5D18E}" type="slidenum">
+              <a:rPr lang="en-US" smtClean="0"/>
+              <a:pPr/>
+              <a:t>17</a:t>
+            </a:fld>
+            <a:endParaRPr lang="en-US" dirty="0" smtClean="0"/>
+          </a:p>
+        </p:txBody>
+      </p:sp>
+    </p:spTree>
+  </p:cSld>
+  <p:clrMapOvr>
+    <a:masterClrMapping/>
+  </p:clrMapOvr>
+  <p:transition xmlns:p14="http://schemas.microsoft.com/office/powerpoint/2010/main" spd="slow" advTm="0">
+    <p:fade/>
+  </p:transition>
+  <p:timing>
+    <p:tnLst>
+      <p:par>
+        <p:cTn xmlns:p14="http://schemas.microsoft.com/office/powerpoint/2010/main" id="1" dur="indefinite" restart="never" nodeType="tmRoot"/>
+      </p:par>
+    </p:tnLst>
+  </p:timing>
+</p:sld>
+</file>
+
 <file path=ppt/slides/slide18.xml><?xml version="1.0" encoding="utf-8"?>
 <p:sld xmlns:a="http://schemas.openxmlformats.org/drawingml/2006/main" xmlns:r="http://schemas.openxmlformats.org/officeDocument/2006/relationships" xmlns:p="http://schemas.openxmlformats.org/presentationml/2006/main">
   <p:cSld>
@@ -22733,9 +20986,7 @@
             <a:r>
               <a:rPr lang="en-US" sz="4800" dirty="0" smtClean="0">
                 <a:solidFill>
-                  <a:schemeClr val="accent1">
-                    <a:lumMod val="50000"/>
-                  </a:schemeClr>
+                  <a:srgbClr val="BB0FAB"/>
                 </a:solidFill>
                 <a:latin typeface="Comic Sans MS" pitchFamily="66" charset="0"/>
               </a:rPr>
@@ -22800,7 +21051,22 @@
               <a:rPr lang="en-US" sz="4800" dirty="0" smtClean="0">
                 <a:latin typeface="Comic Sans MS" pitchFamily="66" charset="0"/>
               </a:rPr>
-              <a:t>from the false hypothesis.</a:t>
+              <a:t>from the false </a:t>
+            </a:r>
+            <a:r>
+              <a:rPr lang="en-US" sz="4800" dirty="0" smtClean="0">
+                <a:solidFill>
+                  <a:srgbClr val="BB0FAB"/>
+                </a:solidFill>
+                <a:latin typeface="Comic Sans MS" pitchFamily="66" charset="0"/>
+              </a:rPr>
+              <a:t>hypothesis</a:t>
+            </a:r>
+            <a:r>
+              <a:rPr lang="en-US" sz="4800" dirty="0" smtClean="0">
+                <a:latin typeface="Comic Sans MS" pitchFamily="66" charset="0"/>
+              </a:rPr>
+              <a:t>.</a:t>
             </a:r>
             <a:endParaRPr lang="en-US" sz="4800" dirty="0">
               <a:latin typeface="Comic Sans MS" pitchFamily="66" charset="0"/>
@@ -22841,221 +21107,6 @@
               <a:rPr lang="en-US" smtClean="0"/>
               <a:pPr/>
               <a:t>18</a:t>
-            </a:fld>
-            <a:endParaRPr lang="en-US" dirty="0" smtClean="0"/>
-          </a:p>
-        </p:txBody>
-      </p:sp>
-    </p:spTree>
-  </p:cSld>
-  <p:clrMapOvr>
-    <a:masterClrMapping/>
-  </p:clrMapOvr>
-  <p:transition xmlns:p14="http://schemas.microsoft.com/office/powerpoint/2010/main" spd="slow" advTm="0">
-    <p:fade/>
-  </p:transition>
-  <p:timing>
-    <p:tnLst>
-      <p:par>
-        <p:cTn xmlns:p14="http://schemas.microsoft.com/office/powerpoint/2010/main" id="1" dur="indefinite" restart="never" nodeType="tmRoot"/>
-      </p:par>
-    </p:tnLst>
-  </p:timing>
-</p:sld>
-</file>
-
-<file path=ppt/slides/slide19.xml><?xml version="1.0" encoding="utf-8"?>
-<p:sld xmlns:a="http://schemas.openxmlformats.org/drawingml/2006/main" xmlns:r="http://schemas.openxmlformats.org/officeDocument/2006/relationships" xmlns:p="http://schemas.openxmlformats.org/presentationml/2006/main">
-  <p:cSld>
-    <p:spTree>
-      <p:nvGrpSpPr>
-        <p:cNvPr id="1" name=""/>
-        <p:cNvGrpSpPr/>
-        <p:nvPr/>
-      </p:nvGrpSpPr>
-      <p:grpSpPr>
-        <a:xfrm>
-          <a:off x="0" y="0"/>
-          <a:ext cx="0" cy="0"/>
-          <a:chOff x="0" y="0"/>
-          <a:chExt cx="0" cy="0"/>
-        </a:xfrm>
-      </p:grpSpPr>
-      <p:sp>
-        <p:nvSpPr>
-          <p:cNvPr id="20484" name="Rectangle 2"/>
-          <p:cNvSpPr>
-            <a:spLocks noGrp="1" noChangeArrowheads="1"/>
-          </p:cNvSpPr>
-          <p:nvPr>
-            <p:ph type="title"/>
-          </p:nvPr>
-        </p:nvSpPr>
-        <p:spPr>
-          <a:xfrm>
-            <a:off x="1766294" y="304800"/>
-            <a:ext cx="5600272" cy="1071937"/>
-          </a:xfrm>
-        </p:spPr>
-        <p:txBody>
-          <a:bodyPr/>
-          <a:lstStyle/>
-          <a:p>
-            <a:pPr eaLnBrk="1" hangingPunct="1"/>
-            <a:r>
-              <a:rPr lang="en-US" sz="4000" dirty="0" smtClean="0"/>
-              <a:t>A True Implication</a:t>
-            </a:r>
-          </a:p>
-        </p:txBody>
-      </p:sp>
-      <p:sp>
-        <p:nvSpPr>
-          <p:cNvPr id="5" name="TextBox 4"/>
-          <p:cNvSpPr txBox="1"/>
-          <p:nvPr/>
-        </p:nvSpPr>
-        <p:spPr>
-          <a:xfrm>
-            <a:off x="386121" y="1897044"/>
-            <a:ext cx="8141429" cy="3075648"/>
-          </a:xfrm>
-          <a:prstGeom prst="rect">
-            <a:avLst/>
-          </a:prstGeom>
-          <a:noFill/>
-        </p:spPr>
-        <p:txBody>
-          <a:bodyPr wrap="square" rtlCol="0">
-            <a:spAutoFit/>
-          </a:bodyPr>
-          <a:lstStyle/>
-          <a:p>
-            <a:pPr algn="l"/>
-            <a:r>
-              <a:rPr lang="en-US" sz="4800" dirty="0" smtClean="0">
-                <a:solidFill>
-                  <a:srgbClr val="BB0FAB"/>
-                </a:solidFill>
-                <a:latin typeface="Comic Sans MS" pitchFamily="66" charset="0"/>
-              </a:rPr>
-              <a:t>(1=-1) </a:t>
-            </a:r>
-            <a:r>
-              <a:rPr lang="en-US" sz="4400" dirty="0" smtClean="0">
-                <a:solidFill>
-                  <a:schemeClr val="accent1">
-                    <a:lumMod val="50000"/>
-                  </a:schemeClr>
-                </a:solidFill>
-                <a:latin typeface="Comic Sans MS" pitchFamily="66" charset="0"/>
-              </a:rPr>
-              <a:t>IMPLIES</a:t>
-            </a:r>
-            <a:r>
-              <a:rPr lang="en-US" sz="4800" dirty="0" smtClean="0">
-                <a:solidFill>
-                  <a:schemeClr val="accent1">
-                    <a:lumMod val="50000"/>
-                  </a:schemeClr>
-                </a:solidFill>
-                <a:latin typeface="Comic Sans MS" pitchFamily="66" charset="0"/>
-              </a:rPr>
-              <a:t> (I am Pope)</a:t>
-            </a:r>
-          </a:p>
-          <a:p>
-            <a:pPr algn="l"/>
-            <a:r>
-              <a:rPr lang="en-US" sz="4800" dirty="0" smtClean="0">
-                <a:latin typeface="Comic Sans MS" pitchFamily="66" charset="0"/>
-              </a:rPr>
-              <a:t>We reasoned</a:t>
-            </a:r>
-            <a:r>
-              <a:rPr lang="en-US" sz="4800" i="1" dirty="0" smtClean="0">
-                <a:latin typeface="Comic Sans MS" pitchFamily="66" charset="0"/>
-              </a:rPr>
-              <a:t> correctly </a:t>
-            </a:r>
-            <a:r>
-              <a:rPr lang="en-US" sz="4800" dirty="0" smtClean="0">
-                <a:latin typeface="Comic Sans MS" pitchFamily="66" charset="0"/>
-              </a:rPr>
-              <a:t>to</a:t>
-            </a:r>
-          </a:p>
-          <a:p>
-            <a:pPr algn="l"/>
-            <a:r>
-              <a:rPr lang="en-US" sz="4800" dirty="0" smtClean="0">
-                <a:latin typeface="Comic Sans MS" pitchFamily="66" charset="0"/>
-              </a:rPr>
-              <a:t>reach the false conclusion</a:t>
-            </a:r>
-          </a:p>
-          <a:p>
-            <a:pPr algn="l"/>
-            <a:r>
-              <a:rPr lang="en-US" sz="4800" dirty="0" smtClean="0">
-                <a:latin typeface="Comic Sans MS" pitchFamily="66" charset="0"/>
-              </a:rPr>
-              <a:t>from the false </a:t>
-            </a:r>
-            <a:r>
-              <a:rPr lang="en-US" sz="4800" dirty="0" smtClean="0">
-                <a:solidFill>
-                  <a:srgbClr val="BB0FAB"/>
-                </a:solidFill>
-                <a:latin typeface="Comic Sans MS" pitchFamily="66" charset="0"/>
-              </a:rPr>
-              <a:t>hypothesis</a:t>
-            </a:r>
-            <a:r>
-              <a:rPr lang="en-US" sz="4800" dirty="0" smtClean="0">
-                <a:latin typeface="Comic Sans MS" pitchFamily="66" charset="0"/>
-              </a:rPr>
-              <a:t>.</a:t>
-            </a:r>
-            <a:endParaRPr lang="en-US" sz="4800" dirty="0">
-              <a:latin typeface="Comic Sans MS" pitchFamily="66" charset="0"/>
-            </a:endParaRPr>
-          </a:p>
-        </p:txBody>
-      </p:sp>
-      <p:sp>
-        <p:nvSpPr>
-          <p:cNvPr id="7" name="Slide Number Placeholder 2"/>
-          <p:cNvSpPr>
-            <a:spLocks noGrp="1"/>
-          </p:cNvSpPr>
-          <p:nvPr>
-            <p:ph type="sldNum" sz="quarter" idx="10"/>
-          </p:nvPr>
-        </p:nvSpPr>
-        <p:spPr>
-          <a:xfrm>
-            <a:off x="8249205" y="6553200"/>
-            <a:ext cx="894797" cy="276999"/>
-          </a:xfrm>
-          <a:noFill/>
-        </p:spPr>
-        <p:txBody>
-          <a:bodyPr/>
-          <a:lstStyle/>
-          <a:p>
-            <a:r>
-              <a:rPr lang="en-US" dirty="0" err="1" smtClean="0"/>
-              <a:t>lec</a:t>
-            </a:r>
-            <a:r>
-              <a:rPr lang="en-US" dirty="0" smtClean="0"/>
-              <a:t> 2W.</a:t>
-            </a:r>
-            <a:fld id="{0150943C-9303-41DF-A6FA-7E32D6C5D18E}" type="slidenum">
-              <a:rPr lang="en-US" smtClean="0"/>
-              <a:pPr/>
-              <a:t>19</a:t>
             </a:fld>
             <a:endParaRPr lang="en-US" dirty="0" smtClean="0"/>
           </a:p>
@@ -23258,6 +21309,239 @@
     <p:bldLst>
       <p:bldP spid="6" grpId="0" animBg="1"/>
     </p:bldLst>
+  </p:timing>
+</p:sld>
+</file>
+
+<file path=ppt/slides/slide19.xml><?xml version="1.0" encoding="utf-8"?>
+<p:sld xmlns:a="http://schemas.openxmlformats.org/drawingml/2006/main" xmlns:r="http://schemas.openxmlformats.org/officeDocument/2006/relationships" xmlns:p="http://schemas.openxmlformats.org/presentationml/2006/main">
+  <p:cSld>
+    <p:spTree>
+      <p:nvGrpSpPr>
+        <p:cNvPr id="1" name=""/>
+        <p:cNvGrpSpPr/>
+        <p:nvPr/>
+      </p:nvGrpSpPr>
+      <p:grpSpPr>
+        <a:xfrm>
+          <a:off x="0" y="0"/>
+          <a:ext cx="0" cy="0"/>
+          <a:chOff x="0" y="0"/>
+          <a:chExt cx="0" cy="0"/>
+        </a:xfrm>
+      </p:grpSpPr>
+      <p:sp>
+        <p:nvSpPr>
+          <p:cNvPr id="7" name="Slide Number Placeholder 2"/>
+          <p:cNvSpPr>
+            <a:spLocks noGrp="1"/>
+          </p:cNvSpPr>
+          <p:nvPr>
+            <p:ph type="sldNum" sz="quarter" idx="10"/>
+          </p:nvPr>
+        </p:nvSpPr>
+        <p:spPr>
+          <a:xfrm>
+            <a:off x="8227766" y="6553200"/>
+            <a:ext cx="916236" cy="276999"/>
+          </a:xfrm>
+          <a:noFill/>
+        </p:spPr>
+        <p:txBody>
+          <a:bodyPr/>
+          <a:lstStyle/>
+          <a:p>
+            <a:r>
+              <a:rPr lang="en-US" dirty="0" err="1" smtClean="0"/>
+              <a:t>lec</a:t>
+            </a:r>
+            <a:r>
+              <a:rPr lang="en-US" dirty="0" smtClean="0"/>
+              <a:t> 2W.</a:t>
+            </a:r>
+            <a:fld id="{0150943C-9303-41DF-A6FA-7E32D6C5D18E}" type="slidenum">
+              <a:rPr lang="en-US" smtClean="0"/>
+              <a:pPr/>
+              <a:t>19</a:t>
+            </a:fld>
+            <a:endParaRPr lang="en-US" dirty="0" smtClean="0"/>
+          </a:p>
+        </p:txBody>
+      </p:sp>
+      <p:sp>
+        <p:nvSpPr>
+          <p:cNvPr id="13" name="Rectangle 2"/>
+          <p:cNvSpPr>
+            <a:spLocks noGrp="1" noChangeArrowheads="1"/>
+          </p:cNvSpPr>
+          <p:nvPr>
+            <p:ph type="title"/>
+          </p:nvPr>
+        </p:nvSpPr>
+        <p:spPr>
+          <a:xfrm>
+            <a:off x="1766294" y="304800"/>
+            <a:ext cx="5600272" cy="1071937"/>
+          </a:xfrm>
+        </p:spPr>
+        <p:txBody>
+          <a:bodyPr/>
+          <a:lstStyle/>
+          <a:p>
+            <a:pPr eaLnBrk="1" hangingPunct="1"/>
+            <a:r>
+              <a:rPr lang="en-US" sz="4000" dirty="0" smtClean="0"/>
+              <a:t>A True Implication</a:t>
+            </a:r>
+          </a:p>
+        </p:txBody>
+      </p:sp>
+      <p:sp>
+        <p:nvSpPr>
+          <p:cNvPr id="16" name="TextBox 15"/>
+          <p:cNvSpPr txBox="1"/>
+          <p:nvPr/>
+        </p:nvSpPr>
+        <p:spPr>
+          <a:xfrm>
+            <a:off x="355376" y="1943427"/>
+            <a:ext cx="8583141" cy="3139321"/>
+          </a:xfrm>
+          <a:prstGeom prst="rect">
+            <a:avLst/>
+          </a:prstGeom>
+          <a:noFill/>
+          <a:ln w="34925">
+            <a:noFill/>
+            <a:prstDash val="sysDash"/>
+          </a:ln>
+        </p:spPr>
+        <p:txBody>
+          <a:bodyPr wrap="square" rtlCol="0">
+            <a:spAutoFit/>
+          </a:bodyPr>
+          <a:lstStyle/>
+          <a:p>
+            <a:pPr algn="l"/>
+            <a:r>
+              <a:rPr lang="en-US" sz="4800" dirty="0" smtClean="0">
+                <a:solidFill>
+                  <a:schemeClr val="accent1">
+                    <a:lumMod val="50000"/>
+                  </a:schemeClr>
+                </a:solidFill>
+                <a:latin typeface="Comic Sans MS" pitchFamily="66" charset="0"/>
+              </a:rPr>
+              <a:t>(1=-1) </a:t>
+            </a:r>
+            <a:r>
+              <a:rPr lang="en-US" sz="4400" dirty="0" smtClean="0">
+                <a:solidFill>
+                  <a:schemeClr val="accent1">
+                    <a:lumMod val="50000"/>
+                  </a:schemeClr>
+                </a:solidFill>
+                <a:latin typeface="Comic Sans MS" pitchFamily="66" charset="0"/>
+              </a:rPr>
+              <a:t>IMPLIES</a:t>
+            </a:r>
+            <a:r>
+              <a:rPr lang="en-US" sz="4800" dirty="0" smtClean="0">
+                <a:solidFill>
+                  <a:schemeClr val="accent1">
+                    <a:lumMod val="50000"/>
+                  </a:schemeClr>
+                </a:solidFill>
+                <a:latin typeface="Comic Sans MS" pitchFamily="66" charset="0"/>
+              </a:rPr>
+              <a:t> (I am Pope)</a:t>
+            </a:r>
+          </a:p>
+          <a:p>
+            <a:pPr algn="l"/>
+            <a:r>
+              <a:rPr lang="en-US" sz="4800" dirty="0" smtClean="0">
+                <a:latin typeface="Comic Sans MS" pitchFamily="66" charset="0"/>
+              </a:rPr>
+              <a:t>The </a:t>
+            </a:r>
+            <a:r>
+              <a:rPr lang="en-US" sz="4800" i="1" dirty="0" smtClean="0">
+                <a:latin typeface="Comic Sans MS" pitchFamily="66" charset="0"/>
+              </a:rPr>
+              <a:t>whole implication </a:t>
+            </a:r>
+            <a:r>
+              <a:rPr lang="en-US" sz="4800" dirty="0" smtClean="0">
+                <a:latin typeface="Comic Sans MS" pitchFamily="66" charset="0"/>
+              </a:rPr>
+              <a:t>is </a:t>
+            </a:r>
+            <a:r>
+              <a:rPr lang="en-US" sz="4800" dirty="0" smtClean="0">
+                <a:solidFill>
+                  <a:srgbClr val="00B050"/>
+                </a:solidFill>
+                <a:latin typeface="Comic Sans MS" pitchFamily="66" charset="0"/>
+              </a:rPr>
+              <a:t>true</a:t>
+            </a:r>
+            <a:r>
+              <a:rPr lang="en-US" sz="4800" dirty="0" smtClean="0">
+                <a:latin typeface="Comic Sans MS" pitchFamily="66" charset="0"/>
+              </a:rPr>
+              <a:t>,</a:t>
+            </a:r>
+          </a:p>
+          <a:p>
+            <a:pPr algn="l"/>
+            <a:r>
+              <a:rPr lang="en-US" sz="4800" dirty="0" smtClean="0">
+                <a:latin typeface="Comic Sans MS" pitchFamily="66" charset="0"/>
+              </a:rPr>
+              <a:t>even though both conclusion</a:t>
+            </a:r>
+          </a:p>
+          <a:p>
+            <a:pPr algn="l"/>
+            <a:r>
+              <a:rPr lang="en-US" sz="4800" dirty="0" smtClean="0">
+                <a:latin typeface="Comic Sans MS" pitchFamily="66" charset="0"/>
+              </a:rPr>
+              <a:t>&amp; hypothesis are </a:t>
+            </a:r>
+            <a:r>
+              <a:rPr lang="en-US" sz="4800" dirty="0" smtClean="0">
+                <a:solidFill>
+                  <a:srgbClr val="C00000"/>
+                </a:solidFill>
+                <a:latin typeface="Comic Sans MS" pitchFamily="66" charset="0"/>
+              </a:rPr>
+              <a:t>false</a:t>
+            </a:r>
+            <a:r>
+              <a:rPr lang="en-US" sz="4800" dirty="0" smtClean="0">
+                <a:latin typeface="Comic Sans MS" pitchFamily="66" charset="0"/>
+              </a:rPr>
+              <a:t>.</a:t>
+            </a:r>
+          </a:p>
+        </p:txBody>
+      </p:sp>
+    </p:spTree>
+  </p:cSld>
+  <p:clrMapOvr>
+    <a:masterClrMapping/>
+  </p:clrMapOvr>
+  <p:transition xmlns:p14="http://schemas.microsoft.com/office/powerpoint/2010/main" spd="slow">
+    <p:fade/>
+  </p:transition>
+  <p:timing>
+    <p:tnLst>
+      <p:par>
+        <p:cTn xmlns:p14="http://schemas.microsoft.com/office/powerpoint/2010/main" id="1" dur="indefinite" restart="never" nodeType="tmRoot"/>
+      </p:par>
+    </p:tnLst>
   </p:timing>
 </p:sld>
 </file>
@@ -24269,239 +22553,6 @@
       </p:grpSpPr>
       <p:sp>
         <p:nvSpPr>
-          <p:cNvPr id="7" name="Slide Number Placeholder 2"/>
-          <p:cNvSpPr>
-            <a:spLocks noGrp="1"/>
-          </p:cNvSpPr>
-          <p:nvPr>
-            <p:ph type="sldNum" sz="quarter" idx="10"/>
-          </p:nvPr>
-        </p:nvSpPr>
-        <p:spPr>
-          <a:xfrm>
-            <a:off x="8227766" y="6553200"/>
-            <a:ext cx="916236" cy="276999"/>
-          </a:xfrm>
-          <a:noFill/>
-        </p:spPr>
-        <p:txBody>
-          <a:bodyPr/>
-          <a:lstStyle/>
-          <a:p>
-            <a:r>
-              <a:rPr lang="en-US" dirty="0" err="1" smtClean="0"/>
-              <a:t>lec</a:t>
-            </a:r>
-            <a:r>
-              <a:rPr lang="en-US" dirty="0" smtClean="0"/>
-              <a:t> 2W.</a:t>
-            </a:r>
-            <a:fld id="{0150943C-9303-41DF-A6FA-7E32D6C5D18E}" type="slidenum">
-              <a:rPr lang="en-US" smtClean="0"/>
-              <a:pPr/>
-              <a:t>20</a:t>
-            </a:fld>
-            <a:endParaRPr lang="en-US" dirty="0" smtClean="0"/>
-          </a:p>
-        </p:txBody>
-      </p:sp>
-      <p:sp>
-        <p:nvSpPr>
-          <p:cNvPr id="13" name="Rectangle 2"/>
-          <p:cNvSpPr>
-            <a:spLocks noGrp="1" noChangeArrowheads="1"/>
-          </p:cNvSpPr>
-          <p:nvPr>
-            <p:ph type="title"/>
-          </p:nvPr>
-        </p:nvSpPr>
-        <p:spPr>
-          <a:xfrm>
-            <a:off x="1766294" y="304800"/>
-            <a:ext cx="5600272" cy="1071937"/>
-          </a:xfrm>
-        </p:spPr>
-        <p:txBody>
-          <a:bodyPr/>
-          <a:lstStyle/>
-          <a:p>
-            <a:pPr eaLnBrk="1" hangingPunct="1"/>
-            <a:r>
-              <a:rPr lang="en-US" sz="4000" dirty="0" smtClean="0"/>
-              <a:t>A True Implication</a:t>
-            </a:r>
-          </a:p>
-        </p:txBody>
-      </p:sp>
-      <p:sp>
-        <p:nvSpPr>
-          <p:cNvPr id="16" name="TextBox 15"/>
-          <p:cNvSpPr txBox="1"/>
-          <p:nvPr/>
-        </p:nvSpPr>
-        <p:spPr>
-          <a:xfrm>
-            <a:off x="355376" y="1943427"/>
-            <a:ext cx="8583141" cy="3139321"/>
-          </a:xfrm>
-          <a:prstGeom prst="rect">
-            <a:avLst/>
-          </a:prstGeom>
-          <a:noFill/>
-          <a:ln w="34925">
-            <a:noFill/>
-            <a:prstDash val="sysDash"/>
-          </a:ln>
-        </p:spPr>
-        <p:txBody>
-          <a:bodyPr wrap="square" rtlCol="0">
-            <a:spAutoFit/>
-          </a:bodyPr>
-          <a:lstStyle/>
-          <a:p>
-            <a:pPr algn="l"/>
-            <a:r>
-              <a:rPr lang="en-US" sz="4800" dirty="0" smtClean="0">
-                <a:solidFill>
-                  <a:schemeClr val="accent1">
-                    <a:lumMod val="50000"/>
-                  </a:schemeClr>
-                </a:solidFill>
-                <a:latin typeface="Comic Sans MS" pitchFamily="66" charset="0"/>
-              </a:rPr>
-              <a:t>(1=-1) </a:t>
-            </a:r>
-            <a:r>
-              <a:rPr lang="en-US" sz="4400" dirty="0" smtClean="0">
-                <a:solidFill>
-                  <a:schemeClr val="accent1">
-                    <a:lumMod val="50000"/>
-                  </a:schemeClr>
-                </a:solidFill>
-                <a:latin typeface="Comic Sans MS" pitchFamily="66" charset="0"/>
-              </a:rPr>
-              <a:t>IMPLIES</a:t>
-            </a:r>
-            <a:r>
-              <a:rPr lang="en-US" sz="4800" dirty="0" smtClean="0">
-                <a:solidFill>
-                  <a:schemeClr val="accent1">
-                    <a:lumMod val="50000"/>
-                  </a:schemeClr>
-                </a:solidFill>
-                <a:latin typeface="Comic Sans MS" pitchFamily="66" charset="0"/>
-              </a:rPr>
-              <a:t> (I am Pope)</a:t>
-            </a:r>
-          </a:p>
-          <a:p>
-            <a:pPr algn="l"/>
-            <a:r>
-              <a:rPr lang="en-US" sz="4800" dirty="0" smtClean="0">
-                <a:latin typeface="Comic Sans MS" pitchFamily="66" charset="0"/>
-              </a:rPr>
-              <a:t>The </a:t>
-            </a:r>
-            <a:r>
-              <a:rPr lang="en-US" sz="4800" i="1" dirty="0" smtClean="0">
-                <a:latin typeface="Comic Sans MS" pitchFamily="66" charset="0"/>
-              </a:rPr>
-              <a:t>whole implication </a:t>
-            </a:r>
-            <a:r>
-              <a:rPr lang="en-US" sz="4800" dirty="0" smtClean="0">
-                <a:latin typeface="Comic Sans MS" pitchFamily="66" charset="0"/>
-              </a:rPr>
-              <a:t>is </a:t>
-            </a:r>
-            <a:r>
-              <a:rPr lang="en-US" sz="4800" dirty="0" smtClean="0">
-                <a:solidFill>
-                  <a:srgbClr val="00B050"/>
-                </a:solidFill>
-                <a:latin typeface="Comic Sans MS" pitchFamily="66" charset="0"/>
-              </a:rPr>
-              <a:t>true</a:t>
-            </a:r>
-            <a:r>
-              <a:rPr lang="en-US" sz="4800" dirty="0" smtClean="0">
-                <a:latin typeface="Comic Sans MS" pitchFamily="66" charset="0"/>
-              </a:rPr>
-              <a:t>,</a:t>
-            </a:r>
-          </a:p>
-          <a:p>
-            <a:pPr algn="l"/>
-            <a:r>
-              <a:rPr lang="en-US" sz="4800" dirty="0" smtClean="0">
-                <a:latin typeface="Comic Sans MS" pitchFamily="66" charset="0"/>
-              </a:rPr>
-              <a:t>even though both conclusion</a:t>
-            </a:r>
-          </a:p>
-          <a:p>
-            <a:pPr algn="l"/>
-            <a:r>
-              <a:rPr lang="en-US" sz="4800" dirty="0" smtClean="0">
-                <a:latin typeface="Comic Sans MS" pitchFamily="66" charset="0"/>
-              </a:rPr>
-              <a:t>&amp; hypothesis are </a:t>
-            </a:r>
-            <a:r>
-              <a:rPr lang="en-US" sz="4800" dirty="0" smtClean="0">
-                <a:solidFill>
-                  <a:srgbClr val="C00000"/>
-                </a:solidFill>
-                <a:latin typeface="Comic Sans MS" pitchFamily="66" charset="0"/>
-              </a:rPr>
-              <a:t>false</a:t>
-            </a:r>
-            <a:r>
-              <a:rPr lang="en-US" sz="4800" dirty="0" smtClean="0">
-                <a:latin typeface="Comic Sans MS" pitchFamily="66" charset="0"/>
-              </a:rPr>
-              <a:t>.</a:t>
-            </a:r>
-          </a:p>
-        </p:txBody>
-      </p:sp>
-    </p:spTree>
-  </p:cSld>
-  <p:clrMapOvr>
-    <a:masterClrMapping/>
-  </p:clrMapOvr>
-  <p:transition xmlns:p14="http://schemas.microsoft.com/office/powerpoint/2010/main" spd="slow">
-    <p:fade/>
-  </p:transition>
-  <p:timing>
-    <p:tnLst>
-      <p:par>
-        <p:cTn xmlns:p14="http://schemas.microsoft.com/office/powerpoint/2010/main" id="1" dur="indefinite" restart="never" nodeType="tmRoot"/>
-      </p:par>
-    </p:tnLst>
-  </p:timing>
-</p:sld>
-</file>
-
-<file path=ppt/slides/slide21.xml><?xml version="1.0" encoding="utf-8"?>
-<p:sld xmlns:a="http://schemas.openxmlformats.org/drawingml/2006/main" xmlns:r="http://schemas.openxmlformats.org/officeDocument/2006/relationships" xmlns:p="http://schemas.openxmlformats.org/presentationml/2006/main">
-  <p:cSld>
-    <p:spTree>
-      <p:nvGrpSpPr>
-        <p:cNvPr id="1" name=""/>
-        <p:cNvGrpSpPr/>
-        <p:nvPr/>
-      </p:nvGrpSpPr>
-      <p:grpSpPr>
-        <a:xfrm>
-          <a:off x="0" y="0"/>
-          <a:ext cx="0" cy="0"/>
-          <a:chOff x="0" y="0"/>
-          <a:chExt cx="0" cy="0"/>
-        </a:xfrm>
-      </p:grpSpPr>
-      <p:sp>
-        <p:nvSpPr>
           <p:cNvPr id="13" name="Title 12"/>
           <p:cNvSpPr>
             <a:spLocks noGrp="1"/>
@@ -24779,7 +22830,7 @@
             <a:fld id="{0150943C-9303-41DF-A6FA-7E32D6C5D18E}" type="slidenum">
               <a:rPr lang="en-US" smtClean="0"/>
               <a:pPr/>
-              <a:t>21</a:t>
+              <a:t>20</a:t>
             </a:fld>
             <a:endParaRPr lang="en-US" dirty="0" smtClean="0"/>
           </a:p>
@@ -24951,7 +23002,7 @@
 </p:sld>
 </file>
 
-<file path=ppt/slides/slide22.xml><?xml version="1.0" encoding="utf-8"?>
+<file path=ppt/slides/slide21.xml><?xml version="1.0" encoding="utf-8"?>
 <p:sld xmlns:a="http://schemas.openxmlformats.org/drawingml/2006/main" xmlns:r="http://schemas.openxmlformats.org/officeDocument/2006/relationships" xmlns:p="http://schemas.openxmlformats.org/presentationml/2006/main">
   <p:cSld>
     <p:spTree>
@@ -25230,7 +23281,7 @@
             <a:fld id="{0150943C-9303-41DF-A6FA-7E32D6C5D18E}" type="slidenum">
               <a:rPr lang="en-US" smtClean="0"/>
               <a:pPr/>
-              <a:t>22</a:t>
+              <a:t>21</a:t>
             </a:fld>
             <a:endParaRPr lang="en-US" dirty="0" smtClean="0"/>
           </a:p>
@@ -25563,8 +23614,8 @@
 </p:sld>
 </file>
 
-<file path=ppt/slides/slide23.xml><?xml version="1.0" encoding="utf-8"?>
-<p:sld xmlns:a="http://schemas.openxmlformats.org/drawingml/2006/main" xmlns:r="http://schemas.openxmlformats.org/officeDocument/2006/relationships" xmlns:p="http://schemas.openxmlformats.org/presentationml/2006/main" show="0">
+<file path=ppt/slides/slide22.xml><?xml version="1.0" encoding="utf-8"?>
+<p:sld xmlns:a="http://schemas.openxmlformats.org/drawingml/2006/main" xmlns:r="http://schemas.openxmlformats.org/officeDocument/2006/relationships" xmlns:p="http://schemas.openxmlformats.org/presentationml/2006/main">
   <p:cSld>
     <p:spTree>
       <p:nvGrpSpPr>
@@ -25719,7 +23770,7 @@
             <a:fld id="{0150943C-9303-41DF-A6FA-7E32D6C5D18E}" type="slidenum">
               <a:rPr lang="en-US" smtClean="0"/>
               <a:pPr/>
-              <a:t>23</a:t>
+              <a:t>22</a:t>
             </a:fld>
             <a:endParaRPr lang="en-US" dirty="0" smtClean="0"/>
           </a:p>
@@ -25743,7 +23794,7 @@
 </p:sld>
 </file>
 
-<file path=ppt/slides/slide24.xml><?xml version="1.0" encoding="utf-8"?>
+<file path=ppt/slides/slide23.xml><?xml version="1.0" encoding="utf-8"?>
 <p:sld xmlns:a="http://schemas.openxmlformats.org/drawingml/2006/main" xmlns:r="http://schemas.openxmlformats.org/officeDocument/2006/relationships" xmlns:p="http://schemas.openxmlformats.org/presentationml/2006/main">
   <p:cSld>
     <p:spTree>
@@ -26153,7 +24204,7 @@
 </p:sld>
 </file>
 
-<file path=ppt/slides/slide25.xml><?xml version="1.0" encoding="utf-8"?>
+<file path=ppt/slides/slide24.xml><?xml version="1.0" encoding="utf-8"?>
 <p:sld xmlns:a="http://schemas.openxmlformats.org/drawingml/2006/main" xmlns:r="http://schemas.openxmlformats.org/officeDocument/2006/relationships" xmlns:p="http://schemas.openxmlformats.org/presentationml/2006/main">
   <p:cSld>
     <p:spTree>
@@ -26319,7 +24370,7 @@
 </p:sld>
 </file>
 
-<file path=ppt/slides/slide26.xml><?xml version="1.0" encoding="utf-8"?>
+<file path=ppt/slides/slide25.xml><?xml version="1.0" encoding="utf-8"?>
 <p:sld xmlns:a="http://schemas.openxmlformats.org/drawingml/2006/main" xmlns:r="http://schemas.openxmlformats.org/officeDocument/2006/relationships" xmlns:p="http://schemas.openxmlformats.org/presentationml/2006/main" show="0">
   <p:cSld>
     <p:spTree>
@@ -27563,7 +25614,7 @@
             <a:fld id="{0150943C-9303-41DF-A6FA-7E32D6C5D18E}" type="slidenum">
               <a:rPr lang="en-US" smtClean="0"/>
               <a:pPr/>
-              <a:t>26</a:t>
+              <a:t>25</a:t>
             </a:fld>
             <a:endParaRPr lang="en-US" dirty="0" smtClean="0"/>
           </a:p>
@@ -27710,7 +25761,7 @@
 </p:sld>
 </file>
 
-<file path=ppt/slides/slide27.xml><?xml version="1.0" encoding="utf-8"?>
+<file path=ppt/slides/slide26.xml><?xml version="1.0" encoding="utf-8"?>
 <p:sld xmlns:a="http://schemas.openxmlformats.org/drawingml/2006/main" xmlns:r="http://schemas.openxmlformats.org/officeDocument/2006/relationships" xmlns:p="http://schemas.openxmlformats.org/presentationml/2006/main">
   <p:cSld>
     <p:spTree>
@@ -27763,7 +25814,7 @@
               <a:pPr>
                 <a:defRPr/>
               </a:pPr>
-              <a:t>27</a:t>
+              <a:t>26</a:t>
             </a:fld>
             <a:endParaRPr lang="en-US" dirty="0"/>
           </a:p>
@@ -28024,7 +26075,7 @@
 </p:sld>
 </file>
 
-<file path=ppt/slides/slide28.xml><?xml version="1.0" encoding="utf-8"?>
+<file path=ppt/slides/slide27.xml><?xml version="1.0" encoding="utf-8"?>
 <p:sld xmlns:a="http://schemas.openxmlformats.org/drawingml/2006/main" xmlns:r="http://schemas.openxmlformats.org/officeDocument/2006/relationships" xmlns:p="http://schemas.openxmlformats.org/presentationml/2006/main">
   <p:cSld>
     <p:spTree>
@@ -28110,19 +26161,7 @@
               <a:rPr lang="en-US" sz="5400" dirty="0" smtClean="0">
                 <a:latin typeface="Comic Sans MS" pitchFamily="66" charset="0"/>
               </a:rPr>
-              <a:t>formulas symbolically using </a:t>
-            </a:r>
-            <a:r>
-              <a:rPr lang="en-US" sz="5400" dirty="0" smtClean="0">
-                <a:latin typeface="Comic Sans MS" pitchFamily="66" charset="0"/>
-              </a:rPr>
-              <a:t>axioms </a:t>
-            </a:r>
-            <a:r>
-              <a:rPr lang="en-US" sz="5400" dirty="0" smtClean="0">
-                <a:latin typeface="Comic Sans MS" pitchFamily="66" charset="0"/>
-              </a:rPr>
-              <a:t>and deduction rules</a:t>
+              <a:t>formulas symbolically using axioms and deduction rules</a:t>
             </a:r>
             <a:endParaRPr lang="en-US" sz="5400" dirty="0">
               <a:latin typeface="Comic Sans MS" pitchFamily="66" charset="0"/>
@@ -28176,7 +26215,7 @@
 </p:sld>
 </file>
 
-<file path=ppt/slides/slide29.xml><?xml version="1.0" encoding="utf-8"?>
+<file path=ppt/slides/slide28.xml><?xml version="1.0" encoding="utf-8"?>
 <p:sld xmlns:a="http://schemas.openxmlformats.org/drawingml/2006/main" xmlns:r="http://schemas.openxmlformats.org/officeDocument/2006/relationships" xmlns:p="http://schemas.openxmlformats.org/presentationml/2006/main" show="0">
   <p:cSld>
     <p:spTree>
@@ -28823,6 +26862,140 @@
 </p:sld>
 </file>
 
+<file path=ppt/slides/slide29.xml><?xml version="1.0" encoding="utf-8"?>
+<p:sld xmlns:a="http://schemas.openxmlformats.org/drawingml/2006/main" xmlns:r="http://schemas.openxmlformats.org/officeDocument/2006/relationships" xmlns:p="http://schemas.openxmlformats.org/presentationml/2006/main" show="0">
+  <p:cSld>
+    <p:spTree>
+      <p:nvGrpSpPr>
+        <p:cNvPr id="1" name=""/>
+        <p:cNvGrpSpPr/>
+        <p:nvPr/>
+      </p:nvGrpSpPr>
+      <p:grpSpPr>
+        <a:xfrm>
+          <a:off x="0" y="0"/>
+          <a:ext cx="0" cy="0"/>
+          <a:chOff x="0" y="0"/>
+          <a:chExt cx="0" cy="0"/>
+        </a:xfrm>
+      </p:grpSpPr>
+      <p:sp>
+        <p:nvSpPr>
+          <p:cNvPr id="2" name="Title 1"/>
+          <p:cNvSpPr>
+            <a:spLocks noGrp="1"/>
+          </p:cNvSpPr>
+          <p:nvPr>
+            <p:ph type="title"/>
+          </p:nvPr>
+        </p:nvSpPr>
+        <p:spPr/>
+        <p:txBody>
+          <a:bodyPr/>
+          <a:lstStyle/>
+          <a:p>
+            <a:r>
+              <a:rPr lang="en-US" sz="3600" dirty="0" err="1" smtClean="0"/>
+              <a:t>Lukasiewicz</a:t>
+            </a:r>
+            <a:r>
+              <a:rPr lang="en-US" sz="3600" dirty="0" smtClean="0"/>
+              <a:t>’ Proof System</a:t>
+            </a:r>
+            <a:endParaRPr lang="en-US" sz="3600" dirty="0"/>
+          </a:p>
+        </p:txBody>
+      </p:sp>
+      <p:sp>
+        <p:nvSpPr>
+          <p:cNvPr id="3" name="Content Placeholder 2"/>
+          <p:cNvSpPr>
+            <a:spLocks noGrp="1"/>
+          </p:cNvSpPr>
+          <p:nvPr>
+            <p:ph idx="1"/>
+          </p:nvPr>
+        </p:nvSpPr>
+        <p:spPr>
+          <a:xfrm>
+            <a:off x="122828" y="1514901"/>
+            <a:ext cx="8898340" cy="4612944"/>
+          </a:xfrm>
+        </p:spPr>
+        <p:txBody>
+          <a:bodyPr/>
+          <a:lstStyle/>
+          <a:p>
+            <a:r>
+              <a:rPr lang="en-US" sz="4400" dirty="0" smtClean="0"/>
+              <a:t>Prove formulas by starting with</a:t>
+            </a:r>
+          </a:p>
+          <a:p>
+            <a:r>
+              <a:rPr lang="en-US" sz="4400" dirty="0" smtClean="0"/>
+              <a:t>axioms and repeatedly applying</a:t>
+            </a:r>
+          </a:p>
+          <a:p>
+            <a:r>
+              <a:rPr lang="en-US" sz="4400" dirty="0" smtClean="0"/>
+              <a:t>the inference rule.</a:t>
+            </a:r>
+          </a:p>
+          <a:p>
+            <a:r>
+              <a:rPr lang="en-US" sz="4400" dirty="0" smtClean="0"/>
+              <a:t>For example, to prove:</a:t>
+            </a:r>
+          </a:p>
+          <a:p>
+            <a:r>
+              <a:rPr lang="en-US" sz="4400" dirty="0" smtClean="0"/>
+              <a:t>                </a:t>
+            </a:r>
+            <a:r>
+              <a:rPr lang="en-US" sz="6000" dirty="0" smtClean="0">
+                <a:solidFill>
+                  <a:srgbClr val="0000FF"/>
+                </a:solidFill>
+              </a:rPr>
+              <a:t>   A→</a:t>
+            </a:r>
+            <a:r>
+              <a:rPr lang="en-US" sz="6000" dirty="0">
+                <a:solidFill>
+                  <a:srgbClr val="0000FF"/>
+                </a:solidFill>
+              </a:rPr>
+              <a:t>A</a:t>
+            </a:r>
+            <a:endParaRPr lang="en-US" sz="4400" dirty="0" smtClean="0">
+              <a:solidFill>
+                <a:srgbClr val="0000FF"/>
+              </a:solidFill>
+            </a:endParaRPr>
+          </a:p>
+        </p:txBody>
+      </p:sp>
+    </p:spTree>
+  </p:cSld>
+  <p:clrMapOvr>
+    <a:masterClrMapping/>
+  </p:clrMapOvr>
+  <p:transition xmlns:p14="http://schemas.microsoft.com/office/powerpoint/2010/main">
+    <p:fade/>
+  </p:transition>
+  <p:timing>
+    <p:tnLst>
+      <p:par>
+        <p:cTn xmlns:p14="http://schemas.microsoft.com/office/powerpoint/2010/main" id="1" dur="indefinite" restart="never" nodeType="tmRoot"/>
+      </p:par>
+    </p:tnLst>
+  </p:timing>
+</p:sld>
+</file>
+
 <file path=ppt/slides/slide3.xml><?xml version="1.0" encoding="utf-8"?>
 <p:sld xmlns:a="http://schemas.openxmlformats.org/drawingml/2006/main" xmlns:r="http://schemas.openxmlformats.org/officeDocument/2006/relationships" xmlns:p="http://schemas.openxmlformats.org/presentationml/2006/main">
   <p:cSld>
@@ -28856,7 +27029,7 @@
           <a:graphicData uri="http://schemas.openxmlformats.org/presentationml/2006/ole">
             <mc:AlternateContent xmlns:mc="http://schemas.openxmlformats.org/markup-compatibility/2006">
               <mc:Choice xmlns:v="urn:schemas-microsoft-com:vml" Requires="v">
-                <p:oleObj spid="_x0000_s236587" name="Equation" r:id="rId5" imgW="1346040" imgH="215640" progId="Equation.DSMT4">
+                <p:oleObj spid="_x0000_s236594" name="Equation" r:id="rId5" imgW="1346040" imgH="215640" progId="Equation.DSMT4">
                   <p:embed/>
                 </p:oleObj>
               </mc:Choice>
@@ -28926,7 +27099,7 @@
           <a:graphicData uri="http://schemas.openxmlformats.org/presentationml/2006/ole">
             <mc:AlternateContent xmlns:mc="http://schemas.openxmlformats.org/markup-compatibility/2006">
               <mc:Choice xmlns:v="urn:schemas-microsoft-com:vml" Requires="v">
-                <p:oleObj spid="_x0000_s236588" name="Equation" r:id="rId7" imgW="1333500" imgH="228600" progId="Equation.DSMT4">
+                <p:oleObj spid="_x0000_s236595" name="Equation" r:id="rId7" imgW="1333500" imgH="228600" progId="Equation.DSMT4">
                   <p:embed/>
                 </p:oleObj>
               </mc:Choice>
@@ -29402,140 +27575,6 @@
             <p:ph type="title"/>
           </p:nvPr>
         </p:nvSpPr>
-        <p:spPr/>
-        <p:txBody>
-          <a:bodyPr/>
-          <a:lstStyle/>
-          <a:p>
-            <a:r>
-              <a:rPr lang="en-US" sz="3600" dirty="0" err="1" smtClean="0"/>
-              <a:t>Lukasiewicz</a:t>
-            </a:r>
-            <a:r>
-              <a:rPr lang="en-US" sz="3600" dirty="0" smtClean="0"/>
-              <a:t>’ Proof System</a:t>
-            </a:r>
-            <a:endParaRPr lang="en-US" sz="3600" dirty="0"/>
-          </a:p>
-        </p:txBody>
-      </p:sp>
-      <p:sp>
-        <p:nvSpPr>
-          <p:cNvPr id="3" name="Content Placeholder 2"/>
-          <p:cNvSpPr>
-            <a:spLocks noGrp="1"/>
-          </p:cNvSpPr>
-          <p:nvPr>
-            <p:ph idx="1"/>
-          </p:nvPr>
-        </p:nvSpPr>
-        <p:spPr>
-          <a:xfrm>
-            <a:off x="122828" y="1514901"/>
-            <a:ext cx="8898340" cy="4612944"/>
-          </a:xfrm>
-        </p:spPr>
-        <p:txBody>
-          <a:bodyPr/>
-          <a:lstStyle/>
-          <a:p>
-            <a:r>
-              <a:rPr lang="en-US" sz="4400" dirty="0" smtClean="0"/>
-              <a:t>Prove formulas by starting with</a:t>
-            </a:r>
-          </a:p>
-          <a:p>
-            <a:r>
-              <a:rPr lang="en-US" sz="4400" dirty="0" smtClean="0"/>
-              <a:t>axioms and repeatedly applying</a:t>
-            </a:r>
-          </a:p>
-          <a:p>
-            <a:r>
-              <a:rPr lang="en-US" sz="4400" dirty="0" smtClean="0"/>
-              <a:t>the inference rule.</a:t>
-            </a:r>
-          </a:p>
-          <a:p>
-            <a:r>
-              <a:rPr lang="en-US" sz="4400" dirty="0" smtClean="0"/>
-              <a:t>For example, to prove:</a:t>
-            </a:r>
-          </a:p>
-          <a:p>
-            <a:r>
-              <a:rPr lang="en-US" sz="4400" dirty="0" smtClean="0"/>
-              <a:t>                </a:t>
-            </a:r>
-            <a:r>
-              <a:rPr lang="en-US" sz="6000" dirty="0" smtClean="0">
-                <a:solidFill>
-                  <a:srgbClr val="0000FF"/>
-                </a:solidFill>
-              </a:rPr>
-              <a:t>   A→</a:t>
-            </a:r>
-            <a:r>
-              <a:rPr lang="en-US" sz="6000" dirty="0">
-                <a:solidFill>
-                  <a:srgbClr val="0000FF"/>
-                </a:solidFill>
-              </a:rPr>
-              <a:t>A</a:t>
-            </a:r>
-            <a:endParaRPr lang="en-US" sz="4400" dirty="0" smtClean="0">
-              <a:solidFill>
-                <a:srgbClr val="0000FF"/>
-              </a:solidFill>
-            </a:endParaRPr>
-          </a:p>
-        </p:txBody>
-      </p:sp>
-    </p:spTree>
-  </p:cSld>
-  <p:clrMapOvr>
-    <a:masterClrMapping/>
-  </p:clrMapOvr>
-  <p:transition xmlns:p14="http://schemas.microsoft.com/office/powerpoint/2010/main">
-    <p:fade/>
-  </p:transition>
-  <p:timing>
-    <p:tnLst>
-      <p:par>
-        <p:cTn xmlns:p14="http://schemas.microsoft.com/office/powerpoint/2010/main" id="1" dur="indefinite" restart="never" nodeType="tmRoot"/>
-      </p:par>
-    </p:tnLst>
-  </p:timing>
-</p:sld>
-</file>
-
-<file path=ppt/slides/slide31.xml><?xml version="1.0" encoding="utf-8"?>
-<p:sld xmlns:a="http://schemas.openxmlformats.org/drawingml/2006/main" xmlns:r="http://schemas.openxmlformats.org/officeDocument/2006/relationships" xmlns:p="http://schemas.openxmlformats.org/presentationml/2006/main" show="0">
-  <p:cSld>
-    <p:spTree>
-      <p:nvGrpSpPr>
-        <p:cNvPr id="1" name=""/>
-        <p:cNvGrpSpPr/>
-        <p:nvPr/>
-      </p:nvGrpSpPr>
-      <p:grpSpPr>
-        <a:xfrm>
-          <a:off x="0" y="0"/>
-          <a:ext cx="0" cy="0"/>
-          <a:chOff x="0" y="0"/>
-          <a:chExt cx="0" cy="0"/>
-        </a:xfrm>
-      </p:grpSpPr>
-      <p:sp>
-        <p:nvSpPr>
-          <p:cNvPr id="2" name="Title 1"/>
-          <p:cNvSpPr>
-            <a:spLocks noGrp="1"/>
-          </p:cNvSpPr>
-          <p:nvPr>
-            <p:ph type="title"/>
-          </p:nvPr>
-        </p:nvSpPr>
         <p:spPr>
           <a:xfrm>
             <a:off x="1391102" y="304800"/>
@@ -30197,7 +28236,7 @@
 </p:sld>
 </file>
 
-<file path=ppt/slides/slide32.xml><?xml version="1.0" encoding="utf-8"?>
+<file path=ppt/slides/slide31.xml><?xml version="1.0" encoding="utf-8"?>
 <p:sld xmlns:a="http://schemas.openxmlformats.org/drawingml/2006/main" xmlns:r="http://schemas.openxmlformats.org/officeDocument/2006/relationships" xmlns:p="http://schemas.openxmlformats.org/presentationml/2006/main" show="0">
   <p:cSld>
     <p:spTree>
@@ -31051,7 +29090,7 @@
 </p:sld>
 </file>
 
-<file path=ppt/slides/slide33.xml><?xml version="1.0" encoding="utf-8"?>
+<file path=ppt/slides/slide32.xml><?xml version="1.0" encoding="utf-8"?>
 <p:sld xmlns:a="http://schemas.openxmlformats.org/drawingml/2006/main" xmlns:r="http://schemas.openxmlformats.org/officeDocument/2006/relationships" xmlns:p="http://schemas.openxmlformats.org/presentationml/2006/main" show="0">
   <p:cSld>
     <p:spTree>
@@ -31649,7 +29688,7 @@
 </p:sld>
 </file>
 
-<file path=ppt/slides/slide34.xml><?xml version="1.0" encoding="utf-8"?>
+<file path=ppt/slides/slide33.xml><?xml version="1.0" encoding="utf-8"?>
 <p:sld xmlns:a="http://schemas.openxmlformats.org/drawingml/2006/main" xmlns:r="http://schemas.openxmlformats.org/officeDocument/2006/relationships" xmlns:p="http://schemas.openxmlformats.org/presentationml/2006/main" show="0">
   <p:cSld>
     <p:spTree>
@@ -32128,7 +30167,7 @@
 </p:sld>
 </file>
 
-<file path=ppt/slides/slide35.xml><?xml version="1.0" encoding="utf-8"?>
+<file path=ppt/slides/slide34.xml><?xml version="1.0" encoding="utf-8"?>
 <p:sld xmlns:a="http://schemas.openxmlformats.org/drawingml/2006/main" xmlns:r="http://schemas.openxmlformats.org/officeDocument/2006/relationships" xmlns:p="http://schemas.openxmlformats.org/presentationml/2006/main" show="0">
   <p:cSld>
     <p:spTree>
@@ -32366,7 +30405,7 @@
 </p:sld>
 </file>
 
-<file path=ppt/slides/slide36.xml><?xml version="1.0" encoding="utf-8"?>
+<file path=ppt/slides/slide35.xml><?xml version="1.0" encoding="utf-8"?>
 <p:sld xmlns:a="http://schemas.openxmlformats.org/drawingml/2006/main" xmlns:r="http://schemas.openxmlformats.org/officeDocument/2006/relationships" xmlns:p="http://schemas.openxmlformats.org/presentationml/2006/main">
   <p:cSld>
     <p:spTree>
@@ -32603,7 +30642,7 @@
 </p:sld>
 </file>
 
-<file path=ppt/slides/slide37.xml><?xml version="1.0" encoding="utf-8"?>
+<file path=ppt/slides/slide36.xml><?xml version="1.0" encoding="utf-8"?>
 <p:sld xmlns:a="http://schemas.openxmlformats.org/drawingml/2006/main" xmlns:r="http://schemas.openxmlformats.org/officeDocument/2006/relationships" xmlns:p="http://schemas.openxmlformats.org/presentationml/2006/main">
   <p:cSld>
     <p:spTree>
@@ -32749,7 +30788,7 @@
             <a:fld id="{3251DA95-B240-47FE-901D-B78FC8E8E532}" type="slidenum">
               <a:rPr lang="en-US" smtClean="0"/>
               <a:pPr/>
-              <a:t>37</a:t>
+              <a:t>36</a:t>
             </a:fld>
             <a:endParaRPr lang="en-US" dirty="0"/>
           </a:p>
@@ -32894,7 +30933,7 @@
 </p:sld>
 </file>
 
-<file path=ppt/slides/slide38.xml><?xml version="1.0" encoding="utf-8"?>
+<file path=ppt/slides/slide37.xml><?xml version="1.0" encoding="utf-8"?>
 <p:sld xmlns:a="http://schemas.openxmlformats.org/drawingml/2006/main" xmlns:r="http://schemas.openxmlformats.org/officeDocument/2006/relationships" xmlns:p="http://schemas.openxmlformats.org/presentationml/2006/main" show="0">
   <p:cSld>
     <p:spTree>
@@ -32943,7 +30982,7 @@
             <a:fld id="{0150943C-9303-41DF-A6FA-7E32D6C5D18E}" type="slidenum">
               <a:rPr lang="en-US" smtClean="0"/>
               <a:pPr/>
-              <a:t>38</a:t>
+              <a:t>37</a:t>
             </a:fld>
             <a:endParaRPr lang="en-US" dirty="0" smtClean="0"/>
           </a:p>
@@ -32999,7 +31038,7 @@
           <a:graphicData uri="http://schemas.openxmlformats.org/presentationml/2006/ole">
             <mc:AlternateContent xmlns:mc="http://schemas.openxmlformats.org/markup-compatibility/2006">
               <mc:Choice xmlns:v="urn:schemas-microsoft-com:vml" Requires="v">
-                <p:oleObj spid="_x0000_s338971" name="Equation" r:id="rId4" imgW="876300" imgH="1130300" progId="Equation.DSMT4">
+                <p:oleObj spid="_x0000_s338975" name="Equation" r:id="rId4" imgW="876300" imgH="1130300" progId="Equation.DSMT4">
                   <p:embed/>
                 </p:oleObj>
               </mc:Choice>
@@ -33065,7 +31104,7 @@
 </p:sld>
 </file>
 
-<file path=ppt/slides/slide39.xml><?xml version="1.0" encoding="utf-8"?>
+<file path=ppt/slides/slide38.xml><?xml version="1.0" encoding="utf-8"?>
 <p:sld xmlns:a="http://schemas.openxmlformats.org/drawingml/2006/main" xmlns:r="http://schemas.openxmlformats.org/officeDocument/2006/relationships" xmlns:p="http://schemas.openxmlformats.org/presentationml/2006/main">
   <p:cSld>
     <p:spTree>
@@ -33268,7 +31307,7 @@
             <a:fld id="{0150943C-9303-41DF-A6FA-7E32D6C5D18E}" type="slidenum">
               <a:rPr lang="en-US" smtClean="0"/>
               <a:pPr/>
-              <a:t>39</a:t>
+              <a:t>38</a:t>
             </a:fld>
             <a:endParaRPr lang="en-US" dirty="0" smtClean="0"/>
           </a:p>
@@ -33324,7 +31363,7 @@
           <a:graphicData uri="http://schemas.openxmlformats.org/presentationml/2006/ole">
             <mc:AlternateContent xmlns:mc="http://schemas.openxmlformats.org/markup-compatibility/2006">
               <mc:Choice xmlns:v="urn:schemas-microsoft-com:vml" Requires="v">
-                <p:oleObj spid="_x0000_s400412" name="Equation" r:id="rId5" imgW="2349500" imgH="1016000" progId="Equation.DSMT4">
+                <p:oleObj spid="_x0000_s400416" name="Equation" r:id="rId5" imgW="2349500" imgH="1016000" progId="Equation.DSMT4">
                   <p:embed/>
                 </p:oleObj>
               </mc:Choice>
@@ -33390,520 +31429,7 @@
 </p:sld>
 </file>
 
-<file path=ppt/slides/slide4.xml><?xml version="1.0" encoding="utf-8"?>
-<p:sld xmlns:a="http://schemas.openxmlformats.org/drawingml/2006/main" xmlns:r="http://schemas.openxmlformats.org/officeDocument/2006/relationships" xmlns:p="http://schemas.openxmlformats.org/presentationml/2006/main">
-  <p:cSld>
-    <p:spTree>
-      <p:nvGrpSpPr>
-        <p:cNvPr id="1" name=""/>
-        <p:cNvGrpSpPr/>
-        <p:nvPr/>
-      </p:nvGrpSpPr>
-      <p:grpSpPr>
-        <a:xfrm>
-          <a:off x="0" y="0"/>
-          <a:ext cx="0" cy="0"/>
-          <a:chOff x="0" y="0"/>
-          <a:chExt cx="0" cy="0"/>
-        </a:xfrm>
-      </p:grpSpPr>
-      <p:graphicFrame>
-        <p:nvGraphicFramePr>
-          <p:cNvPr id="234500" name="Object 4"/>
-          <p:cNvGraphicFramePr>
-            <a:graphicFrameLocks noChangeAspect="1"/>
-          </p:cNvGraphicFramePr>
-          <p:nvPr/>
-        </p:nvGraphicFramePr>
-        <p:xfrm>
-          <a:off x="1104855" y="2292350"/>
-          <a:ext cx="6945312" cy="1054100"/>
-        </p:xfrm>
-        <a:graphic>
-          <a:graphicData uri="http://schemas.openxmlformats.org/presentationml/2006/ole">
-            <mc:AlternateContent xmlns:mc="http://schemas.openxmlformats.org/markup-compatibility/2006">
-              <mc:Choice xmlns:v="urn:schemas-microsoft-com:vml" Requires="v">
-                <p:oleObj spid="_x0000_s234541" name="Equation" r:id="rId5" imgW="1422360" imgH="215640" progId="Equation.DSMT4">
-                  <p:embed/>
-                </p:oleObj>
-              </mc:Choice>
-              <mc:Fallback>
-                <p:oleObj name="Equation" r:id="rId5" imgW="1422360" imgH="215640" progId="Equation.DSMT4">
-                  <p:embed/>
-                  <p:pic>
-                    <p:nvPicPr>
-                      <p:cNvPr id="0" name="Picture 4"/>
-                      <p:cNvPicPr>
-                        <a:picLocks noChangeAspect="1" noChangeArrowheads="1"/>
-                      </p:cNvPicPr>
-                      <p:nvPr/>
-                    </p:nvPicPr>
-                    <p:blipFill>
-                      <a:blip r:embed="rId6">
-                        <a:extLst>
-                          <a:ext uri="{28A0092B-C50C-407E-A947-70E740481C1C}">
-                            <a14:useLocalDpi xmlns:a14="http://schemas.microsoft.com/office/drawing/2010/main" val="0"/>
-                          </a:ext>
-                        </a:extLst>
-                      </a:blip>
-                      <a:srcRect/>
-                      <a:stretch>
-                        <a:fillRect/>
-                      </a:stretch>
-                    </p:blipFill>
-                    <p:spPr bwMode="auto">
-                      <a:xfrm>
-                        <a:off x="1104855" y="2292350"/>
-                        <a:ext cx="6945312" cy="1054100"/>
-                      </a:xfrm>
-                      <a:prstGeom prst="rect">
-                        <a:avLst/>
-                      </a:prstGeom>
-                      <a:noFill/>
-                      <a:extLst>
-                        <a:ext uri="{909E8E84-426E-40dd-AFC4-6F175D3DCCD1}">
-                          <a14:hiddenFill xmlns:a14="http://schemas.microsoft.com/office/drawing/2010/main">
-                            <a:solidFill>
-                              <a:srgbClr val="FFFFFF"/>
-                            </a:solidFill>
-                          </a14:hiddenFill>
-                        </a:ext>
-                      </a:extLst>
-                    </p:spPr>
-                  </p:pic>
-                </p:oleObj>
-              </mc:Fallback>
-            </mc:AlternateContent>
-          </a:graphicData>
-        </a:graphic>
-      </p:graphicFrame>
-      <p:graphicFrame>
-        <p:nvGraphicFramePr>
-          <p:cNvPr id="234497" name="Object 1"/>
-          <p:cNvGraphicFramePr>
-            <a:graphicFrameLocks noChangeAspect="1"/>
-          </p:cNvGraphicFramePr>
-          <p:nvPr/>
-        </p:nvGraphicFramePr>
-        <p:xfrm>
-          <a:off x="1117203" y="2290763"/>
-          <a:ext cx="6996113" cy="1135062"/>
-        </p:xfrm>
-        <a:graphic>
-          <a:graphicData uri="http://schemas.openxmlformats.org/presentationml/2006/ole">
-            <mc:AlternateContent xmlns:mc="http://schemas.openxmlformats.org/markup-compatibility/2006">
-              <mc:Choice xmlns:v="urn:schemas-microsoft-com:vml" Requires="v">
-                <p:oleObj spid="_x0000_s234542" name="Equation" r:id="rId7" imgW="1409700" imgH="228600" progId="Equation.DSMT4">
-                  <p:embed/>
-                </p:oleObj>
-              </mc:Choice>
-              <mc:Fallback>
-                <p:oleObj name="Equation" r:id="rId7" imgW="1409700" imgH="228600" progId="Equation.DSMT4">
-                  <p:embed/>
-                  <p:pic>
-                    <p:nvPicPr>
-                      <p:cNvPr id="0" name="Picture 1"/>
-                      <p:cNvPicPr>
-                        <a:picLocks noChangeAspect="1" noChangeArrowheads="1"/>
-                      </p:cNvPicPr>
-                      <p:nvPr/>
-                    </p:nvPicPr>
-                    <p:blipFill>
-                      <a:blip r:embed="rId8">
-                        <a:extLst>
-                          <a:ext uri="{28A0092B-C50C-407E-A947-70E740481C1C}">
-                            <a14:useLocalDpi xmlns:a14="http://schemas.microsoft.com/office/drawing/2010/main" val="0"/>
-                          </a:ext>
-                        </a:extLst>
-                      </a:blip>
-                      <a:srcRect/>
-                      <a:stretch>
-                        <a:fillRect/>
-                      </a:stretch>
-                    </p:blipFill>
-                    <p:spPr bwMode="auto">
-                      <a:xfrm>
-                        <a:off x="1117203" y="2290763"/>
-                        <a:ext cx="6996113" cy="1135062"/>
-                      </a:xfrm>
-                      <a:prstGeom prst="rect">
-                        <a:avLst/>
-                      </a:prstGeom>
-                      <a:solidFill>
-                        <a:schemeClr val="accent1"/>
-                      </a:solidFill>
-                    </p:spPr>
-                  </p:pic>
-                </p:oleObj>
-              </mc:Fallback>
-            </mc:AlternateContent>
-          </a:graphicData>
-        </a:graphic>
-      </p:graphicFrame>
-      <p:sp>
-        <p:nvSpPr>
-          <p:cNvPr id="9220" name="Rectangle 2"/>
-          <p:cNvSpPr>
-            <a:spLocks noGrp="1" noChangeArrowheads="1"/>
-          </p:cNvSpPr>
-          <p:nvPr>
-            <p:ph type="title"/>
-          </p:nvPr>
-        </p:nvSpPr>
-        <p:spPr>
-          <a:xfrm>
-            <a:off x="2102537" y="290732"/>
-            <a:ext cx="4973509" cy="1158240"/>
-          </a:xfrm>
-        </p:spPr>
-        <p:txBody>
-          <a:bodyPr/>
-          <a:lstStyle/>
-          <a:p>
-            <a:pPr eaLnBrk="1" hangingPunct="1"/>
-            <a:r>
-              <a:rPr lang="en-US" dirty="0" smtClean="0"/>
-              <a:t>English to Math</a:t>
-            </a:r>
-          </a:p>
-        </p:txBody>
-      </p:sp>
-      <p:sp>
-        <p:nvSpPr>
-          <p:cNvPr id="9221" name="Rectangle 3"/>
-          <p:cNvSpPr>
-            <a:spLocks noGrp="1" noChangeArrowheads="1"/>
-          </p:cNvSpPr>
-          <p:nvPr>
-            <p:ph type="body" sz="half" idx="1"/>
-          </p:nvPr>
-        </p:nvSpPr>
-        <p:spPr>
-          <a:xfrm>
-            <a:off x="112545" y="1497919"/>
-            <a:ext cx="8918916" cy="907655"/>
-          </a:xfrm>
-        </p:spPr>
-        <p:txBody>
-          <a:bodyPr/>
-          <a:lstStyle/>
-          <a:p>
-            <a:pPr marL="0" indent="0" eaLnBrk="1" hangingPunct="1">
-              <a:buFontTx/>
-              <a:buNone/>
-            </a:pPr>
-            <a:r>
-              <a:rPr lang="en-US" sz="3800" dirty="0" smtClean="0"/>
-              <a:t>Greeks carry Bronze or Copper swords</a:t>
-            </a:r>
-          </a:p>
-        </p:txBody>
-      </p:sp>
-      <p:sp>
-        <p:nvSpPr>
-          <p:cNvPr id="260102" name="Text Box 6"/>
-          <p:cNvSpPr txBox="1">
-            <a:spLocks noChangeArrowheads="1"/>
-          </p:cNvSpPr>
-          <p:nvPr/>
-        </p:nvSpPr>
-        <p:spPr bwMode="auto">
-          <a:xfrm>
-            <a:off x="462541" y="4081463"/>
-            <a:ext cx="8218917" cy="769441"/>
-          </a:xfrm>
-          <a:prstGeom prst="rect">
-            <a:avLst/>
-          </a:prstGeom>
-          <a:noFill/>
-          <a:ln w="9525" algn="ctr">
-            <a:noFill/>
-            <a:miter lim="800000"/>
-            <a:headEnd/>
-            <a:tailEnd/>
-          </a:ln>
-        </p:spPr>
-        <p:txBody>
-          <a:bodyPr wrap="none">
-            <a:spAutoFit/>
-          </a:bodyPr>
-          <a:lstStyle/>
-          <a:p>
-            <a:pPr>
-              <a:defRPr/>
-            </a:pPr>
-            <a:r>
-              <a:rPr lang="en-US" sz="4400" dirty="0" smtClean="0">
-                <a:latin typeface="Comic Sans MS" pitchFamily="66" charset="0"/>
-                <a:sym typeface="Euclid Symbol" pitchFamily="18" charset="2"/>
-              </a:rPr>
-              <a:t>Bronze or Copper </a:t>
-            </a:r>
-            <a:r>
-              <a:rPr lang="en-US" sz="4400" dirty="0">
-                <a:latin typeface="Comic Sans MS" pitchFamily="66" charset="0"/>
-                <a:sym typeface="Euclid Symbol" pitchFamily="18" charset="2"/>
-              </a:rPr>
-              <a:t>but </a:t>
-            </a:r>
-            <a:r>
-              <a:rPr lang="en-US" sz="4400" dirty="0">
-                <a:solidFill>
-                  <a:srgbClr val="BB0FAB"/>
-                </a:solidFill>
-                <a:latin typeface="Comic Sans MS" pitchFamily="66" charset="0"/>
-                <a:sym typeface="Euclid Symbol" pitchFamily="18" charset="2"/>
-              </a:rPr>
-              <a:t>not </a:t>
-            </a:r>
-            <a:r>
-              <a:rPr lang="en-US" sz="4400" dirty="0" smtClean="0">
-                <a:solidFill>
-                  <a:srgbClr val="BB0FAB"/>
-                </a:solidFill>
-                <a:latin typeface="Comic Sans MS" pitchFamily="66" charset="0"/>
-                <a:sym typeface="Euclid Symbol" pitchFamily="18" charset="2"/>
-              </a:rPr>
-              <a:t>both</a:t>
-            </a:r>
-            <a:endParaRPr lang="en-US" sz="4400" dirty="0">
-              <a:solidFill>
-                <a:srgbClr val="BB0FAB"/>
-              </a:solidFill>
-              <a:latin typeface="Comic Sans MS" pitchFamily="66" charset="0"/>
-              <a:sym typeface="Euclid Symbol" pitchFamily="18" charset="2"/>
-            </a:endParaRPr>
-          </a:p>
-        </p:txBody>
-      </p:sp>
-      <p:sp>
-        <p:nvSpPr>
-          <p:cNvPr id="10" name="Slide Number Placeholder 2"/>
-          <p:cNvSpPr>
-            <a:spLocks noGrp="1"/>
-          </p:cNvSpPr>
-          <p:nvPr>
-            <p:ph type="sldNum" sz="quarter" idx="10"/>
-          </p:nvPr>
-        </p:nvSpPr>
-        <p:spPr>
-          <a:xfrm>
-            <a:off x="8318134" y="6553200"/>
-            <a:ext cx="825867" cy="276999"/>
-          </a:xfrm>
-        </p:spPr>
-        <p:txBody>
-          <a:bodyPr/>
-          <a:lstStyle/>
-          <a:p>
-            <a:r>
-              <a:rPr lang="en-US" dirty="0" err="1" smtClean="0"/>
-              <a:t>lec</a:t>
-            </a:r>
-            <a:r>
-              <a:rPr lang="en-US" dirty="0" smtClean="0"/>
-              <a:t> 2W.</a:t>
-            </a:r>
-            <a:fld id="{3251DA95-B240-47FE-901D-B78FC8E8E532}" type="slidenum">
-              <a:rPr lang="en-US" smtClean="0"/>
-              <a:pPr/>
-              <a:t>4</a:t>
-            </a:fld>
-            <a:endParaRPr lang="en-US" dirty="0"/>
-          </a:p>
-        </p:txBody>
-      </p:sp>
-    </p:spTree>
-    <p:custDataLst>
-      <p:tags r:id="rId2"/>
-    </p:custDataLst>
-  </p:cSld>
-  <p:clrMapOvr>
-    <a:masterClrMapping/>
-  </p:clrMapOvr>
-  <p:transition xmlns:p14="http://schemas.microsoft.com/office/powerpoint/2010/main" advTm="57085">
-    <p:fade/>
-  </p:transition>
-  <p:timing>
-    <p:tnLst>
-      <p:par>
-        <p:cTn xmlns:p14="http://schemas.microsoft.com/office/powerpoint/2010/main" id="1" dur="indefinite" restart="never" nodeType="tmRoot">
-          <p:childTnLst>
-            <p:seq concurrent="1" nextAc="seek">
-              <p:cTn id="2" dur="indefinite" nodeType="mainSeq">
-                <p:childTnLst>
-                  <p:par>
-                    <p:cTn id="3" fill="hold">
-                      <p:stCondLst>
-                        <p:cond delay="indefinite"/>
-                      </p:stCondLst>
-                      <p:childTnLst>
-                        <p:par>
-                          <p:cTn id="4" fill="hold">
-                            <p:stCondLst>
-                              <p:cond delay="0"/>
-                            </p:stCondLst>
-                            <p:childTnLst>
-                              <p:par>
-                                <p:cTn id="5" presetID="1" presetClass="entr" presetSubtype="0" fill="hold" grpId="0" nodeType="clickEffect">
-                                  <p:stCondLst>
-                                    <p:cond delay="0"/>
-                                  </p:stCondLst>
-                                  <p:childTnLst>
-                                    <p:set>
-                                      <p:cBhvr>
-                                        <p:cTn id="6" dur="1" fill="hold">
-                                          <p:stCondLst>
-                                            <p:cond delay="0"/>
-                                          </p:stCondLst>
-                                        </p:cTn>
-                                        <p:tgtEl>
-                                          <p:spTgt spid="260102"/>
-                                        </p:tgtEl>
-                                        <p:attrNameLst>
-                                          <p:attrName>style.visibility</p:attrName>
-                                        </p:attrNameLst>
-                                      </p:cBhvr>
-                                      <p:to>
-                                        <p:strVal val="visible"/>
-                                      </p:to>
-                                    </p:set>
-                                  </p:childTnLst>
-                                </p:cTn>
-                              </p:par>
-                            </p:childTnLst>
-                          </p:cTn>
-                        </p:par>
-                      </p:childTnLst>
-                    </p:cTn>
-                  </p:par>
-                  <p:par>
-                    <p:cTn id="7" fill="hold">
-                      <p:stCondLst>
-                        <p:cond delay="indefinite"/>
-                      </p:stCondLst>
-                      <p:childTnLst>
-                        <p:par>
-                          <p:cTn id="8" fill="hold">
-                            <p:stCondLst>
-                              <p:cond delay="0"/>
-                            </p:stCondLst>
-                            <p:childTnLst>
-                              <p:par>
-                                <p:cTn id="9" presetID="1" presetClass="entr" presetSubtype="0" fill="hold" nodeType="clickEffect">
-                                  <p:stCondLst>
-                                    <p:cond delay="0"/>
-                                  </p:stCondLst>
-                                  <p:childTnLst>
-                                    <p:set>
-                                      <p:cBhvr>
-                                        <p:cTn id="10" dur="1" fill="hold">
-                                          <p:stCondLst>
-                                            <p:cond delay="0"/>
-                                          </p:stCondLst>
-                                        </p:cTn>
-                                        <p:tgtEl>
-                                          <p:spTgt spid="234500"/>
-                                        </p:tgtEl>
-                                        <p:attrNameLst>
-                                          <p:attrName>style.visibility</p:attrName>
-                                        </p:attrNameLst>
-                                      </p:cBhvr>
-                                      <p:to>
-                                        <p:strVal val="visible"/>
-                                      </p:to>
-                                    </p:set>
-                                  </p:childTnLst>
-                                </p:cTn>
-                              </p:par>
-                            </p:childTnLst>
-                          </p:cTn>
-                        </p:par>
-                      </p:childTnLst>
-                    </p:cTn>
-                  </p:par>
-                  <p:par>
-                    <p:cTn id="11" fill="hold">
-                      <p:stCondLst>
-                        <p:cond delay="indefinite"/>
-                      </p:stCondLst>
-                      <p:childTnLst>
-                        <p:par>
-                          <p:cTn id="12" fill="hold">
-                            <p:stCondLst>
-                              <p:cond delay="0"/>
-                            </p:stCondLst>
-                            <p:childTnLst>
-                              <p:par>
-                                <p:cTn id="13" presetID="10" presetClass="entr" presetSubtype="0" fill="hold" nodeType="clickEffect">
-                                  <p:stCondLst>
-                                    <p:cond delay="0"/>
-                                  </p:stCondLst>
-                                  <p:childTnLst>
-                                    <p:set>
-                                      <p:cBhvr>
-                                        <p:cTn id="14" dur="1" fill="hold">
-                                          <p:stCondLst>
-                                            <p:cond delay="0"/>
-                                          </p:stCondLst>
-                                        </p:cTn>
-                                        <p:tgtEl>
-                                          <p:spTgt spid="234497"/>
-                                        </p:tgtEl>
-                                        <p:attrNameLst>
-                                          <p:attrName>style.visibility</p:attrName>
-                                        </p:attrNameLst>
-                                      </p:cBhvr>
-                                      <p:to>
-                                        <p:strVal val="visible"/>
-                                      </p:to>
-                                    </p:set>
-                                    <p:animEffect transition="in" filter="fade">
-                                      <p:cBhvr>
-                                        <p:cTn id="15" dur="1000"/>
-                                        <p:tgtEl>
-                                          <p:spTgt spid="234497"/>
-                                        </p:tgtEl>
-                                      </p:cBhvr>
-                                    </p:animEffect>
-                                  </p:childTnLst>
-                                </p:cTn>
-                              </p:par>
-                            </p:childTnLst>
-                          </p:cTn>
-                        </p:par>
-                      </p:childTnLst>
-                    </p:cTn>
-                  </p:par>
-                </p:childTnLst>
-              </p:cTn>
-              <p:prevCondLst>
-                <p:cond evt="onPrev" delay="0">
-                  <p:tgtEl>
-                    <p:sldTgt/>
-                  </p:tgtEl>
-                </p:cond>
-              </p:prevCondLst>
-              <p:nextCondLst>
-                <p:cond evt="onNext" delay="0">
-                  <p:tgtEl>
-                    <p:sldTgt/>
-                  </p:tgtEl>
-                </p:cond>
-              </p:nextCondLst>
-            </p:seq>
-          </p:childTnLst>
-        </p:cTn>
-      </p:par>
-    </p:tnLst>
-    <p:bldLst>
-      <p:bldP spid="260102" grpId="0"/>
-    </p:bldLst>
-  </p:timing>
-</p:sld>
-</file>
-
-<file path=ppt/slides/slide40.xml><?xml version="1.0" encoding="utf-8"?>
+<file path=ppt/slides/slide39.xml><?xml version="1.0" encoding="utf-8"?>
 <p:sld xmlns:a="http://schemas.openxmlformats.org/drawingml/2006/main" xmlns:r="http://schemas.openxmlformats.org/officeDocument/2006/relationships" xmlns:p="http://schemas.openxmlformats.org/presentationml/2006/main">
   <p:cSld>
     <p:spTree>
@@ -34818,7 +32344,7 @@
                 <a:tabLst/>
                 <a:defRPr/>
               </a:pPr>
-              <a:t>40</a:t>
+              <a:t>39</a:t>
             </a:fld>
             <a:endParaRPr kumimoji="0" lang="en-US" sz="1200" b="0" i="0" u="none" strike="noStrike" kern="1200" cap="none" spc="0" normalizeH="0" baseline="0" noProof="0" dirty="0" smtClean="0">
               <a:ln>
@@ -34887,7 +32413,7 @@
           <a:graphicData uri="http://schemas.openxmlformats.org/presentationml/2006/ole">
             <mc:AlternateContent xmlns:mc="http://schemas.openxmlformats.org/markup-compatibility/2006">
               <mc:Choice xmlns:v="urn:schemas-microsoft-com:vml" Requires="v">
-                <p:oleObj spid="_x0000_s401436" name="Equation" r:id="rId4" imgW="3784600" imgH="1295400" progId="Equation.DSMT4">
+                <p:oleObj spid="_x0000_s401440" name="Equation" r:id="rId4" imgW="3784600" imgH="1295400" progId="Equation.DSMT4">
                   <p:embed/>
                 </p:oleObj>
               </mc:Choice>
@@ -34953,7 +32479,520 @@
 </p:sld>
 </file>
 
-<file path=ppt/slides/slide41.xml><?xml version="1.0" encoding="utf-8"?>
+<file path=ppt/slides/slide4.xml><?xml version="1.0" encoding="utf-8"?>
+<p:sld xmlns:a="http://schemas.openxmlformats.org/drawingml/2006/main" xmlns:r="http://schemas.openxmlformats.org/officeDocument/2006/relationships" xmlns:p="http://schemas.openxmlformats.org/presentationml/2006/main">
+  <p:cSld>
+    <p:spTree>
+      <p:nvGrpSpPr>
+        <p:cNvPr id="1" name=""/>
+        <p:cNvGrpSpPr/>
+        <p:nvPr/>
+      </p:nvGrpSpPr>
+      <p:grpSpPr>
+        <a:xfrm>
+          <a:off x="0" y="0"/>
+          <a:ext cx="0" cy="0"/>
+          <a:chOff x="0" y="0"/>
+          <a:chExt cx="0" cy="0"/>
+        </a:xfrm>
+      </p:grpSpPr>
+      <p:graphicFrame>
+        <p:nvGraphicFramePr>
+          <p:cNvPr id="234500" name="Object 4"/>
+          <p:cNvGraphicFramePr>
+            <a:graphicFrameLocks noChangeAspect="1"/>
+          </p:cNvGraphicFramePr>
+          <p:nvPr/>
+        </p:nvGraphicFramePr>
+        <p:xfrm>
+          <a:off x="1104855" y="2292350"/>
+          <a:ext cx="6945312" cy="1054100"/>
+        </p:xfrm>
+        <a:graphic>
+          <a:graphicData uri="http://schemas.openxmlformats.org/presentationml/2006/ole">
+            <mc:AlternateContent xmlns:mc="http://schemas.openxmlformats.org/markup-compatibility/2006">
+              <mc:Choice xmlns:v="urn:schemas-microsoft-com:vml" Requires="v">
+                <p:oleObj spid="_x0000_s234548" name="Equation" r:id="rId5" imgW="1422360" imgH="215640" progId="Equation.DSMT4">
+                  <p:embed/>
+                </p:oleObj>
+              </mc:Choice>
+              <mc:Fallback>
+                <p:oleObj name="Equation" r:id="rId5" imgW="1422360" imgH="215640" progId="Equation.DSMT4">
+                  <p:embed/>
+                  <p:pic>
+                    <p:nvPicPr>
+                      <p:cNvPr id="0" name="Picture 4"/>
+                      <p:cNvPicPr>
+                        <a:picLocks noChangeAspect="1" noChangeArrowheads="1"/>
+                      </p:cNvPicPr>
+                      <p:nvPr/>
+                    </p:nvPicPr>
+                    <p:blipFill>
+                      <a:blip r:embed="rId6">
+                        <a:extLst>
+                          <a:ext uri="{28A0092B-C50C-407E-A947-70E740481C1C}">
+                            <a14:useLocalDpi xmlns:a14="http://schemas.microsoft.com/office/drawing/2010/main" val="0"/>
+                          </a:ext>
+                        </a:extLst>
+                      </a:blip>
+                      <a:srcRect/>
+                      <a:stretch>
+                        <a:fillRect/>
+                      </a:stretch>
+                    </p:blipFill>
+                    <p:spPr bwMode="auto">
+                      <a:xfrm>
+                        <a:off x="1104855" y="2292350"/>
+                        <a:ext cx="6945312" cy="1054100"/>
+                      </a:xfrm>
+                      <a:prstGeom prst="rect">
+                        <a:avLst/>
+                      </a:prstGeom>
+                      <a:noFill/>
+                      <a:extLst>
+                        <a:ext uri="{909E8E84-426E-40dd-AFC4-6F175D3DCCD1}">
+                          <a14:hiddenFill xmlns:a14="http://schemas.microsoft.com/office/drawing/2010/main">
+                            <a:solidFill>
+                              <a:srgbClr val="FFFFFF"/>
+                            </a:solidFill>
+                          </a14:hiddenFill>
+                        </a:ext>
+                      </a:extLst>
+                    </p:spPr>
+                  </p:pic>
+                </p:oleObj>
+              </mc:Fallback>
+            </mc:AlternateContent>
+          </a:graphicData>
+        </a:graphic>
+      </p:graphicFrame>
+      <p:graphicFrame>
+        <p:nvGraphicFramePr>
+          <p:cNvPr id="234497" name="Object 1"/>
+          <p:cNvGraphicFramePr>
+            <a:graphicFrameLocks noChangeAspect="1"/>
+          </p:cNvGraphicFramePr>
+          <p:nvPr/>
+        </p:nvGraphicFramePr>
+        <p:xfrm>
+          <a:off x="1117203" y="2290763"/>
+          <a:ext cx="6996113" cy="1135062"/>
+        </p:xfrm>
+        <a:graphic>
+          <a:graphicData uri="http://schemas.openxmlformats.org/presentationml/2006/ole">
+            <mc:AlternateContent xmlns:mc="http://schemas.openxmlformats.org/markup-compatibility/2006">
+              <mc:Choice xmlns:v="urn:schemas-microsoft-com:vml" Requires="v">
+                <p:oleObj spid="_x0000_s234549" name="Equation" r:id="rId7" imgW="1409700" imgH="228600" progId="Equation.DSMT4">
+                  <p:embed/>
+                </p:oleObj>
+              </mc:Choice>
+              <mc:Fallback>
+                <p:oleObj name="Equation" r:id="rId7" imgW="1409700" imgH="228600" progId="Equation.DSMT4">
+                  <p:embed/>
+                  <p:pic>
+                    <p:nvPicPr>
+                      <p:cNvPr id="0" name="Picture 1"/>
+                      <p:cNvPicPr>
+                        <a:picLocks noChangeAspect="1" noChangeArrowheads="1"/>
+                      </p:cNvPicPr>
+                      <p:nvPr/>
+                    </p:nvPicPr>
+                    <p:blipFill>
+                      <a:blip r:embed="rId8">
+                        <a:extLst>
+                          <a:ext uri="{28A0092B-C50C-407E-A947-70E740481C1C}">
+                            <a14:useLocalDpi xmlns:a14="http://schemas.microsoft.com/office/drawing/2010/main" val="0"/>
+                          </a:ext>
+                        </a:extLst>
+                      </a:blip>
+                      <a:srcRect/>
+                      <a:stretch>
+                        <a:fillRect/>
+                      </a:stretch>
+                    </p:blipFill>
+                    <p:spPr bwMode="auto">
+                      <a:xfrm>
+                        <a:off x="1117203" y="2290763"/>
+                        <a:ext cx="6996113" cy="1135062"/>
+                      </a:xfrm>
+                      <a:prstGeom prst="rect">
+                        <a:avLst/>
+                      </a:prstGeom>
+                      <a:solidFill>
+                        <a:schemeClr val="accent1"/>
+                      </a:solidFill>
+                    </p:spPr>
+                  </p:pic>
+                </p:oleObj>
+              </mc:Fallback>
+            </mc:AlternateContent>
+          </a:graphicData>
+        </a:graphic>
+      </p:graphicFrame>
+      <p:sp>
+        <p:nvSpPr>
+          <p:cNvPr id="9220" name="Rectangle 2"/>
+          <p:cNvSpPr>
+            <a:spLocks noGrp="1" noChangeArrowheads="1"/>
+          </p:cNvSpPr>
+          <p:nvPr>
+            <p:ph type="title"/>
+          </p:nvPr>
+        </p:nvSpPr>
+        <p:spPr>
+          <a:xfrm>
+            <a:off x="2102537" y="290732"/>
+            <a:ext cx="4973509" cy="1158240"/>
+          </a:xfrm>
+        </p:spPr>
+        <p:txBody>
+          <a:bodyPr/>
+          <a:lstStyle/>
+          <a:p>
+            <a:pPr eaLnBrk="1" hangingPunct="1"/>
+            <a:r>
+              <a:rPr lang="en-US" dirty="0" smtClean="0"/>
+              <a:t>English to Math</a:t>
+            </a:r>
+          </a:p>
+        </p:txBody>
+      </p:sp>
+      <p:sp>
+        <p:nvSpPr>
+          <p:cNvPr id="9221" name="Rectangle 3"/>
+          <p:cNvSpPr>
+            <a:spLocks noGrp="1" noChangeArrowheads="1"/>
+          </p:cNvSpPr>
+          <p:nvPr>
+            <p:ph type="body" sz="half" idx="1"/>
+          </p:nvPr>
+        </p:nvSpPr>
+        <p:spPr>
+          <a:xfrm>
+            <a:off x="112545" y="1497919"/>
+            <a:ext cx="8918916" cy="907655"/>
+          </a:xfrm>
+        </p:spPr>
+        <p:txBody>
+          <a:bodyPr/>
+          <a:lstStyle/>
+          <a:p>
+            <a:pPr marL="0" indent="0" eaLnBrk="1" hangingPunct="1">
+              <a:buFontTx/>
+              <a:buNone/>
+            </a:pPr>
+            <a:r>
+              <a:rPr lang="en-US" sz="3800" dirty="0" smtClean="0"/>
+              <a:t>Greeks carry Bronze or Copper swords</a:t>
+            </a:r>
+          </a:p>
+        </p:txBody>
+      </p:sp>
+      <p:sp>
+        <p:nvSpPr>
+          <p:cNvPr id="260102" name="Text Box 6"/>
+          <p:cNvSpPr txBox="1">
+            <a:spLocks noChangeArrowheads="1"/>
+          </p:cNvSpPr>
+          <p:nvPr/>
+        </p:nvSpPr>
+        <p:spPr bwMode="auto">
+          <a:xfrm>
+            <a:off x="462541" y="4081463"/>
+            <a:ext cx="8218917" cy="769441"/>
+          </a:xfrm>
+          <a:prstGeom prst="rect">
+            <a:avLst/>
+          </a:prstGeom>
+          <a:noFill/>
+          <a:ln w="9525" algn="ctr">
+            <a:noFill/>
+            <a:miter lim="800000"/>
+            <a:headEnd/>
+            <a:tailEnd/>
+          </a:ln>
+        </p:spPr>
+        <p:txBody>
+          <a:bodyPr wrap="none">
+            <a:spAutoFit/>
+          </a:bodyPr>
+          <a:lstStyle/>
+          <a:p>
+            <a:pPr>
+              <a:defRPr/>
+            </a:pPr>
+            <a:r>
+              <a:rPr lang="en-US" sz="4400" dirty="0" smtClean="0">
+                <a:latin typeface="Comic Sans MS" pitchFamily="66" charset="0"/>
+                <a:sym typeface="Euclid Symbol" pitchFamily="18" charset="2"/>
+              </a:rPr>
+              <a:t>Bronze or Copper </a:t>
+            </a:r>
+            <a:r>
+              <a:rPr lang="en-US" sz="4400" dirty="0">
+                <a:latin typeface="Comic Sans MS" pitchFamily="66" charset="0"/>
+                <a:sym typeface="Euclid Symbol" pitchFamily="18" charset="2"/>
+              </a:rPr>
+              <a:t>but </a:t>
+            </a:r>
+            <a:r>
+              <a:rPr lang="en-US" sz="4400" dirty="0">
+                <a:solidFill>
+                  <a:srgbClr val="BB0FAB"/>
+                </a:solidFill>
+                <a:latin typeface="Comic Sans MS" pitchFamily="66" charset="0"/>
+                <a:sym typeface="Euclid Symbol" pitchFamily="18" charset="2"/>
+              </a:rPr>
+              <a:t>not </a:t>
+            </a:r>
+            <a:r>
+              <a:rPr lang="en-US" sz="4400" dirty="0" smtClean="0">
+                <a:solidFill>
+                  <a:srgbClr val="BB0FAB"/>
+                </a:solidFill>
+                <a:latin typeface="Comic Sans MS" pitchFamily="66" charset="0"/>
+                <a:sym typeface="Euclid Symbol" pitchFamily="18" charset="2"/>
+              </a:rPr>
+              <a:t>both</a:t>
+            </a:r>
+            <a:endParaRPr lang="en-US" sz="4400" dirty="0">
+              <a:solidFill>
+                <a:srgbClr val="BB0FAB"/>
+              </a:solidFill>
+              <a:latin typeface="Comic Sans MS" pitchFamily="66" charset="0"/>
+              <a:sym typeface="Euclid Symbol" pitchFamily="18" charset="2"/>
+            </a:endParaRPr>
+          </a:p>
+        </p:txBody>
+      </p:sp>
+      <p:sp>
+        <p:nvSpPr>
+          <p:cNvPr id="10" name="Slide Number Placeholder 2"/>
+          <p:cNvSpPr>
+            <a:spLocks noGrp="1"/>
+          </p:cNvSpPr>
+          <p:nvPr>
+            <p:ph type="sldNum" sz="quarter" idx="10"/>
+          </p:nvPr>
+        </p:nvSpPr>
+        <p:spPr>
+          <a:xfrm>
+            <a:off x="8318134" y="6553200"/>
+            <a:ext cx="825867" cy="276999"/>
+          </a:xfrm>
+        </p:spPr>
+        <p:txBody>
+          <a:bodyPr/>
+          <a:lstStyle/>
+          <a:p>
+            <a:r>
+              <a:rPr lang="en-US" dirty="0" err="1" smtClean="0"/>
+              <a:t>lec</a:t>
+            </a:r>
+            <a:r>
+              <a:rPr lang="en-US" dirty="0" smtClean="0"/>
+              <a:t> 2W.</a:t>
+            </a:r>
+            <a:fld id="{3251DA95-B240-47FE-901D-B78FC8E8E532}" type="slidenum">
+              <a:rPr lang="en-US" smtClean="0"/>
+              <a:pPr/>
+              <a:t>4</a:t>
+            </a:fld>
+            <a:endParaRPr lang="en-US" dirty="0"/>
+          </a:p>
+        </p:txBody>
+      </p:sp>
+    </p:spTree>
+    <p:custDataLst>
+      <p:tags r:id="rId2"/>
+    </p:custDataLst>
+  </p:cSld>
+  <p:clrMapOvr>
+    <a:masterClrMapping/>
+  </p:clrMapOvr>
+  <p:transition xmlns:p14="http://schemas.microsoft.com/office/powerpoint/2010/main" advTm="57085">
+    <p:fade/>
+  </p:transition>
+  <p:timing>
+    <p:tnLst>
+      <p:par>
+        <p:cTn xmlns:p14="http://schemas.microsoft.com/office/powerpoint/2010/main" id="1" dur="indefinite" restart="never" nodeType="tmRoot">
+          <p:childTnLst>
+            <p:seq concurrent="1" nextAc="seek">
+              <p:cTn id="2" dur="indefinite" nodeType="mainSeq">
+                <p:childTnLst>
+                  <p:par>
+                    <p:cTn id="3" fill="hold">
+                      <p:stCondLst>
+                        <p:cond delay="indefinite"/>
+                      </p:stCondLst>
+                      <p:childTnLst>
+                        <p:par>
+                          <p:cTn id="4" fill="hold">
+                            <p:stCondLst>
+                              <p:cond delay="0"/>
+                            </p:stCondLst>
+                            <p:childTnLst>
+                              <p:par>
+                                <p:cTn id="5" presetID="1" presetClass="entr" presetSubtype="0" fill="hold" grpId="0" nodeType="clickEffect">
+                                  <p:stCondLst>
+                                    <p:cond delay="0"/>
+                                  </p:stCondLst>
+                                  <p:childTnLst>
+                                    <p:set>
+                                      <p:cBhvr>
+                                        <p:cTn id="6" dur="1" fill="hold">
+                                          <p:stCondLst>
+                                            <p:cond delay="0"/>
+                                          </p:stCondLst>
+                                        </p:cTn>
+                                        <p:tgtEl>
+                                          <p:spTgt spid="260102"/>
+                                        </p:tgtEl>
+                                        <p:attrNameLst>
+                                          <p:attrName>style.visibility</p:attrName>
+                                        </p:attrNameLst>
+                                      </p:cBhvr>
+                                      <p:to>
+                                        <p:strVal val="visible"/>
+                                      </p:to>
+                                    </p:set>
+                                  </p:childTnLst>
+                                </p:cTn>
+                              </p:par>
+                            </p:childTnLst>
+                          </p:cTn>
+                        </p:par>
+                      </p:childTnLst>
+                    </p:cTn>
+                  </p:par>
+                  <p:par>
+                    <p:cTn id="7" fill="hold">
+                      <p:stCondLst>
+                        <p:cond delay="indefinite"/>
+                      </p:stCondLst>
+                      <p:childTnLst>
+                        <p:par>
+                          <p:cTn id="8" fill="hold">
+                            <p:stCondLst>
+                              <p:cond delay="0"/>
+                            </p:stCondLst>
+                            <p:childTnLst>
+                              <p:par>
+                                <p:cTn id="9" presetID="1" presetClass="entr" presetSubtype="0" fill="hold" nodeType="clickEffect">
+                                  <p:stCondLst>
+                                    <p:cond delay="0"/>
+                                  </p:stCondLst>
+                                  <p:childTnLst>
+                                    <p:set>
+                                      <p:cBhvr>
+                                        <p:cTn id="10" dur="1" fill="hold">
+                                          <p:stCondLst>
+                                            <p:cond delay="0"/>
+                                          </p:stCondLst>
+                                        </p:cTn>
+                                        <p:tgtEl>
+                                          <p:spTgt spid="234500"/>
+                                        </p:tgtEl>
+                                        <p:attrNameLst>
+                                          <p:attrName>style.visibility</p:attrName>
+                                        </p:attrNameLst>
+                                      </p:cBhvr>
+                                      <p:to>
+                                        <p:strVal val="visible"/>
+                                      </p:to>
+                                    </p:set>
+                                  </p:childTnLst>
+                                </p:cTn>
+                              </p:par>
+                            </p:childTnLst>
+                          </p:cTn>
+                        </p:par>
+                      </p:childTnLst>
+                    </p:cTn>
+                  </p:par>
+                  <p:par>
+                    <p:cTn id="11" fill="hold">
+                      <p:stCondLst>
+                        <p:cond delay="indefinite"/>
+                      </p:stCondLst>
+                      <p:childTnLst>
+                        <p:par>
+                          <p:cTn id="12" fill="hold">
+                            <p:stCondLst>
+                              <p:cond delay="0"/>
+                            </p:stCondLst>
+                            <p:childTnLst>
+                              <p:par>
+                                <p:cTn id="13" presetID="10" presetClass="entr" presetSubtype="0" fill="hold" nodeType="clickEffect">
+                                  <p:stCondLst>
+                                    <p:cond delay="0"/>
+                                  </p:stCondLst>
+                                  <p:childTnLst>
+                                    <p:set>
+                                      <p:cBhvr>
+                                        <p:cTn id="14" dur="1" fill="hold">
+                                          <p:stCondLst>
+                                            <p:cond delay="0"/>
+                                          </p:stCondLst>
+                                        </p:cTn>
+                                        <p:tgtEl>
+                                          <p:spTgt spid="234497"/>
+                                        </p:tgtEl>
+                                        <p:attrNameLst>
+                                          <p:attrName>style.visibility</p:attrName>
+                                        </p:attrNameLst>
+                                      </p:cBhvr>
+                                      <p:to>
+                                        <p:strVal val="visible"/>
+                                      </p:to>
+                                    </p:set>
+                                    <p:animEffect transition="in" filter="fade">
+                                      <p:cBhvr>
+                                        <p:cTn id="15" dur="1000"/>
+                                        <p:tgtEl>
+                                          <p:spTgt spid="234497"/>
+                                        </p:tgtEl>
+                                      </p:cBhvr>
+                                    </p:animEffect>
+                                  </p:childTnLst>
+                                </p:cTn>
+                              </p:par>
+                            </p:childTnLst>
+                          </p:cTn>
+                        </p:par>
+                      </p:childTnLst>
+                    </p:cTn>
+                  </p:par>
+                </p:childTnLst>
+              </p:cTn>
+              <p:prevCondLst>
+                <p:cond evt="onPrev" delay="0">
+                  <p:tgtEl>
+                    <p:sldTgt/>
+                  </p:tgtEl>
+                </p:cond>
+              </p:prevCondLst>
+              <p:nextCondLst>
+                <p:cond evt="onNext" delay="0">
+                  <p:tgtEl>
+                    <p:sldTgt/>
+                  </p:tgtEl>
+                </p:cond>
+              </p:nextCondLst>
+            </p:seq>
+          </p:childTnLst>
+        </p:cTn>
+      </p:par>
+    </p:tnLst>
+    <p:bldLst>
+      <p:bldP spid="260102" grpId="0"/>
+    </p:bldLst>
+  </p:timing>
+</p:sld>
+</file>
+
+<file path=ppt/slides/slide40.xml><?xml version="1.0" encoding="utf-8"?>
 <p:sld xmlns:a="http://schemas.openxmlformats.org/drawingml/2006/main" xmlns:r="http://schemas.openxmlformats.org/officeDocument/2006/relationships" xmlns:p="http://schemas.openxmlformats.org/presentationml/2006/main">
   <p:cSld>
     <p:spTree>
@@ -35002,7 +33041,7 @@
             <a:fld id="{CBD9AEC5-2546-4473-B982-5733658B7CFB}" type="slidenum">
               <a:rPr lang="en-US" sz="1200" smtClean="0"/>
               <a:pPr/>
-              <a:t>41</a:t>
+              <a:t>40</a:t>
             </a:fld>
             <a:endParaRPr lang="en-US" sz="1200" dirty="0" smtClean="0"/>
           </a:p>
@@ -35085,7 +33124,6 @@
               <a:rPr lang="en-US" sz="8000" dirty="0" smtClean="0"/>
               <a:t>extra 4 &amp; 5</a:t>
             </a:r>
-            <a:endParaRPr lang="en-US" sz="8000" dirty="0" smtClean="0"/>
           </a:p>
         </p:txBody>
       </p:sp>
@@ -38174,7 +36212,7 @@
                             </p:stCondLst>
                             <p:childTnLst>
                               <p:par>
-                                <p:cTn id="5" presetID="1" presetClass="entr" presetSubtype="0" fill="hold" grpId="0" nodeType="clickEffect">
+                                <p:cTn id="5" presetID="9" presetClass="entr" presetSubtype="0" fill="hold" grpId="0" nodeType="clickEffect">
                                   <p:stCondLst>
                                     <p:cond delay="0"/>
                                   </p:stCondLst>
@@ -38197,18 +36235,35 @@
                                         <p:strVal val="visible"/>
                                       </p:to>
                                     </p:set>
+                                    <p:animEffect transition="in" filter="dissolve">
+                                      <p:cBhvr>
+                                        <p:cTn id="7" dur="500"/>
+                                        <p:tgtEl>
+                                          <p:spTgt spid="24"/>
+                                        </p:tgtEl>
+                                      </p:cBhvr>
+                                    </p:animEffect>
                                   </p:childTnLst>
                                 </p:cTn>
                               </p:par>
+                            </p:childTnLst>
+                          </p:cTn>
+                        </p:par>
+                        <p:par>
+                          <p:cTn id="8" fill="hold">
+                            <p:stCondLst>
+                              <p:cond delay="500"/>
+                            </p:stCondLst>
+                            <p:childTnLst>
                               <p:par>
-                                <p:cTn id="7" presetID="1" presetClass="entr" presetSubtype="0" fill="hold" nodeType="withEffect">
+                                <p:cTn id="9" presetID="22" presetClass="entr" presetSubtype="1" fill="hold" nodeType="afterEffect">
                                   <p:stCondLst>
                                     <p:cond delay="0"/>
                                   </p:stCondLst>
                                   <p:childTnLst>
                                     <p:set>
                                       <p:cBhvr>
-                                        <p:cTn id="8" dur="1" fill="hold">
+                                        <p:cTn id="10" dur="1" fill="hold">
                                           <p:stCondLst>
                                             <p:cond delay="0"/>
                                           </p:stCondLst>
@@ -38224,6 +36279,14 @@
                                         <p:strVal val="visible"/>
                                       </p:to>
                                     </p:set>
+                                    <p:animEffect transition="in" filter="wipe(up)">
+                                      <p:cBhvr>
+                                        <p:cTn id="11" dur="500"/>
+                                        <p:tgtEl>
+                                          <p:spTgt spid="22"/>
+                                        </p:tgtEl>
+                                      </p:cBhvr>
+                                    </p:animEffect>
                                   </p:childTnLst>
                                 </p:cTn>
                               </p:par>
@@ -38262,7 +36325,7 @@
 </file>
 
 <file path=ppt/slides/slide7.xml><?xml version="1.0" encoding="utf-8"?>
-<p:sld xmlns:a="http://schemas.openxmlformats.org/drawingml/2006/main" xmlns:r="http://schemas.openxmlformats.org/officeDocument/2006/relationships" xmlns:p="http://schemas.openxmlformats.org/presentationml/2006/main" show="0">
+<p:sld xmlns:a="http://schemas.openxmlformats.org/drawingml/2006/main" xmlns:r="http://schemas.openxmlformats.org/officeDocument/2006/relationships" xmlns:p="http://schemas.openxmlformats.org/presentationml/2006/main">
   <p:cSld>
     <p:spTree>
       <p:nvGrpSpPr>
